--- a/final-project/3/Final_Project_3_David_Goldman.pptx
+++ b/final-project/3/Final_Project_3_David_Goldman.pptx
@@ -2,7 +2,7 @@
 <file path=ppt/presentation.xml><?xml version="1.0" encoding="utf-8"?>
 <p:presentation xmlns:a="http://schemas.openxmlformats.org/drawingml/2006/main" xmlns:r="http://schemas.openxmlformats.org/officeDocument/2006/relationships" xmlns:p="http://schemas.openxmlformats.org/presentationml/2006/main" autoCompressPictures="0">
   <p:sldMasterIdLst>
-    <p:sldMasterId id="2147483824" r:id="rId1"/>
+    <p:sldMasterId id="2147483894" r:id="rId1"/>
   </p:sldMasterIdLst>
   <p:sldIdLst>
     <p:sldId id="256" r:id="rId2"/>
@@ -123,8 +123,16 @@
 </file>
 
 <file path=ppt/slideLayouts/slideLayout1.xml><?xml version="1.0" encoding="utf-8"?>
-<p:sldLayout xmlns:a="http://schemas.openxmlformats.org/drawingml/2006/main" xmlns:r="http://schemas.openxmlformats.org/officeDocument/2006/relationships" xmlns:p="http://schemas.openxmlformats.org/presentationml/2006/main" showMasterSp="0" type="title" preserve="1">
+<p:sldLayout xmlns:a="http://schemas.openxmlformats.org/drawingml/2006/main" xmlns:r="http://schemas.openxmlformats.org/officeDocument/2006/relationships" xmlns:p="http://schemas.openxmlformats.org/presentationml/2006/main" type="title" preserve="1">
   <p:cSld name="Title Slide">
+    <p:bg>
+      <p:bgPr>
+        <a:solidFill>
+          <a:schemeClr val="accent1"/>
+        </a:solidFill>
+        <a:effectLst/>
+      </p:bgPr>
+    </p:bg>
     <p:spTree>
       <p:nvGrpSpPr>
         <p:cNvPr id="1" name=""/>
@@ -139,550 +147,55 @@
           <a:chExt cx="0" cy="0"/>
         </a:xfrm>
       </p:grpSpPr>
-      <p:grpSp>
-        <p:nvGrpSpPr>
-          <p:cNvPr id="7" name="Group 6"/>
-          <p:cNvGrpSpPr/>
+      <p:sp>
+        <p:nvSpPr>
+          <p:cNvPr id="4" name="Rectangle 3"/>
+          <p:cNvSpPr/>
           <p:nvPr/>
-        </p:nvGrpSpPr>
-        <p:grpSpPr>
-          <a:xfrm>
-            <a:off x="0" y="-8467"/>
-            <a:ext cx="12192000" cy="6866467"/>
-            <a:chOff x="0" y="-8467"/>
-            <a:chExt cx="12192000" cy="6866467"/>
-          </a:xfrm>
-        </p:grpSpPr>
-        <p:cxnSp>
-          <p:nvCxnSpPr>
-            <p:cNvPr id="32" name="Straight Connector 31"/>
-            <p:cNvCxnSpPr/>
-            <p:nvPr/>
-          </p:nvCxnSpPr>
-          <p:spPr>
-            <a:xfrm>
-              <a:off x="9371012" y="0"/>
-              <a:ext cx="1219200" cy="6858000"/>
-            </a:xfrm>
-            <a:prstGeom prst="line">
-              <a:avLst/>
-            </a:prstGeom>
-            <a:ln w="9525">
-              <a:solidFill>
-                <a:schemeClr val="bg1">
-                  <a:lumMod val="75000"/>
-                </a:schemeClr>
-              </a:solidFill>
-            </a:ln>
-          </p:spPr>
-          <p:style>
-            <a:lnRef idx="2">
-              <a:schemeClr val="accent1"/>
-            </a:lnRef>
-            <a:fillRef idx="0">
-              <a:schemeClr val="accent1"/>
-            </a:fillRef>
-            <a:effectRef idx="1">
-              <a:schemeClr val="accent1"/>
-            </a:effectRef>
-            <a:fontRef idx="minor">
-              <a:schemeClr val="tx1"/>
-            </a:fontRef>
-          </p:style>
-        </p:cxnSp>
-        <p:cxnSp>
-          <p:nvCxnSpPr>
-            <p:cNvPr id="21" name="Straight Connector 20"/>
-            <p:cNvCxnSpPr/>
-            <p:nvPr/>
-          </p:nvCxnSpPr>
-          <p:spPr>
-            <a:xfrm flipH="1">
-              <a:off x="7425267" y="3681413"/>
-              <a:ext cx="4763558" cy="3176587"/>
-            </a:xfrm>
-            <a:prstGeom prst="line">
-              <a:avLst/>
-            </a:prstGeom>
-            <a:ln w="9525">
-              <a:solidFill>
-                <a:schemeClr val="bg1">
-                  <a:lumMod val="85000"/>
-                </a:schemeClr>
-              </a:solidFill>
-            </a:ln>
-          </p:spPr>
-          <p:style>
-            <a:lnRef idx="2">
-              <a:schemeClr val="accent1"/>
-            </a:lnRef>
-            <a:fillRef idx="0">
-              <a:schemeClr val="accent1"/>
-            </a:fillRef>
-            <a:effectRef idx="1">
-              <a:schemeClr val="accent1"/>
-            </a:effectRef>
-            <a:fontRef idx="minor">
-              <a:schemeClr val="tx1"/>
-            </a:fontRef>
-          </p:style>
-        </p:cxnSp>
-        <p:sp>
-          <p:nvSpPr>
-            <p:cNvPr id="24" name="Rectangle 23"/>
-            <p:cNvSpPr/>
-            <p:nvPr/>
-          </p:nvSpPr>
-          <p:spPr>
-            <a:xfrm>
-              <a:off x="9181476" y="-8467"/>
-              <a:ext cx="3007349" cy="6866467"/>
-            </a:xfrm>
-            <a:custGeom>
-              <a:avLst/>
-              <a:gdLst/>
-              <a:ahLst/>
-              <a:cxnLst/>
-              <a:rect l="l" t="t" r="r" b="b"/>
-              <a:pathLst>
-                <a:path w="3007349" h="6866467">
-                  <a:moveTo>
-                    <a:pt x="2045532" y="0"/>
-                  </a:moveTo>
-                  <a:lnTo>
-                    <a:pt x="3007349" y="0"/>
-                  </a:lnTo>
-                  <a:lnTo>
-                    <a:pt x="3007349" y="6866467"/>
-                  </a:lnTo>
-                  <a:lnTo>
-                    <a:pt x="0" y="6866467"/>
-                  </a:lnTo>
-                  <a:lnTo>
-                    <a:pt x="2045532" y="0"/>
-                  </a:lnTo>
-                  <a:close/>
-                </a:path>
-              </a:pathLst>
-            </a:custGeom>
-            <a:solidFill>
-              <a:schemeClr val="accent1">
-                <a:alpha val="30000"/>
-              </a:schemeClr>
-            </a:solidFill>
-            <a:ln>
-              <a:noFill/>
-            </a:ln>
-            <a:effectLst/>
-          </p:spPr>
-          <p:style>
-            <a:lnRef idx="1">
-              <a:schemeClr val="accent1"/>
-            </a:lnRef>
-            <a:fillRef idx="3">
-              <a:schemeClr val="accent1"/>
-            </a:fillRef>
-            <a:effectRef idx="2">
-              <a:schemeClr val="accent1"/>
-            </a:effectRef>
-            <a:fontRef idx="minor">
-              <a:schemeClr val="lt1"/>
-            </a:fontRef>
-          </p:style>
-        </p:sp>
-        <p:sp>
-          <p:nvSpPr>
-            <p:cNvPr id="26" name="Rectangle 25"/>
-            <p:cNvSpPr/>
-            <p:nvPr/>
-          </p:nvSpPr>
-          <p:spPr>
-            <a:xfrm>
-              <a:off x="9603442" y="-8467"/>
-              <a:ext cx="2588558" cy="6866467"/>
-            </a:xfrm>
-            <a:custGeom>
-              <a:avLst/>
-              <a:gdLst/>
-              <a:ahLst/>
-              <a:cxnLst/>
-              <a:rect l="l" t="t" r="r" b="b"/>
-              <a:pathLst>
-                <a:path w="2573311" h="6866467">
-                  <a:moveTo>
-                    <a:pt x="0" y="0"/>
-                  </a:moveTo>
-                  <a:lnTo>
-                    <a:pt x="2573311" y="0"/>
-                  </a:lnTo>
-                  <a:lnTo>
-                    <a:pt x="2573311" y="6866467"/>
-                  </a:lnTo>
-                  <a:lnTo>
-                    <a:pt x="1202336" y="6866467"/>
-                  </a:lnTo>
-                  <a:lnTo>
-                    <a:pt x="0" y="0"/>
-                  </a:lnTo>
-                  <a:close/>
-                </a:path>
-              </a:pathLst>
-            </a:custGeom>
-            <a:solidFill>
-              <a:schemeClr val="accent1">
-                <a:alpha val="20000"/>
-              </a:schemeClr>
-            </a:solidFill>
-            <a:ln>
-              <a:noFill/>
-            </a:ln>
-            <a:effectLst/>
-          </p:spPr>
-          <p:style>
-            <a:lnRef idx="1">
-              <a:schemeClr val="accent1"/>
-            </a:lnRef>
-            <a:fillRef idx="3">
-              <a:schemeClr val="accent1"/>
-            </a:fillRef>
-            <a:effectRef idx="2">
-              <a:schemeClr val="accent1"/>
-            </a:effectRef>
-            <a:fontRef idx="minor">
-              <a:schemeClr val="lt1"/>
-            </a:fontRef>
-          </p:style>
-        </p:sp>
-        <p:sp>
-          <p:nvSpPr>
-            <p:cNvPr id="27" name="Isosceles Triangle 26"/>
-            <p:cNvSpPr/>
-            <p:nvPr/>
-          </p:nvSpPr>
-          <p:spPr>
-            <a:xfrm>
-              <a:off x="8932333" y="3048000"/>
-              <a:ext cx="3259667" cy="3810000"/>
-            </a:xfrm>
-            <a:prstGeom prst="triangle">
-              <a:avLst>
-                <a:gd name="adj" fmla="val 100000"/>
-              </a:avLst>
-            </a:prstGeom>
-            <a:solidFill>
-              <a:schemeClr val="accent2">
-                <a:alpha val="72000"/>
-              </a:schemeClr>
-            </a:solidFill>
-            <a:ln>
-              <a:noFill/>
-            </a:ln>
-            <a:effectLst/>
-          </p:spPr>
-          <p:style>
-            <a:lnRef idx="1">
-              <a:schemeClr val="accent1"/>
-            </a:lnRef>
-            <a:fillRef idx="3">
-              <a:schemeClr val="accent1"/>
-            </a:fillRef>
-            <a:effectRef idx="2">
-              <a:schemeClr val="accent1"/>
-            </a:effectRef>
-            <a:fontRef idx="minor">
-              <a:schemeClr val="lt1"/>
-            </a:fontRef>
-          </p:style>
-        </p:sp>
-        <p:sp>
-          <p:nvSpPr>
-            <p:cNvPr id="28" name="Rectangle 27"/>
-            <p:cNvSpPr/>
-            <p:nvPr/>
-          </p:nvSpPr>
-          <p:spPr>
-            <a:xfrm>
-              <a:off x="9334500" y="-8467"/>
-              <a:ext cx="2854326" cy="6866467"/>
-            </a:xfrm>
-            <a:custGeom>
-              <a:avLst/>
-              <a:gdLst/>
-              <a:ahLst/>
-              <a:cxnLst/>
-              <a:rect l="l" t="t" r="r" b="b"/>
-              <a:pathLst>
-                <a:path w="2858013" h="6866467">
-                  <a:moveTo>
-                    <a:pt x="0" y="0"/>
-                  </a:moveTo>
-                  <a:lnTo>
-                    <a:pt x="2858013" y="0"/>
-                  </a:lnTo>
-                  <a:lnTo>
-                    <a:pt x="2858013" y="6866467"/>
-                  </a:lnTo>
-                  <a:lnTo>
-                    <a:pt x="2473942" y="6866467"/>
-                  </a:lnTo>
-                  <a:lnTo>
-                    <a:pt x="0" y="0"/>
-                  </a:lnTo>
-                  <a:close/>
-                </a:path>
-              </a:pathLst>
-            </a:custGeom>
-            <a:solidFill>
-              <a:schemeClr val="accent2">
-                <a:lumMod val="75000"/>
-                <a:alpha val="70000"/>
-              </a:schemeClr>
-            </a:solidFill>
-            <a:ln>
-              <a:noFill/>
-            </a:ln>
-            <a:effectLst/>
-          </p:spPr>
-          <p:style>
-            <a:lnRef idx="1">
-              <a:schemeClr val="accent1"/>
-            </a:lnRef>
-            <a:fillRef idx="3">
-              <a:schemeClr val="accent1"/>
-            </a:fillRef>
-            <a:effectRef idx="2">
-              <a:schemeClr val="accent1"/>
-            </a:effectRef>
-            <a:fontRef idx="minor">
-              <a:schemeClr val="lt1"/>
-            </a:fontRef>
-          </p:style>
-        </p:sp>
-        <p:sp>
-          <p:nvSpPr>
-            <p:cNvPr id="29" name="Rectangle 28"/>
-            <p:cNvSpPr/>
-            <p:nvPr/>
-          </p:nvSpPr>
-          <p:spPr>
-            <a:xfrm>
-              <a:off x="10898730" y="-8467"/>
-              <a:ext cx="1290094" cy="6866467"/>
-            </a:xfrm>
-            <a:custGeom>
-              <a:avLst/>
-              <a:gdLst/>
-              <a:ahLst/>
-              <a:cxnLst/>
-              <a:rect l="l" t="t" r="r" b="b"/>
-              <a:pathLst>
-                <a:path w="1290094" h="6858000">
-                  <a:moveTo>
-                    <a:pt x="1019735" y="0"/>
-                  </a:moveTo>
-                  <a:lnTo>
-                    <a:pt x="1290094" y="0"/>
-                  </a:lnTo>
-                  <a:lnTo>
-                    <a:pt x="1290094" y="6858000"/>
-                  </a:lnTo>
-                  <a:lnTo>
-                    <a:pt x="0" y="6858000"/>
-                  </a:lnTo>
-                  <a:lnTo>
-                    <a:pt x="1019735" y="0"/>
-                  </a:lnTo>
-                  <a:close/>
-                </a:path>
-              </a:pathLst>
-            </a:custGeom>
-            <a:solidFill>
-              <a:schemeClr val="accent1">
-                <a:lumMod val="60000"/>
-                <a:lumOff val="40000"/>
-                <a:alpha val="70000"/>
-              </a:schemeClr>
-            </a:solidFill>
-            <a:ln>
-              <a:noFill/>
-            </a:ln>
-            <a:effectLst/>
-          </p:spPr>
-          <p:style>
-            <a:lnRef idx="1">
-              <a:schemeClr val="accent1"/>
-            </a:lnRef>
-            <a:fillRef idx="3">
-              <a:schemeClr val="accent1"/>
-            </a:fillRef>
-            <a:effectRef idx="2">
-              <a:schemeClr val="accent1"/>
-            </a:effectRef>
-            <a:fontRef idx="minor">
-              <a:schemeClr val="lt1"/>
-            </a:fontRef>
-          </p:style>
-        </p:sp>
-        <p:sp>
-          <p:nvSpPr>
-            <p:cNvPr id="30" name="Rectangle 29"/>
-            <p:cNvSpPr/>
-            <p:nvPr/>
-          </p:nvSpPr>
-          <p:spPr>
-            <a:xfrm>
-              <a:off x="10938999" y="-8467"/>
-              <a:ext cx="1249825" cy="6866467"/>
-            </a:xfrm>
-            <a:custGeom>
-              <a:avLst/>
-              <a:gdLst/>
-              <a:ahLst/>
-              <a:cxnLst/>
-              <a:rect l="l" t="t" r="r" b="b"/>
-              <a:pathLst>
-                <a:path w="1249825" h="6858000">
-                  <a:moveTo>
-                    <a:pt x="0" y="0"/>
-                  </a:moveTo>
-                  <a:lnTo>
-                    <a:pt x="1249825" y="0"/>
-                  </a:lnTo>
-                  <a:lnTo>
-                    <a:pt x="1249825" y="6858000"/>
-                  </a:lnTo>
-                  <a:lnTo>
-                    <a:pt x="1109382" y="6858000"/>
-                  </a:lnTo>
-                  <a:lnTo>
-                    <a:pt x="0" y="0"/>
-                  </a:lnTo>
-                  <a:close/>
-                </a:path>
-              </a:pathLst>
-            </a:custGeom>
-            <a:solidFill>
-              <a:schemeClr val="accent1">
-                <a:alpha val="65000"/>
-              </a:schemeClr>
-            </a:solidFill>
-            <a:ln>
-              <a:noFill/>
-            </a:ln>
-            <a:effectLst/>
-          </p:spPr>
-          <p:style>
-            <a:lnRef idx="1">
-              <a:schemeClr val="accent1"/>
-            </a:lnRef>
-            <a:fillRef idx="3">
-              <a:schemeClr val="accent1"/>
-            </a:fillRef>
-            <a:effectRef idx="2">
-              <a:schemeClr val="accent1"/>
-            </a:effectRef>
-            <a:fontRef idx="minor">
-              <a:schemeClr val="lt1"/>
-            </a:fontRef>
-          </p:style>
-        </p:sp>
-        <p:sp>
-          <p:nvSpPr>
-            <p:cNvPr id="31" name="Isosceles Triangle 30"/>
-            <p:cNvSpPr/>
-            <p:nvPr/>
-          </p:nvSpPr>
-          <p:spPr>
-            <a:xfrm>
-              <a:off x="10371666" y="3589867"/>
-              <a:ext cx="1817159" cy="3268133"/>
-            </a:xfrm>
-            <a:prstGeom prst="triangle">
-              <a:avLst>
-                <a:gd name="adj" fmla="val 100000"/>
-              </a:avLst>
-            </a:prstGeom>
-            <a:solidFill>
-              <a:schemeClr val="accent1">
-                <a:alpha val="80000"/>
-              </a:schemeClr>
-            </a:solidFill>
-            <a:ln>
-              <a:noFill/>
-            </a:ln>
-            <a:effectLst/>
-          </p:spPr>
-          <p:style>
-            <a:lnRef idx="1">
-              <a:schemeClr val="accent1"/>
-            </a:lnRef>
-            <a:fillRef idx="3">
-              <a:schemeClr val="accent1"/>
-            </a:fillRef>
-            <a:effectRef idx="2">
-              <a:schemeClr val="accent1"/>
-            </a:effectRef>
-            <a:fontRef idx="minor">
-              <a:schemeClr val="lt1"/>
-            </a:fontRef>
-          </p:style>
-        </p:sp>
-        <p:sp>
-          <p:nvSpPr>
-            <p:cNvPr id="19" name="Isosceles Triangle 18"/>
-            <p:cNvSpPr/>
-            <p:nvPr/>
-          </p:nvSpPr>
-          <p:spPr>
-            <a:xfrm rot="10800000">
-              <a:off x="0" y="0"/>
-              <a:ext cx="842596" cy="5666154"/>
-            </a:xfrm>
-            <a:prstGeom prst="triangle">
-              <a:avLst>
-                <a:gd name="adj" fmla="val 100000"/>
-              </a:avLst>
-            </a:prstGeom>
-            <a:solidFill>
-              <a:schemeClr val="accent1">
-                <a:alpha val="85000"/>
-              </a:schemeClr>
-            </a:solidFill>
-            <a:ln>
-              <a:noFill/>
-            </a:ln>
-            <a:effectLst/>
-          </p:spPr>
-          <p:style>
-            <a:lnRef idx="1">
-              <a:schemeClr val="accent1"/>
-            </a:lnRef>
-            <a:fillRef idx="3">
-              <a:schemeClr val="accent1"/>
-            </a:fillRef>
-            <a:effectRef idx="2">
-              <a:schemeClr val="accent1"/>
-            </a:effectRef>
-            <a:fontRef idx="minor">
-              <a:schemeClr val="lt1"/>
-            </a:fontRef>
-          </p:style>
-        </p:sp>
-      </p:grpSp>
-      <p:sp>
-        <p:nvSpPr>
-          <p:cNvPr id="2" name="Title 1"/>
-          <p:cNvSpPr>
-            <a:spLocks noGrp="1"/>
-          </p:cNvSpPr>
-          <p:nvPr>
-            <p:ph type="ctrTitle"/>
-          </p:nvPr>
         </p:nvSpPr>
         <p:spPr>
           <a:xfrm>
-            <a:off x="1507067" y="2404534"/>
-            <a:ext cx="7766936" cy="1646302"/>
+            <a:off x="0" y="0"/>
+            <a:ext cx="12192000" cy="6858000"/>
+          </a:xfrm>
+          <a:prstGeom prst="rect">
+            <a:avLst/>
+          </a:prstGeom>
+          <a:ln>
+            <a:noFill/>
+          </a:ln>
+        </p:spPr>
+        <p:style>
+          <a:lnRef idx="2">
+            <a:schemeClr val="accent1">
+              <a:shade val="50000"/>
+            </a:schemeClr>
+          </a:lnRef>
+          <a:fillRef idx="1">
+            <a:schemeClr val="accent1"/>
+          </a:fillRef>
+          <a:effectRef idx="0">
+            <a:schemeClr val="accent1"/>
+          </a:effectRef>
+          <a:fontRef idx="minor">
+            <a:schemeClr val="lt1"/>
+          </a:fontRef>
+        </p:style>
+      </p:sp>
+      <p:sp>
+        <p:nvSpPr>
+          <p:cNvPr id="2" name="Title 1"/>
+          <p:cNvSpPr>
+            <a:spLocks noGrp="1"/>
+          </p:cNvSpPr>
+          <p:nvPr>
+            <p:ph type="ctrTitle"/>
+          </p:nvPr>
+        </p:nvSpPr>
+        <p:spPr>
+          <a:xfrm>
+            <a:off x="603504" y="770467"/>
+            <a:ext cx="10782300" cy="3352800"/>
           </a:xfrm>
         </p:spPr>
         <p:txBody>
@@ -690,10 +203,13 @@
             <a:noAutofit/>
           </a:bodyPr>
           <a:lstStyle>
-            <a:lvl1pPr algn="r">
-              <a:defRPr sz="5400">
+            <a:lvl1pPr algn="l">
+              <a:lnSpc>
+                <a:spcPct val="80000"/>
+              </a:lnSpc>
+              <a:defRPr sz="8800" spc="-120" baseline="0">
                 <a:solidFill>
-                  <a:schemeClr val="accent1"/>
+                  <a:srgbClr val="FFFFFF"/>
                 </a:solidFill>
               </a:defRPr>
             </a:lvl1pPr>
@@ -719,170 +235,152 @@
         </p:nvSpPr>
         <p:spPr>
           <a:xfrm>
-            <a:off x="1507067" y="4050833"/>
-            <a:ext cx="7766936" cy="1096899"/>
+            <a:off x="667512" y="4206876"/>
+            <a:ext cx="9228201" cy="1645920"/>
           </a:xfrm>
         </p:spPr>
         <p:txBody>
-          <a:bodyPr anchor="t"/>
+          <a:bodyPr>
+            <a:normAutofit/>
+          </a:bodyPr>
           <a:lstStyle>
-            <a:lvl1pPr marL="0" indent="0" algn="r">
-              <a:buNone/>
+            <a:lvl1pPr marL="0" indent="0" algn="l">
+              <a:buNone/>
+              <a:defRPr sz="3200">
+                <a:solidFill>
+                  <a:schemeClr val="bg1"/>
+                </a:solidFill>
+                <a:latin typeface="+mj-lt"/>
+              </a:defRPr>
+            </a:lvl1pPr>
+            <a:lvl2pPr marL="457200" indent="0" algn="ctr">
+              <a:buNone/>
+              <a:defRPr sz="2800"/>
+            </a:lvl2pPr>
+            <a:lvl3pPr marL="914400" indent="0" algn="ctr">
+              <a:buNone/>
+              <a:defRPr sz="2400"/>
+            </a:lvl3pPr>
+            <a:lvl4pPr marL="1371600" indent="0" algn="ctr">
+              <a:buNone/>
+              <a:defRPr sz="2000"/>
+            </a:lvl4pPr>
+            <a:lvl5pPr marL="1828800" indent="0" algn="ctr">
+              <a:buNone/>
+              <a:defRPr sz="2000"/>
+            </a:lvl5pPr>
+            <a:lvl6pPr marL="2286000" indent="0" algn="ctr">
+              <a:buNone/>
+              <a:defRPr sz="2000"/>
+            </a:lvl6pPr>
+            <a:lvl7pPr marL="2743200" indent="0" algn="ctr">
+              <a:buNone/>
+              <a:defRPr sz="2000"/>
+            </a:lvl7pPr>
+            <a:lvl8pPr marL="3200400" indent="0" algn="ctr">
+              <a:buNone/>
+              <a:defRPr sz="2000"/>
+            </a:lvl8pPr>
+            <a:lvl9pPr marL="3657600" indent="0" algn="ctr">
+              <a:buNone/>
+              <a:defRPr sz="2000"/>
+            </a:lvl9pPr>
+          </a:lstStyle>
+          <a:p>
+            <a:r>
+              <a:rPr lang="en-US"/>
+              <a:t>Click to edit Master subtitle style</a:t>
+            </a:r>
+            <a:endParaRPr lang="en-US" dirty="0"/>
+          </a:p>
+        </p:txBody>
+      </p:sp>
+      <p:sp>
+        <p:nvSpPr>
+          <p:cNvPr id="7" name="Date Placeholder 6"/>
+          <p:cNvSpPr>
+            <a:spLocks noGrp="1"/>
+          </p:cNvSpPr>
+          <p:nvPr>
+            <p:ph type="dt" sz="half" idx="10"/>
+          </p:nvPr>
+        </p:nvSpPr>
+        <p:spPr/>
+        <p:txBody>
+          <a:bodyPr/>
+          <a:lstStyle>
+            <a:lvl1pPr>
               <a:defRPr>
                 <a:solidFill>
-                  <a:schemeClr val="tx1">
-                    <a:lumMod val="50000"/>
-                    <a:lumOff val="50000"/>
-                  </a:schemeClr>
+                  <a:srgbClr val="FFFFFF">
+                    <a:alpha val="80000"/>
+                  </a:srgbClr>
                 </a:solidFill>
               </a:defRPr>
             </a:lvl1pPr>
-            <a:lvl2pPr marL="457200" indent="0" algn="ctr">
-              <a:buNone/>
+          </a:lstStyle>
+          <a:p>
+            <a:fld id="{48A87A34-81AB-432B-8DAE-1953F412C126}" type="datetimeFigureOut">
+              <a:rPr lang="en-US" smtClean="0"/>
+              <a:t>2/20/2017</a:t>
+            </a:fld>
+            <a:endParaRPr lang="en-US" dirty="0"/>
+          </a:p>
+        </p:txBody>
+      </p:sp>
+      <p:sp>
+        <p:nvSpPr>
+          <p:cNvPr id="8" name="Footer Placeholder 7"/>
+          <p:cNvSpPr>
+            <a:spLocks noGrp="1"/>
+          </p:cNvSpPr>
+          <p:nvPr>
+            <p:ph type="ftr" sz="quarter" idx="11"/>
+          </p:nvPr>
+        </p:nvSpPr>
+        <p:spPr/>
+        <p:txBody>
+          <a:bodyPr/>
+          <a:lstStyle>
+            <a:lvl1pPr>
               <a:defRPr>
                 <a:solidFill>
-                  <a:schemeClr val="tx1">
-                    <a:tint val="75000"/>
-                  </a:schemeClr>
+                  <a:srgbClr val="FFFFFF">
+                    <a:alpha val="80000"/>
+                  </a:srgbClr>
                 </a:solidFill>
               </a:defRPr>
-            </a:lvl2pPr>
-            <a:lvl3pPr marL="914400" indent="0" algn="ctr">
-              <a:buNone/>
+            </a:lvl1pPr>
+          </a:lstStyle>
+          <a:p>
+            <a:endParaRPr lang="en-US" dirty="0"/>
+          </a:p>
+        </p:txBody>
+      </p:sp>
+      <p:sp>
+        <p:nvSpPr>
+          <p:cNvPr id="9" name="Slide Number Placeholder 8"/>
+          <p:cNvSpPr>
+            <a:spLocks noGrp="1"/>
+          </p:cNvSpPr>
+          <p:nvPr>
+            <p:ph type="sldNum" sz="quarter" idx="12"/>
+          </p:nvPr>
+        </p:nvSpPr>
+        <p:spPr/>
+        <p:txBody>
+          <a:bodyPr/>
+          <a:lstStyle>
+            <a:lvl1pPr>
               <a:defRPr>
                 <a:solidFill>
-                  <a:schemeClr val="tx1">
-                    <a:tint val="75000"/>
-                  </a:schemeClr>
+                  <a:srgbClr val="FFFFFF">
+                    <a:alpha val="25000"/>
+                  </a:srgbClr>
                 </a:solidFill>
               </a:defRPr>
-            </a:lvl3pPr>
-            <a:lvl4pPr marL="1371600" indent="0" algn="ctr">
-              <a:buNone/>
-              <a:defRPr>
-                <a:solidFill>
-                  <a:schemeClr val="tx1">
-                    <a:tint val="75000"/>
-                  </a:schemeClr>
-                </a:solidFill>
-              </a:defRPr>
-            </a:lvl4pPr>
-            <a:lvl5pPr marL="1828800" indent="0" algn="ctr">
-              <a:buNone/>
-              <a:defRPr>
-                <a:solidFill>
-                  <a:schemeClr val="tx1">
-                    <a:tint val="75000"/>
-                  </a:schemeClr>
-                </a:solidFill>
-              </a:defRPr>
-            </a:lvl5pPr>
-            <a:lvl6pPr marL="2286000" indent="0" algn="ctr">
-              <a:buNone/>
-              <a:defRPr>
-                <a:solidFill>
-                  <a:schemeClr val="tx1">
-                    <a:tint val="75000"/>
-                  </a:schemeClr>
-                </a:solidFill>
-              </a:defRPr>
-            </a:lvl6pPr>
-            <a:lvl7pPr marL="2743200" indent="0" algn="ctr">
-              <a:buNone/>
-              <a:defRPr>
-                <a:solidFill>
-                  <a:schemeClr val="tx1">
-                    <a:tint val="75000"/>
-                  </a:schemeClr>
-                </a:solidFill>
-              </a:defRPr>
-            </a:lvl7pPr>
-            <a:lvl8pPr marL="3200400" indent="0" algn="ctr">
-              <a:buNone/>
-              <a:defRPr>
-                <a:solidFill>
-                  <a:schemeClr val="tx1">
-                    <a:tint val="75000"/>
-                  </a:schemeClr>
-                </a:solidFill>
-              </a:defRPr>
-            </a:lvl8pPr>
-            <a:lvl9pPr marL="3657600" indent="0" algn="ctr">
-              <a:buNone/>
-              <a:defRPr>
-                <a:solidFill>
-                  <a:schemeClr val="tx1">
-                    <a:tint val="75000"/>
-                  </a:schemeClr>
-                </a:solidFill>
-              </a:defRPr>
-            </a:lvl9pPr>
+            </a:lvl1pPr>
           </a:lstStyle>
-          <a:p>
-            <a:r>
-              <a:rPr lang="en-US"/>
-              <a:t>Click to edit Master subtitle style</a:t>
-            </a:r>
-            <a:endParaRPr lang="en-US" dirty="0"/>
-          </a:p>
-        </p:txBody>
-      </p:sp>
-      <p:sp>
-        <p:nvSpPr>
-          <p:cNvPr id="4" name="Date Placeholder 3"/>
-          <p:cNvSpPr>
-            <a:spLocks noGrp="1"/>
-          </p:cNvSpPr>
-          <p:nvPr>
-            <p:ph type="dt" sz="half" idx="10"/>
-          </p:nvPr>
-        </p:nvSpPr>
-        <p:spPr/>
-        <p:txBody>
-          <a:bodyPr/>
-          <a:lstStyle/>
-          <a:p>
-            <a:fld id="{48A87A34-81AB-432B-8DAE-1953F412C126}" type="datetimeFigureOut">
-              <a:rPr lang="en-US" smtClean="0"/>
-              <a:t>2/18/2017</a:t>
-            </a:fld>
-            <a:endParaRPr lang="en-US" dirty="0"/>
-          </a:p>
-        </p:txBody>
-      </p:sp>
-      <p:sp>
-        <p:nvSpPr>
-          <p:cNvPr id="5" name="Footer Placeholder 4"/>
-          <p:cNvSpPr>
-            <a:spLocks noGrp="1"/>
-          </p:cNvSpPr>
-          <p:nvPr>
-            <p:ph type="ftr" sz="quarter" idx="11"/>
-          </p:nvPr>
-        </p:nvSpPr>
-        <p:spPr/>
-        <p:txBody>
-          <a:bodyPr/>
-          <a:lstStyle/>
-          <a:p>
-            <a:endParaRPr lang="en-US" dirty="0"/>
-          </a:p>
-        </p:txBody>
-      </p:sp>
-      <p:sp>
-        <p:nvSpPr>
-          <p:cNvPr id="6" name="Slide Number Placeholder 5"/>
-          <p:cNvSpPr>
-            <a:spLocks noGrp="1"/>
-          </p:cNvSpPr>
-          <p:nvPr>
-            <p:ph type="sldNum" sz="quarter" idx="12"/>
-          </p:nvPr>
-        </p:nvSpPr>
-        <p:spPr/>
-        <p:txBody>
-          <a:bodyPr/>
-          <a:lstStyle/>
           <a:p>
             <a:fld id="{6D22F896-40B5-4ADD-8801-0D06FADFA095}" type="slidenum">
               <a:rPr lang="en-US" smtClean="0"/>
@@ -895,7 +393,7 @@
     </p:spTree>
     <p:extLst>
       <p:ext uri="{BB962C8B-B14F-4D97-AF65-F5344CB8AC3E}">
-        <p14:creationId xmlns:p14="http://schemas.microsoft.com/office/powerpoint/2010/main" val="249473190"/>
+        <p14:creationId xmlns:p14="http://schemas.microsoft.com/office/powerpoint/2010/main" val="1717561625"/>
       </p:ext>
     </p:extLst>
   </p:cSld>
@@ -906,1629 +404,6 @@
 </file>
 
 <file path=ppt/slideLayouts/slideLayout10.xml><?xml version="1.0" encoding="utf-8"?>
-<p:sldLayout xmlns:a="http://schemas.openxmlformats.org/drawingml/2006/main" xmlns:r="http://schemas.openxmlformats.org/officeDocument/2006/relationships" xmlns:p="http://schemas.openxmlformats.org/presentationml/2006/main" preserve="1">
-  <p:cSld name="Title and Caption">
-    <p:spTree>
-      <p:nvGrpSpPr>
-        <p:cNvPr id="1" name=""/>
-        <p:cNvGrpSpPr/>
-        <p:nvPr/>
-      </p:nvGrpSpPr>
-      <p:grpSpPr>
-        <a:xfrm>
-          <a:off x="0" y="0"/>
-          <a:ext cx="0" cy="0"/>
-          <a:chOff x="0" y="0"/>
-          <a:chExt cx="0" cy="0"/>
-        </a:xfrm>
-      </p:grpSpPr>
-      <p:sp>
-        <p:nvSpPr>
-          <p:cNvPr id="2" name="Title 1"/>
-          <p:cNvSpPr>
-            <a:spLocks noGrp="1"/>
-          </p:cNvSpPr>
-          <p:nvPr>
-            <p:ph type="title"/>
-          </p:nvPr>
-        </p:nvSpPr>
-        <p:spPr>
-          <a:xfrm>
-            <a:off x="677335" y="609600"/>
-            <a:ext cx="8596668" cy="3403600"/>
-          </a:xfrm>
-        </p:spPr>
-        <p:txBody>
-          <a:bodyPr anchor="ctr">
-            <a:normAutofit/>
-          </a:bodyPr>
-          <a:lstStyle>
-            <a:lvl1pPr algn="l">
-              <a:defRPr sz="4400" b="0" cap="none"/>
-            </a:lvl1pPr>
-          </a:lstStyle>
-          <a:p>
-            <a:r>
-              <a:rPr lang="en-US"/>
-              <a:t>Click to edit Master title style</a:t>
-            </a:r>
-            <a:endParaRPr lang="en-US" dirty="0"/>
-          </a:p>
-        </p:txBody>
-      </p:sp>
-      <p:sp>
-        <p:nvSpPr>
-          <p:cNvPr id="3" name="Text Placeholder 2"/>
-          <p:cNvSpPr>
-            <a:spLocks noGrp="1"/>
-          </p:cNvSpPr>
-          <p:nvPr>
-            <p:ph type="body" idx="1"/>
-          </p:nvPr>
-        </p:nvSpPr>
-        <p:spPr>
-          <a:xfrm>
-            <a:off x="677335" y="4470400"/>
-            <a:ext cx="8596668" cy="1570962"/>
-          </a:xfrm>
-        </p:spPr>
-        <p:txBody>
-          <a:bodyPr anchor="ctr">
-            <a:normAutofit/>
-          </a:bodyPr>
-          <a:lstStyle>
-            <a:lvl1pPr marL="0" indent="0" algn="l">
-              <a:buNone/>
-              <a:defRPr sz="1800">
-                <a:solidFill>
-                  <a:schemeClr val="tx1">
-                    <a:lumMod val="75000"/>
-                    <a:lumOff val="25000"/>
-                  </a:schemeClr>
-                </a:solidFill>
-              </a:defRPr>
-            </a:lvl1pPr>
-            <a:lvl2pPr marL="457200" indent="0">
-              <a:buNone/>
-              <a:defRPr sz="1800">
-                <a:solidFill>
-                  <a:schemeClr val="tx1">
-                    <a:tint val="75000"/>
-                  </a:schemeClr>
-                </a:solidFill>
-              </a:defRPr>
-            </a:lvl2pPr>
-            <a:lvl3pPr marL="914400" indent="0">
-              <a:buNone/>
-              <a:defRPr sz="1600">
-                <a:solidFill>
-                  <a:schemeClr val="tx1">
-                    <a:tint val="75000"/>
-                  </a:schemeClr>
-                </a:solidFill>
-              </a:defRPr>
-            </a:lvl3pPr>
-            <a:lvl4pPr marL="1371600" indent="0">
-              <a:buNone/>
-              <a:defRPr sz="1400">
-                <a:solidFill>
-                  <a:schemeClr val="tx1">
-                    <a:tint val="75000"/>
-                  </a:schemeClr>
-                </a:solidFill>
-              </a:defRPr>
-            </a:lvl4pPr>
-            <a:lvl5pPr marL="1828800" indent="0">
-              <a:buNone/>
-              <a:defRPr sz="1400">
-                <a:solidFill>
-                  <a:schemeClr val="tx1">
-                    <a:tint val="75000"/>
-                  </a:schemeClr>
-                </a:solidFill>
-              </a:defRPr>
-            </a:lvl5pPr>
-            <a:lvl6pPr marL="2286000" indent="0">
-              <a:buNone/>
-              <a:defRPr sz="1400">
-                <a:solidFill>
-                  <a:schemeClr val="tx1">
-                    <a:tint val="75000"/>
-                  </a:schemeClr>
-                </a:solidFill>
-              </a:defRPr>
-            </a:lvl6pPr>
-            <a:lvl7pPr marL="2743200" indent="0">
-              <a:buNone/>
-              <a:defRPr sz="1400">
-                <a:solidFill>
-                  <a:schemeClr val="tx1">
-                    <a:tint val="75000"/>
-                  </a:schemeClr>
-                </a:solidFill>
-              </a:defRPr>
-            </a:lvl7pPr>
-            <a:lvl8pPr marL="3200400" indent="0">
-              <a:buNone/>
-              <a:defRPr sz="1400">
-                <a:solidFill>
-                  <a:schemeClr val="tx1">
-                    <a:tint val="75000"/>
-                  </a:schemeClr>
-                </a:solidFill>
-              </a:defRPr>
-            </a:lvl8pPr>
-            <a:lvl9pPr marL="3657600" indent="0">
-              <a:buNone/>
-              <a:defRPr sz="1400">
-                <a:solidFill>
-                  <a:schemeClr val="tx1">
-                    <a:tint val="75000"/>
-                  </a:schemeClr>
-                </a:solidFill>
-              </a:defRPr>
-            </a:lvl9pPr>
-          </a:lstStyle>
-          <a:p>
-            <a:pPr lvl="0"/>
-            <a:r>
-              <a:rPr lang="en-US"/>
-              <a:t>Edit Master text styles</a:t>
-            </a:r>
-          </a:p>
-        </p:txBody>
-      </p:sp>
-      <p:sp>
-        <p:nvSpPr>
-          <p:cNvPr id="4" name="Date Placeholder 3"/>
-          <p:cNvSpPr>
-            <a:spLocks noGrp="1"/>
-          </p:cNvSpPr>
-          <p:nvPr>
-            <p:ph type="dt" sz="half" idx="10"/>
-          </p:nvPr>
-        </p:nvSpPr>
-        <p:spPr/>
-        <p:txBody>
-          <a:bodyPr/>
-          <a:lstStyle/>
-          <a:p>
-            <a:fld id="{48A87A34-81AB-432B-8DAE-1953F412C126}" type="datetimeFigureOut">
-              <a:rPr lang="en-US" smtClean="0"/>
-              <a:pPr/>
-              <a:t>2/18/2017</a:t>
-            </a:fld>
-            <a:endParaRPr lang="en-US" dirty="0"/>
-          </a:p>
-        </p:txBody>
-      </p:sp>
-      <p:sp>
-        <p:nvSpPr>
-          <p:cNvPr id="5" name="Footer Placeholder 4"/>
-          <p:cNvSpPr>
-            <a:spLocks noGrp="1"/>
-          </p:cNvSpPr>
-          <p:nvPr>
-            <p:ph type="ftr" sz="quarter" idx="11"/>
-          </p:nvPr>
-        </p:nvSpPr>
-        <p:spPr/>
-        <p:txBody>
-          <a:bodyPr/>
-          <a:lstStyle/>
-          <a:p>
-            <a:endParaRPr lang="en-US" dirty="0"/>
-          </a:p>
-        </p:txBody>
-      </p:sp>
-      <p:sp>
-        <p:nvSpPr>
-          <p:cNvPr id="6" name="Slide Number Placeholder 5"/>
-          <p:cNvSpPr>
-            <a:spLocks noGrp="1"/>
-          </p:cNvSpPr>
-          <p:nvPr>
-            <p:ph type="sldNum" sz="quarter" idx="12"/>
-          </p:nvPr>
-        </p:nvSpPr>
-        <p:spPr/>
-        <p:txBody>
-          <a:bodyPr/>
-          <a:lstStyle/>
-          <a:p>
-            <a:fld id="{6D22F896-40B5-4ADD-8801-0D06FADFA095}" type="slidenum">
-              <a:rPr lang="en-US" smtClean="0"/>
-              <a:pPr/>
-              <a:t>‹#›</a:t>
-            </a:fld>
-            <a:endParaRPr lang="en-US" dirty="0"/>
-          </a:p>
-        </p:txBody>
-      </p:sp>
-    </p:spTree>
-    <p:extLst>
-      <p:ext uri="{BB962C8B-B14F-4D97-AF65-F5344CB8AC3E}">
-        <p14:creationId xmlns:p14="http://schemas.microsoft.com/office/powerpoint/2010/main" val="2130064934"/>
-      </p:ext>
-    </p:extLst>
-  </p:cSld>
-  <p:clrMapOvr>
-    <a:masterClrMapping/>
-  </p:clrMapOvr>
-</p:sldLayout>
-</file>
-
-<file path=ppt/slideLayouts/slideLayout11.xml><?xml version="1.0" encoding="utf-8"?>
-<p:sldLayout xmlns:a="http://schemas.openxmlformats.org/drawingml/2006/main" xmlns:r="http://schemas.openxmlformats.org/officeDocument/2006/relationships" xmlns:p="http://schemas.openxmlformats.org/presentationml/2006/main" preserve="1">
-  <p:cSld name="Quote with Caption">
-    <p:spTree>
-      <p:nvGrpSpPr>
-        <p:cNvPr id="1" name=""/>
-        <p:cNvGrpSpPr/>
-        <p:nvPr/>
-      </p:nvGrpSpPr>
-      <p:grpSpPr>
-        <a:xfrm>
-          <a:off x="0" y="0"/>
-          <a:ext cx="0" cy="0"/>
-          <a:chOff x="0" y="0"/>
-          <a:chExt cx="0" cy="0"/>
-        </a:xfrm>
-      </p:grpSpPr>
-      <p:sp>
-        <p:nvSpPr>
-          <p:cNvPr id="2" name="Title 1"/>
-          <p:cNvSpPr>
-            <a:spLocks noGrp="1"/>
-          </p:cNvSpPr>
-          <p:nvPr>
-            <p:ph type="title"/>
-          </p:nvPr>
-        </p:nvSpPr>
-        <p:spPr>
-          <a:xfrm>
-            <a:off x="931334" y="609600"/>
-            <a:ext cx="8094134" cy="3022600"/>
-          </a:xfrm>
-        </p:spPr>
-        <p:txBody>
-          <a:bodyPr anchor="ctr">
-            <a:normAutofit/>
-          </a:bodyPr>
-          <a:lstStyle>
-            <a:lvl1pPr algn="l">
-              <a:defRPr sz="4400" b="0" cap="none"/>
-            </a:lvl1pPr>
-          </a:lstStyle>
-          <a:p>
-            <a:r>
-              <a:rPr lang="en-US"/>
-              <a:t>Click to edit Master title style</a:t>
-            </a:r>
-            <a:endParaRPr lang="en-US" dirty="0"/>
-          </a:p>
-        </p:txBody>
-      </p:sp>
-      <p:sp>
-        <p:nvSpPr>
-          <p:cNvPr id="23" name="Text Placeholder 9"/>
-          <p:cNvSpPr>
-            <a:spLocks noGrp="1"/>
-          </p:cNvSpPr>
-          <p:nvPr>
-            <p:ph type="body" sz="quarter" idx="13"/>
-          </p:nvPr>
-        </p:nvSpPr>
-        <p:spPr>
-          <a:xfrm>
-            <a:off x="1366139" y="3632200"/>
-            <a:ext cx="7224524" cy="381000"/>
-          </a:xfrm>
-        </p:spPr>
-        <p:txBody>
-          <a:bodyPr anchor="ctr">
-            <a:noAutofit/>
-          </a:bodyPr>
-          <a:lstStyle>
-            <a:lvl1pPr marL="0" indent="0">
-              <a:buFontTx/>
-              <a:buNone/>
-              <a:defRPr sz="1600">
-                <a:solidFill>
-                  <a:schemeClr val="tx1">
-                    <a:lumMod val="50000"/>
-                    <a:lumOff val="50000"/>
-                  </a:schemeClr>
-                </a:solidFill>
-              </a:defRPr>
-            </a:lvl1pPr>
-            <a:lvl2pPr marL="457200" indent="0">
-              <a:buFontTx/>
-              <a:buNone/>
-              <a:defRPr/>
-            </a:lvl2pPr>
-            <a:lvl3pPr marL="914400" indent="0">
-              <a:buFontTx/>
-              <a:buNone/>
-              <a:defRPr/>
-            </a:lvl3pPr>
-            <a:lvl4pPr marL="1371600" indent="0">
-              <a:buFontTx/>
-              <a:buNone/>
-              <a:defRPr/>
-            </a:lvl4pPr>
-            <a:lvl5pPr marL="1828800" indent="0">
-              <a:buFontTx/>
-              <a:buNone/>
-              <a:defRPr/>
-            </a:lvl5pPr>
-          </a:lstStyle>
-          <a:p>
-            <a:pPr lvl="0"/>
-            <a:r>
-              <a:rPr lang="en-US"/>
-              <a:t>Edit Master text styles</a:t>
-            </a:r>
-          </a:p>
-        </p:txBody>
-      </p:sp>
-      <p:sp>
-        <p:nvSpPr>
-          <p:cNvPr id="3" name="Text Placeholder 2"/>
-          <p:cNvSpPr>
-            <a:spLocks noGrp="1"/>
-          </p:cNvSpPr>
-          <p:nvPr>
-            <p:ph type="body" idx="1"/>
-          </p:nvPr>
-        </p:nvSpPr>
-        <p:spPr>
-          <a:xfrm>
-            <a:off x="677335" y="4470400"/>
-            <a:ext cx="8596668" cy="1570962"/>
-          </a:xfrm>
-        </p:spPr>
-        <p:txBody>
-          <a:bodyPr anchor="ctr">
-            <a:normAutofit/>
-          </a:bodyPr>
-          <a:lstStyle>
-            <a:lvl1pPr marL="0" indent="0" algn="l">
-              <a:buNone/>
-              <a:defRPr sz="1800">
-                <a:solidFill>
-                  <a:schemeClr val="tx1">
-                    <a:lumMod val="75000"/>
-                    <a:lumOff val="25000"/>
-                  </a:schemeClr>
-                </a:solidFill>
-              </a:defRPr>
-            </a:lvl1pPr>
-            <a:lvl2pPr marL="457200" indent="0">
-              <a:buNone/>
-              <a:defRPr sz="1800">
-                <a:solidFill>
-                  <a:schemeClr val="tx1">
-                    <a:tint val="75000"/>
-                  </a:schemeClr>
-                </a:solidFill>
-              </a:defRPr>
-            </a:lvl2pPr>
-            <a:lvl3pPr marL="914400" indent="0">
-              <a:buNone/>
-              <a:defRPr sz="1600">
-                <a:solidFill>
-                  <a:schemeClr val="tx1">
-                    <a:tint val="75000"/>
-                  </a:schemeClr>
-                </a:solidFill>
-              </a:defRPr>
-            </a:lvl3pPr>
-            <a:lvl4pPr marL="1371600" indent="0">
-              <a:buNone/>
-              <a:defRPr sz="1400">
-                <a:solidFill>
-                  <a:schemeClr val="tx1">
-                    <a:tint val="75000"/>
-                  </a:schemeClr>
-                </a:solidFill>
-              </a:defRPr>
-            </a:lvl4pPr>
-            <a:lvl5pPr marL="1828800" indent="0">
-              <a:buNone/>
-              <a:defRPr sz="1400">
-                <a:solidFill>
-                  <a:schemeClr val="tx1">
-                    <a:tint val="75000"/>
-                  </a:schemeClr>
-                </a:solidFill>
-              </a:defRPr>
-            </a:lvl5pPr>
-            <a:lvl6pPr marL="2286000" indent="0">
-              <a:buNone/>
-              <a:defRPr sz="1400">
-                <a:solidFill>
-                  <a:schemeClr val="tx1">
-                    <a:tint val="75000"/>
-                  </a:schemeClr>
-                </a:solidFill>
-              </a:defRPr>
-            </a:lvl6pPr>
-            <a:lvl7pPr marL="2743200" indent="0">
-              <a:buNone/>
-              <a:defRPr sz="1400">
-                <a:solidFill>
-                  <a:schemeClr val="tx1">
-                    <a:tint val="75000"/>
-                  </a:schemeClr>
-                </a:solidFill>
-              </a:defRPr>
-            </a:lvl7pPr>
-            <a:lvl8pPr marL="3200400" indent="0">
-              <a:buNone/>
-              <a:defRPr sz="1400">
-                <a:solidFill>
-                  <a:schemeClr val="tx1">
-                    <a:tint val="75000"/>
-                  </a:schemeClr>
-                </a:solidFill>
-              </a:defRPr>
-            </a:lvl8pPr>
-            <a:lvl9pPr marL="3657600" indent="0">
-              <a:buNone/>
-              <a:defRPr sz="1400">
-                <a:solidFill>
-                  <a:schemeClr val="tx1">
-                    <a:tint val="75000"/>
-                  </a:schemeClr>
-                </a:solidFill>
-              </a:defRPr>
-            </a:lvl9pPr>
-          </a:lstStyle>
-          <a:p>
-            <a:pPr lvl="0"/>
-            <a:r>
-              <a:rPr lang="en-US"/>
-              <a:t>Edit Master text styles</a:t>
-            </a:r>
-          </a:p>
-        </p:txBody>
-      </p:sp>
-      <p:sp>
-        <p:nvSpPr>
-          <p:cNvPr id="4" name="Date Placeholder 3"/>
-          <p:cNvSpPr>
-            <a:spLocks noGrp="1"/>
-          </p:cNvSpPr>
-          <p:nvPr>
-            <p:ph type="dt" sz="half" idx="10"/>
-          </p:nvPr>
-        </p:nvSpPr>
-        <p:spPr/>
-        <p:txBody>
-          <a:bodyPr/>
-          <a:lstStyle/>
-          <a:p>
-            <a:fld id="{48A87A34-81AB-432B-8DAE-1953F412C126}" type="datetimeFigureOut">
-              <a:rPr lang="en-US" smtClean="0"/>
-              <a:pPr/>
-              <a:t>2/18/2017</a:t>
-            </a:fld>
-            <a:endParaRPr lang="en-US" dirty="0"/>
-          </a:p>
-        </p:txBody>
-      </p:sp>
-      <p:sp>
-        <p:nvSpPr>
-          <p:cNvPr id="5" name="Footer Placeholder 4"/>
-          <p:cNvSpPr>
-            <a:spLocks noGrp="1"/>
-          </p:cNvSpPr>
-          <p:nvPr>
-            <p:ph type="ftr" sz="quarter" idx="11"/>
-          </p:nvPr>
-        </p:nvSpPr>
-        <p:spPr/>
-        <p:txBody>
-          <a:bodyPr/>
-          <a:lstStyle/>
-          <a:p>
-            <a:endParaRPr lang="en-US" dirty="0"/>
-          </a:p>
-        </p:txBody>
-      </p:sp>
-      <p:sp>
-        <p:nvSpPr>
-          <p:cNvPr id="6" name="Slide Number Placeholder 5"/>
-          <p:cNvSpPr>
-            <a:spLocks noGrp="1"/>
-          </p:cNvSpPr>
-          <p:nvPr>
-            <p:ph type="sldNum" sz="quarter" idx="12"/>
-          </p:nvPr>
-        </p:nvSpPr>
-        <p:spPr/>
-        <p:txBody>
-          <a:bodyPr/>
-          <a:lstStyle/>
-          <a:p>
-            <a:fld id="{6D22F896-40B5-4ADD-8801-0D06FADFA095}" type="slidenum">
-              <a:rPr lang="en-US" smtClean="0"/>
-              <a:pPr/>
-              <a:t>‹#›</a:t>
-            </a:fld>
-            <a:endParaRPr lang="en-US" dirty="0"/>
-          </a:p>
-        </p:txBody>
-      </p:sp>
-      <p:sp>
-        <p:nvSpPr>
-          <p:cNvPr id="20" name="TextBox 19"/>
-          <p:cNvSpPr txBox="1"/>
-          <p:nvPr/>
-        </p:nvSpPr>
-        <p:spPr>
-          <a:xfrm>
-            <a:off x="541870" y="790378"/>
-            <a:ext cx="609600" cy="584776"/>
-          </a:xfrm>
-          <a:prstGeom prst="rect">
-            <a:avLst/>
-          </a:prstGeom>
-        </p:spPr>
-        <p:txBody>
-          <a:bodyPr vert="horz" lIns="91440" tIns="45720" rIns="91440" bIns="45720" rtlCol="0" anchor="ctr">
-            <a:noAutofit/>
-          </a:bodyPr>
-          <a:lstStyle/>
-          <a:p>
-            <a:pPr lvl="0"/>
-            <a:r>
-              <a:rPr lang="en-US" sz="8000" baseline="0" dirty="0">
-                <a:ln w="3175" cmpd="sng">
-                  <a:noFill/>
-                </a:ln>
-                <a:solidFill>
-                  <a:schemeClr val="accent1">
-                    <a:lumMod val="60000"/>
-                    <a:lumOff val="40000"/>
-                  </a:schemeClr>
-                </a:solidFill>
-                <a:effectLst/>
-                <a:latin typeface="Arial"/>
-              </a:rPr>
-              <a:t>“</a:t>
-            </a:r>
-          </a:p>
-        </p:txBody>
-      </p:sp>
-      <p:sp>
-        <p:nvSpPr>
-          <p:cNvPr id="22" name="TextBox 21"/>
-          <p:cNvSpPr txBox="1"/>
-          <p:nvPr/>
-        </p:nvSpPr>
-        <p:spPr>
-          <a:xfrm>
-            <a:off x="8893011" y="2886556"/>
-            <a:ext cx="609600" cy="584776"/>
-          </a:xfrm>
-          <a:prstGeom prst="rect">
-            <a:avLst/>
-          </a:prstGeom>
-        </p:spPr>
-        <p:txBody>
-          <a:bodyPr vert="horz" lIns="91440" tIns="45720" rIns="91440" bIns="45720" rtlCol="0" anchor="ctr">
-            <a:noAutofit/>
-          </a:bodyPr>
-          <a:lstStyle/>
-          <a:p>
-            <a:pPr lvl="0"/>
-            <a:r>
-              <a:rPr lang="en-US" sz="8000" baseline="0" dirty="0">
-                <a:ln w="3175" cmpd="sng">
-                  <a:noFill/>
-                </a:ln>
-                <a:solidFill>
-                  <a:schemeClr val="accent1">
-                    <a:lumMod val="60000"/>
-                    <a:lumOff val="40000"/>
-                  </a:schemeClr>
-                </a:solidFill>
-                <a:latin typeface="Arial"/>
-              </a:rPr>
-              <a:t>”</a:t>
-            </a:r>
-            <a:endParaRPr lang="en-US" dirty="0">
-              <a:solidFill>
-                <a:schemeClr val="accent1">
-                  <a:lumMod val="60000"/>
-                  <a:lumOff val="40000"/>
-                </a:schemeClr>
-              </a:solidFill>
-              <a:latin typeface="Arial"/>
-            </a:endParaRPr>
-          </a:p>
-        </p:txBody>
-      </p:sp>
-    </p:spTree>
-    <p:extLst>
-      <p:ext uri="{BB962C8B-B14F-4D97-AF65-F5344CB8AC3E}">
-        <p14:creationId xmlns:p14="http://schemas.microsoft.com/office/powerpoint/2010/main" val="644058057"/>
-      </p:ext>
-    </p:extLst>
-  </p:cSld>
-  <p:clrMapOvr>
-    <a:masterClrMapping/>
-  </p:clrMapOvr>
-</p:sldLayout>
-</file>
-
-<file path=ppt/slideLayouts/slideLayout12.xml><?xml version="1.0" encoding="utf-8"?>
-<p:sldLayout xmlns:a="http://schemas.openxmlformats.org/drawingml/2006/main" xmlns:r="http://schemas.openxmlformats.org/officeDocument/2006/relationships" xmlns:p="http://schemas.openxmlformats.org/presentationml/2006/main" preserve="1">
-  <p:cSld name="Name Card">
-    <p:spTree>
-      <p:nvGrpSpPr>
-        <p:cNvPr id="1" name=""/>
-        <p:cNvGrpSpPr/>
-        <p:nvPr/>
-      </p:nvGrpSpPr>
-      <p:grpSpPr>
-        <a:xfrm>
-          <a:off x="0" y="0"/>
-          <a:ext cx="0" cy="0"/>
-          <a:chOff x="0" y="0"/>
-          <a:chExt cx="0" cy="0"/>
-        </a:xfrm>
-      </p:grpSpPr>
-      <p:sp>
-        <p:nvSpPr>
-          <p:cNvPr id="2" name="Title 1"/>
-          <p:cNvSpPr>
-            <a:spLocks noGrp="1"/>
-          </p:cNvSpPr>
-          <p:nvPr>
-            <p:ph type="title"/>
-          </p:nvPr>
-        </p:nvSpPr>
-        <p:spPr>
-          <a:xfrm>
-            <a:off x="677335" y="1931988"/>
-            <a:ext cx="8596668" cy="2595460"/>
-          </a:xfrm>
-        </p:spPr>
-        <p:txBody>
-          <a:bodyPr anchor="b">
-            <a:normAutofit/>
-          </a:bodyPr>
-          <a:lstStyle>
-            <a:lvl1pPr algn="l">
-              <a:defRPr sz="4400" b="0" cap="none"/>
-            </a:lvl1pPr>
-          </a:lstStyle>
-          <a:p>
-            <a:r>
-              <a:rPr lang="en-US"/>
-              <a:t>Click to edit Master title style</a:t>
-            </a:r>
-            <a:endParaRPr lang="en-US" dirty="0"/>
-          </a:p>
-        </p:txBody>
-      </p:sp>
-      <p:sp>
-        <p:nvSpPr>
-          <p:cNvPr id="3" name="Text Placeholder 2"/>
-          <p:cNvSpPr>
-            <a:spLocks noGrp="1"/>
-          </p:cNvSpPr>
-          <p:nvPr>
-            <p:ph type="body" idx="1"/>
-          </p:nvPr>
-        </p:nvSpPr>
-        <p:spPr>
-          <a:xfrm>
-            <a:off x="677335" y="4527448"/>
-            <a:ext cx="8596668" cy="1513914"/>
-          </a:xfrm>
-        </p:spPr>
-        <p:txBody>
-          <a:bodyPr anchor="t">
-            <a:normAutofit/>
-          </a:bodyPr>
-          <a:lstStyle>
-            <a:lvl1pPr marL="0" indent="0" algn="l">
-              <a:buNone/>
-              <a:defRPr sz="1800">
-                <a:solidFill>
-                  <a:schemeClr val="tx1">
-                    <a:lumMod val="75000"/>
-                    <a:lumOff val="25000"/>
-                  </a:schemeClr>
-                </a:solidFill>
-              </a:defRPr>
-            </a:lvl1pPr>
-            <a:lvl2pPr marL="457200" indent="0">
-              <a:buNone/>
-              <a:defRPr sz="1800">
-                <a:solidFill>
-                  <a:schemeClr val="tx1">
-                    <a:tint val="75000"/>
-                  </a:schemeClr>
-                </a:solidFill>
-              </a:defRPr>
-            </a:lvl2pPr>
-            <a:lvl3pPr marL="914400" indent="0">
-              <a:buNone/>
-              <a:defRPr sz="1600">
-                <a:solidFill>
-                  <a:schemeClr val="tx1">
-                    <a:tint val="75000"/>
-                  </a:schemeClr>
-                </a:solidFill>
-              </a:defRPr>
-            </a:lvl3pPr>
-            <a:lvl4pPr marL="1371600" indent="0">
-              <a:buNone/>
-              <a:defRPr sz="1400">
-                <a:solidFill>
-                  <a:schemeClr val="tx1">
-                    <a:tint val="75000"/>
-                  </a:schemeClr>
-                </a:solidFill>
-              </a:defRPr>
-            </a:lvl4pPr>
-            <a:lvl5pPr marL="1828800" indent="0">
-              <a:buNone/>
-              <a:defRPr sz="1400">
-                <a:solidFill>
-                  <a:schemeClr val="tx1">
-                    <a:tint val="75000"/>
-                  </a:schemeClr>
-                </a:solidFill>
-              </a:defRPr>
-            </a:lvl5pPr>
-            <a:lvl6pPr marL="2286000" indent="0">
-              <a:buNone/>
-              <a:defRPr sz="1400">
-                <a:solidFill>
-                  <a:schemeClr val="tx1">
-                    <a:tint val="75000"/>
-                  </a:schemeClr>
-                </a:solidFill>
-              </a:defRPr>
-            </a:lvl6pPr>
-            <a:lvl7pPr marL="2743200" indent="0">
-              <a:buNone/>
-              <a:defRPr sz="1400">
-                <a:solidFill>
-                  <a:schemeClr val="tx1">
-                    <a:tint val="75000"/>
-                  </a:schemeClr>
-                </a:solidFill>
-              </a:defRPr>
-            </a:lvl7pPr>
-            <a:lvl8pPr marL="3200400" indent="0">
-              <a:buNone/>
-              <a:defRPr sz="1400">
-                <a:solidFill>
-                  <a:schemeClr val="tx1">
-                    <a:tint val="75000"/>
-                  </a:schemeClr>
-                </a:solidFill>
-              </a:defRPr>
-            </a:lvl8pPr>
-            <a:lvl9pPr marL="3657600" indent="0">
-              <a:buNone/>
-              <a:defRPr sz="1400">
-                <a:solidFill>
-                  <a:schemeClr val="tx1">
-                    <a:tint val="75000"/>
-                  </a:schemeClr>
-                </a:solidFill>
-              </a:defRPr>
-            </a:lvl9pPr>
-          </a:lstStyle>
-          <a:p>
-            <a:pPr lvl="0"/>
-            <a:r>
-              <a:rPr lang="en-US"/>
-              <a:t>Edit Master text styles</a:t>
-            </a:r>
-          </a:p>
-        </p:txBody>
-      </p:sp>
-      <p:sp>
-        <p:nvSpPr>
-          <p:cNvPr id="4" name="Date Placeholder 3"/>
-          <p:cNvSpPr>
-            <a:spLocks noGrp="1"/>
-          </p:cNvSpPr>
-          <p:nvPr>
-            <p:ph type="dt" sz="half" idx="10"/>
-          </p:nvPr>
-        </p:nvSpPr>
-        <p:spPr/>
-        <p:txBody>
-          <a:bodyPr/>
-          <a:lstStyle/>
-          <a:p>
-            <a:fld id="{48A87A34-81AB-432B-8DAE-1953F412C126}" type="datetimeFigureOut">
-              <a:rPr lang="en-US" smtClean="0"/>
-              <a:pPr/>
-              <a:t>2/18/2017</a:t>
-            </a:fld>
-            <a:endParaRPr lang="en-US" dirty="0"/>
-          </a:p>
-        </p:txBody>
-      </p:sp>
-      <p:sp>
-        <p:nvSpPr>
-          <p:cNvPr id="5" name="Footer Placeholder 4"/>
-          <p:cNvSpPr>
-            <a:spLocks noGrp="1"/>
-          </p:cNvSpPr>
-          <p:nvPr>
-            <p:ph type="ftr" sz="quarter" idx="11"/>
-          </p:nvPr>
-        </p:nvSpPr>
-        <p:spPr/>
-        <p:txBody>
-          <a:bodyPr/>
-          <a:lstStyle/>
-          <a:p>
-            <a:endParaRPr lang="en-US" dirty="0"/>
-          </a:p>
-        </p:txBody>
-      </p:sp>
-      <p:sp>
-        <p:nvSpPr>
-          <p:cNvPr id="6" name="Slide Number Placeholder 5"/>
-          <p:cNvSpPr>
-            <a:spLocks noGrp="1"/>
-          </p:cNvSpPr>
-          <p:nvPr>
-            <p:ph type="sldNum" sz="quarter" idx="12"/>
-          </p:nvPr>
-        </p:nvSpPr>
-        <p:spPr/>
-        <p:txBody>
-          <a:bodyPr/>
-          <a:lstStyle/>
-          <a:p>
-            <a:fld id="{6D22F896-40B5-4ADD-8801-0D06FADFA095}" type="slidenum">
-              <a:rPr lang="en-US" smtClean="0"/>
-              <a:pPr/>
-              <a:t>‹#›</a:t>
-            </a:fld>
-            <a:endParaRPr lang="en-US" dirty="0"/>
-          </a:p>
-        </p:txBody>
-      </p:sp>
-    </p:spTree>
-    <p:extLst>
-      <p:ext uri="{BB962C8B-B14F-4D97-AF65-F5344CB8AC3E}">
-        <p14:creationId xmlns:p14="http://schemas.microsoft.com/office/powerpoint/2010/main" val="3464986935"/>
-      </p:ext>
-    </p:extLst>
-  </p:cSld>
-  <p:clrMapOvr>
-    <a:masterClrMapping/>
-  </p:clrMapOvr>
-</p:sldLayout>
-</file>
-
-<file path=ppt/slideLayouts/slideLayout13.xml><?xml version="1.0" encoding="utf-8"?>
-<p:sldLayout xmlns:a="http://schemas.openxmlformats.org/drawingml/2006/main" xmlns:r="http://schemas.openxmlformats.org/officeDocument/2006/relationships" xmlns:p="http://schemas.openxmlformats.org/presentationml/2006/main" preserve="1">
-  <p:cSld name="Quote Name Card">
-    <p:spTree>
-      <p:nvGrpSpPr>
-        <p:cNvPr id="1" name=""/>
-        <p:cNvGrpSpPr/>
-        <p:nvPr/>
-      </p:nvGrpSpPr>
-      <p:grpSpPr>
-        <a:xfrm>
-          <a:off x="0" y="0"/>
-          <a:ext cx="0" cy="0"/>
-          <a:chOff x="0" y="0"/>
-          <a:chExt cx="0" cy="0"/>
-        </a:xfrm>
-      </p:grpSpPr>
-      <p:sp>
-        <p:nvSpPr>
-          <p:cNvPr id="2" name="Title 1"/>
-          <p:cNvSpPr>
-            <a:spLocks noGrp="1"/>
-          </p:cNvSpPr>
-          <p:nvPr>
-            <p:ph type="title"/>
-          </p:nvPr>
-        </p:nvSpPr>
-        <p:spPr>
-          <a:xfrm>
-            <a:off x="931334" y="609600"/>
-            <a:ext cx="8094134" cy="3022600"/>
-          </a:xfrm>
-        </p:spPr>
-        <p:txBody>
-          <a:bodyPr anchor="ctr">
-            <a:normAutofit/>
-          </a:bodyPr>
-          <a:lstStyle>
-            <a:lvl1pPr algn="l">
-              <a:defRPr sz="4400" b="0" cap="none"/>
-            </a:lvl1pPr>
-          </a:lstStyle>
-          <a:p>
-            <a:r>
-              <a:rPr lang="en-US"/>
-              <a:t>Click to edit Master title style</a:t>
-            </a:r>
-            <a:endParaRPr lang="en-US" dirty="0"/>
-          </a:p>
-        </p:txBody>
-      </p:sp>
-      <p:sp>
-        <p:nvSpPr>
-          <p:cNvPr id="23" name="Text Placeholder 9"/>
-          <p:cNvSpPr>
-            <a:spLocks noGrp="1"/>
-          </p:cNvSpPr>
-          <p:nvPr>
-            <p:ph type="body" sz="quarter" idx="13"/>
-          </p:nvPr>
-        </p:nvSpPr>
-        <p:spPr>
-          <a:xfrm>
-            <a:off x="677332" y="4013200"/>
-            <a:ext cx="8596669" cy="514248"/>
-          </a:xfrm>
-        </p:spPr>
-        <p:txBody>
-          <a:bodyPr anchor="b">
-            <a:noAutofit/>
-          </a:bodyPr>
-          <a:lstStyle>
-            <a:lvl1pPr marL="0" indent="0">
-              <a:buFontTx/>
-              <a:buNone/>
-              <a:defRPr sz="2400">
-                <a:solidFill>
-                  <a:schemeClr val="tx1">
-                    <a:lumMod val="75000"/>
-                    <a:lumOff val="25000"/>
-                  </a:schemeClr>
-                </a:solidFill>
-              </a:defRPr>
-            </a:lvl1pPr>
-            <a:lvl2pPr marL="457200" indent="0">
-              <a:buFontTx/>
-              <a:buNone/>
-              <a:defRPr/>
-            </a:lvl2pPr>
-            <a:lvl3pPr marL="914400" indent="0">
-              <a:buFontTx/>
-              <a:buNone/>
-              <a:defRPr/>
-            </a:lvl3pPr>
-            <a:lvl4pPr marL="1371600" indent="0">
-              <a:buFontTx/>
-              <a:buNone/>
-              <a:defRPr/>
-            </a:lvl4pPr>
-            <a:lvl5pPr marL="1828800" indent="0">
-              <a:buFontTx/>
-              <a:buNone/>
-              <a:defRPr/>
-            </a:lvl5pPr>
-          </a:lstStyle>
-          <a:p>
-            <a:pPr lvl="0"/>
-            <a:r>
-              <a:rPr lang="en-US"/>
-              <a:t>Edit Master text styles</a:t>
-            </a:r>
-          </a:p>
-        </p:txBody>
-      </p:sp>
-      <p:sp>
-        <p:nvSpPr>
-          <p:cNvPr id="3" name="Text Placeholder 2"/>
-          <p:cNvSpPr>
-            <a:spLocks noGrp="1"/>
-          </p:cNvSpPr>
-          <p:nvPr>
-            <p:ph type="body" idx="1"/>
-          </p:nvPr>
-        </p:nvSpPr>
-        <p:spPr>
-          <a:xfrm>
-            <a:off x="677335" y="4527448"/>
-            <a:ext cx="8596668" cy="1513914"/>
-          </a:xfrm>
-        </p:spPr>
-        <p:txBody>
-          <a:bodyPr anchor="t">
-            <a:normAutofit/>
-          </a:bodyPr>
-          <a:lstStyle>
-            <a:lvl1pPr marL="0" indent="0" algn="l">
-              <a:buNone/>
-              <a:defRPr sz="1800">
-                <a:solidFill>
-                  <a:schemeClr val="tx1">
-                    <a:lumMod val="50000"/>
-                    <a:lumOff val="50000"/>
-                  </a:schemeClr>
-                </a:solidFill>
-              </a:defRPr>
-            </a:lvl1pPr>
-            <a:lvl2pPr marL="457200" indent="0">
-              <a:buNone/>
-              <a:defRPr sz="1800">
-                <a:solidFill>
-                  <a:schemeClr val="tx1">
-                    <a:tint val="75000"/>
-                  </a:schemeClr>
-                </a:solidFill>
-              </a:defRPr>
-            </a:lvl2pPr>
-            <a:lvl3pPr marL="914400" indent="0">
-              <a:buNone/>
-              <a:defRPr sz="1600">
-                <a:solidFill>
-                  <a:schemeClr val="tx1">
-                    <a:tint val="75000"/>
-                  </a:schemeClr>
-                </a:solidFill>
-              </a:defRPr>
-            </a:lvl3pPr>
-            <a:lvl4pPr marL="1371600" indent="0">
-              <a:buNone/>
-              <a:defRPr sz="1400">
-                <a:solidFill>
-                  <a:schemeClr val="tx1">
-                    <a:tint val="75000"/>
-                  </a:schemeClr>
-                </a:solidFill>
-              </a:defRPr>
-            </a:lvl4pPr>
-            <a:lvl5pPr marL="1828800" indent="0">
-              <a:buNone/>
-              <a:defRPr sz="1400">
-                <a:solidFill>
-                  <a:schemeClr val="tx1">
-                    <a:tint val="75000"/>
-                  </a:schemeClr>
-                </a:solidFill>
-              </a:defRPr>
-            </a:lvl5pPr>
-            <a:lvl6pPr marL="2286000" indent="0">
-              <a:buNone/>
-              <a:defRPr sz="1400">
-                <a:solidFill>
-                  <a:schemeClr val="tx1">
-                    <a:tint val="75000"/>
-                  </a:schemeClr>
-                </a:solidFill>
-              </a:defRPr>
-            </a:lvl6pPr>
-            <a:lvl7pPr marL="2743200" indent="0">
-              <a:buNone/>
-              <a:defRPr sz="1400">
-                <a:solidFill>
-                  <a:schemeClr val="tx1">
-                    <a:tint val="75000"/>
-                  </a:schemeClr>
-                </a:solidFill>
-              </a:defRPr>
-            </a:lvl7pPr>
-            <a:lvl8pPr marL="3200400" indent="0">
-              <a:buNone/>
-              <a:defRPr sz="1400">
-                <a:solidFill>
-                  <a:schemeClr val="tx1">
-                    <a:tint val="75000"/>
-                  </a:schemeClr>
-                </a:solidFill>
-              </a:defRPr>
-            </a:lvl8pPr>
-            <a:lvl9pPr marL="3657600" indent="0">
-              <a:buNone/>
-              <a:defRPr sz="1400">
-                <a:solidFill>
-                  <a:schemeClr val="tx1">
-                    <a:tint val="75000"/>
-                  </a:schemeClr>
-                </a:solidFill>
-              </a:defRPr>
-            </a:lvl9pPr>
-          </a:lstStyle>
-          <a:p>
-            <a:pPr lvl="0"/>
-            <a:r>
-              <a:rPr lang="en-US"/>
-              <a:t>Edit Master text styles</a:t>
-            </a:r>
-          </a:p>
-        </p:txBody>
-      </p:sp>
-      <p:sp>
-        <p:nvSpPr>
-          <p:cNvPr id="4" name="Date Placeholder 3"/>
-          <p:cNvSpPr>
-            <a:spLocks noGrp="1"/>
-          </p:cNvSpPr>
-          <p:nvPr>
-            <p:ph type="dt" sz="half" idx="10"/>
-          </p:nvPr>
-        </p:nvSpPr>
-        <p:spPr/>
-        <p:txBody>
-          <a:bodyPr/>
-          <a:lstStyle/>
-          <a:p>
-            <a:fld id="{48A87A34-81AB-432B-8DAE-1953F412C126}" type="datetimeFigureOut">
-              <a:rPr lang="en-US" smtClean="0"/>
-              <a:pPr/>
-              <a:t>2/18/2017</a:t>
-            </a:fld>
-            <a:endParaRPr lang="en-US" dirty="0"/>
-          </a:p>
-        </p:txBody>
-      </p:sp>
-      <p:sp>
-        <p:nvSpPr>
-          <p:cNvPr id="5" name="Footer Placeholder 4"/>
-          <p:cNvSpPr>
-            <a:spLocks noGrp="1"/>
-          </p:cNvSpPr>
-          <p:nvPr>
-            <p:ph type="ftr" sz="quarter" idx="11"/>
-          </p:nvPr>
-        </p:nvSpPr>
-        <p:spPr/>
-        <p:txBody>
-          <a:bodyPr/>
-          <a:lstStyle/>
-          <a:p>
-            <a:endParaRPr lang="en-US" dirty="0"/>
-          </a:p>
-        </p:txBody>
-      </p:sp>
-      <p:sp>
-        <p:nvSpPr>
-          <p:cNvPr id="6" name="Slide Number Placeholder 5"/>
-          <p:cNvSpPr>
-            <a:spLocks noGrp="1"/>
-          </p:cNvSpPr>
-          <p:nvPr>
-            <p:ph type="sldNum" sz="quarter" idx="12"/>
-          </p:nvPr>
-        </p:nvSpPr>
-        <p:spPr/>
-        <p:txBody>
-          <a:bodyPr/>
-          <a:lstStyle/>
-          <a:p>
-            <a:fld id="{6D22F896-40B5-4ADD-8801-0D06FADFA095}" type="slidenum">
-              <a:rPr lang="en-US" smtClean="0"/>
-              <a:pPr/>
-              <a:t>‹#›</a:t>
-            </a:fld>
-            <a:endParaRPr lang="en-US" dirty="0"/>
-          </a:p>
-        </p:txBody>
-      </p:sp>
-      <p:sp>
-        <p:nvSpPr>
-          <p:cNvPr id="24" name="TextBox 23"/>
-          <p:cNvSpPr txBox="1"/>
-          <p:nvPr/>
-        </p:nvSpPr>
-        <p:spPr>
-          <a:xfrm>
-            <a:off x="541870" y="790378"/>
-            <a:ext cx="609600" cy="584776"/>
-          </a:xfrm>
-          <a:prstGeom prst="rect">
-            <a:avLst/>
-          </a:prstGeom>
-        </p:spPr>
-        <p:txBody>
-          <a:bodyPr vert="horz" lIns="91440" tIns="45720" rIns="91440" bIns="45720" rtlCol="0" anchor="ctr">
-            <a:noAutofit/>
-          </a:bodyPr>
-          <a:lstStyle/>
-          <a:p>
-            <a:pPr lvl="0"/>
-            <a:r>
-              <a:rPr lang="en-US" sz="8000" baseline="0" dirty="0">
-                <a:ln w="3175" cmpd="sng">
-                  <a:noFill/>
-                </a:ln>
-                <a:solidFill>
-                  <a:schemeClr val="accent1">
-                    <a:lumMod val="60000"/>
-                    <a:lumOff val="40000"/>
-                  </a:schemeClr>
-                </a:solidFill>
-                <a:effectLst/>
-                <a:latin typeface="Arial"/>
-              </a:rPr>
-              <a:t>“</a:t>
-            </a:r>
-          </a:p>
-        </p:txBody>
-      </p:sp>
-      <p:sp>
-        <p:nvSpPr>
-          <p:cNvPr id="25" name="TextBox 24"/>
-          <p:cNvSpPr txBox="1"/>
-          <p:nvPr/>
-        </p:nvSpPr>
-        <p:spPr>
-          <a:xfrm>
-            <a:off x="8893011" y="2886556"/>
-            <a:ext cx="609600" cy="584776"/>
-          </a:xfrm>
-          <a:prstGeom prst="rect">
-            <a:avLst/>
-          </a:prstGeom>
-        </p:spPr>
-        <p:txBody>
-          <a:bodyPr vert="horz" lIns="91440" tIns="45720" rIns="91440" bIns="45720" rtlCol="0" anchor="ctr">
-            <a:noAutofit/>
-          </a:bodyPr>
-          <a:lstStyle/>
-          <a:p>
-            <a:pPr lvl="0"/>
-            <a:r>
-              <a:rPr lang="en-US" sz="8000" baseline="0" dirty="0">
-                <a:ln w="3175" cmpd="sng">
-                  <a:noFill/>
-                </a:ln>
-                <a:solidFill>
-                  <a:schemeClr val="accent1">
-                    <a:lumMod val="60000"/>
-                    <a:lumOff val="40000"/>
-                  </a:schemeClr>
-                </a:solidFill>
-                <a:effectLst/>
-                <a:latin typeface="Arial"/>
-              </a:rPr>
-              <a:t>”</a:t>
-            </a:r>
-          </a:p>
-        </p:txBody>
-      </p:sp>
-    </p:spTree>
-    <p:extLst>
-      <p:ext uri="{BB962C8B-B14F-4D97-AF65-F5344CB8AC3E}">
-        <p14:creationId xmlns:p14="http://schemas.microsoft.com/office/powerpoint/2010/main" val="4081446942"/>
-      </p:ext>
-    </p:extLst>
-  </p:cSld>
-  <p:clrMapOvr>
-    <a:masterClrMapping/>
-  </p:clrMapOvr>
-</p:sldLayout>
-</file>
-
-<file path=ppt/slideLayouts/slideLayout14.xml><?xml version="1.0" encoding="utf-8"?>
-<p:sldLayout xmlns:a="http://schemas.openxmlformats.org/drawingml/2006/main" xmlns:r="http://schemas.openxmlformats.org/officeDocument/2006/relationships" xmlns:p="http://schemas.openxmlformats.org/presentationml/2006/main" preserve="1">
-  <p:cSld name="True or False">
-    <p:spTree>
-      <p:nvGrpSpPr>
-        <p:cNvPr id="1" name=""/>
-        <p:cNvGrpSpPr/>
-        <p:nvPr/>
-      </p:nvGrpSpPr>
-      <p:grpSpPr>
-        <a:xfrm>
-          <a:off x="0" y="0"/>
-          <a:ext cx="0" cy="0"/>
-          <a:chOff x="0" y="0"/>
-          <a:chExt cx="0" cy="0"/>
-        </a:xfrm>
-      </p:grpSpPr>
-      <p:sp>
-        <p:nvSpPr>
-          <p:cNvPr id="2" name="Title 1"/>
-          <p:cNvSpPr>
-            <a:spLocks noGrp="1"/>
-          </p:cNvSpPr>
-          <p:nvPr>
-            <p:ph type="title"/>
-          </p:nvPr>
-        </p:nvSpPr>
-        <p:spPr>
-          <a:xfrm>
-            <a:off x="685799" y="609600"/>
-            <a:ext cx="8588203" cy="3022600"/>
-          </a:xfrm>
-        </p:spPr>
-        <p:txBody>
-          <a:bodyPr anchor="ctr">
-            <a:normAutofit/>
-          </a:bodyPr>
-          <a:lstStyle>
-            <a:lvl1pPr algn="l">
-              <a:defRPr sz="4400" b="0" cap="none"/>
-            </a:lvl1pPr>
-          </a:lstStyle>
-          <a:p>
-            <a:r>
-              <a:rPr lang="en-US"/>
-              <a:t>Click to edit Master title style</a:t>
-            </a:r>
-            <a:endParaRPr lang="en-US" dirty="0"/>
-          </a:p>
-        </p:txBody>
-      </p:sp>
-      <p:sp>
-        <p:nvSpPr>
-          <p:cNvPr id="23" name="Text Placeholder 9"/>
-          <p:cNvSpPr>
-            <a:spLocks noGrp="1"/>
-          </p:cNvSpPr>
-          <p:nvPr>
-            <p:ph type="body" sz="quarter" idx="13"/>
-          </p:nvPr>
-        </p:nvSpPr>
-        <p:spPr>
-          <a:xfrm>
-            <a:off x="677332" y="4013200"/>
-            <a:ext cx="8596669" cy="514248"/>
-          </a:xfrm>
-        </p:spPr>
-        <p:txBody>
-          <a:bodyPr anchor="b">
-            <a:noAutofit/>
-          </a:bodyPr>
-          <a:lstStyle>
-            <a:lvl1pPr marL="0" indent="0">
-              <a:buFontTx/>
-              <a:buNone/>
-              <a:defRPr sz="2400">
-                <a:solidFill>
-                  <a:schemeClr val="accent1"/>
-                </a:solidFill>
-              </a:defRPr>
-            </a:lvl1pPr>
-            <a:lvl2pPr marL="457200" indent="0">
-              <a:buFontTx/>
-              <a:buNone/>
-              <a:defRPr/>
-            </a:lvl2pPr>
-            <a:lvl3pPr marL="914400" indent="0">
-              <a:buFontTx/>
-              <a:buNone/>
-              <a:defRPr/>
-            </a:lvl3pPr>
-            <a:lvl4pPr marL="1371600" indent="0">
-              <a:buFontTx/>
-              <a:buNone/>
-              <a:defRPr/>
-            </a:lvl4pPr>
-            <a:lvl5pPr marL="1828800" indent="0">
-              <a:buFontTx/>
-              <a:buNone/>
-              <a:defRPr/>
-            </a:lvl5pPr>
-          </a:lstStyle>
-          <a:p>
-            <a:pPr lvl="0"/>
-            <a:r>
-              <a:rPr lang="en-US"/>
-              <a:t>Edit Master text styles</a:t>
-            </a:r>
-          </a:p>
-        </p:txBody>
-      </p:sp>
-      <p:sp>
-        <p:nvSpPr>
-          <p:cNvPr id="3" name="Text Placeholder 2"/>
-          <p:cNvSpPr>
-            <a:spLocks noGrp="1"/>
-          </p:cNvSpPr>
-          <p:nvPr>
-            <p:ph type="body" idx="1"/>
-          </p:nvPr>
-        </p:nvSpPr>
-        <p:spPr>
-          <a:xfrm>
-            <a:off x="677335" y="4527448"/>
-            <a:ext cx="8596668" cy="1513914"/>
-          </a:xfrm>
-        </p:spPr>
-        <p:txBody>
-          <a:bodyPr anchor="t">
-            <a:normAutofit/>
-          </a:bodyPr>
-          <a:lstStyle>
-            <a:lvl1pPr marL="0" indent="0" algn="l">
-              <a:buNone/>
-              <a:defRPr sz="1800">
-                <a:solidFill>
-                  <a:schemeClr val="tx1">
-                    <a:lumMod val="50000"/>
-                    <a:lumOff val="50000"/>
-                  </a:schemeClr>
-                </a:solidFill>
-              </a:defRPr>
-            </a:lvl1pPr>
-            <a:lvl2pPr marL="457200" indent="0">
-              <a:buNone/>
-              <a:defRPr sz="1800">
-                <a:solidFill>
-                  <a:schemeClr val="tx1">
-                    <a:tint val="75000"/>
-                  </a:schemeClr>
-                </a:solidFill>
-              </a:defRPr>
-            </a:lvl2pPr>
-            <a:lvl3pPr marL="914400" indent="0">
-              <a:buNone/>
-              <a:defRPr sz="1600">
-                <a:solidFill>
-                  <a:schemeClr val="tx1">
-                    <a:tint val="75000"/>
-                  </a:schemeClr>
-                </a:solidFill>
-              </a:defRPr>
-            </a:lvl3pPr>
-            <a:lvl4pPr marL="1371600" indent="0">
-              <a:buNone/>
-              <a:defRPr sz="1400">
-                <a:solidFill>
-                  <a:schemeClr val="tx1">
-                    <a:tint val="75000"/>
-                  </a:schemeClr>
-                </a:solidFill>
-              </a:defRPr>
-            </a:lvl4pPr>
-            <a:lvl5pPr marL="1828800" indent="0">
-              <a:buNone/>
-              <a:defRPr sz="1400">
-                <a:solidFill>
-                  <a:schemeClr val="tx1">
-                    <a:tint val="75000"/>
-                  </a:schemeClr>
-                </a:solidFill>
-              </a:defRPr>
-            </a:lvl5pPr>
-            <a:lvl6pPr marL="2286000" indent="0">
-              <a:buNone/>
-              <a:defRPr sz="1400">
-                <a:solidFill>
-                  <a:schemeClr val="tx1">
-                    <a:tint val="75000"/>
-                  </a:schemeClr>
-                </a:solidFill>
-              </a:defRPr>
-            </a:lvl6pPr>
-            <a:lvl7pPr marL="2743200" indent="0">
-              <a:buNone/>
-              <a:defRPr sz="1400">
-                <a:solidFill>
-                  <a:schemeClr val="tx1">
-                    <a:tint val="75000"/>
-                  </a:schemeClr>
-                </a:solidFill>
-              </a:defRPr>
-            </a:lvl7pPr>
-            <a:lvl8pPr marL="3200400" indent="0">
-              <a:buNone/>
-              <a:defRPr sz="1400">
-                <a:solidFill>
-                  <a:schemeClr val="tx1">
-                    <a:tint val="75000"/>
-                  </a:schemeClr>
-                </a:solidFill>
-              </a:defRPr>
-            </a:lvl8pPr>
-            <a:lvl9pPr marL="3657600" indent="0">
-              <a:buNone/>
-              <a:defRPr sz="1400">
-                <a:solidFill>
-                  <a:schemeClr val="tx1">
-                    <a:tint val="75000"/>
-                  </a:schemeClr>
-                </a:solidFill>
-              </a:defRPr>
-            </a:lvl9pPr>
-          </a:lstStyle>
-          <a:p>
-            <a:pPr lvl="0"/>
-            <a:r>
-              <a:rPr lang="en-US"/>
-              <a:t>Edit Master text styles</a:t>
-            </a:r>
-          </a:p>
-        </p:txBody>
-      </p:sp>
-      <p:sp>
-        <p:nvSpPr>
-          <p:cNvPr id="4" name="Date Placeholder 3"/>
-          <p:cNvSpPr>
-            <a:spLocks noGrp="1"/>
-          </p:cNvSpPr>
-          <p:nvPr>
-            <p:ph type="dt" sz="half" idx="10"/>
-          </p:nvPr>
-        </p:nvSpPr>
-        <p:spPr/>
-        <p:txBody>
-          <a:bodyPr/>
-          <a:lstStyle/>
-          <a:p>
-            <a:fld id="{48A87A34-81AB-432B-8DAE-1953F412C126}" type="datetimeFigureOut">
-              <a:rPr lang="en-US" smtClean="0"/>
-              <a:pPr/>
-              <a:t>2/18/2017</a:t>
-            </a:fld>
-            <a:endParaRPr lang="en-US" dirty="0"/>
-          </a:p>
-        </p:txBody>
-      </p:sp>
-      <p:sp>
-        <p:nvSpPr>
-          <p:cNvPr id="5" name="Footer Placeholder 4"/>
-          <p:cNvSpPr>
-            <a:spLocks noGrp="1"/>
-          </p:cNvSpPr>
-          <p:nvPr>
-            <p:ph type="ftr" sz="quarter" idx="11"/>
-          </p:nvPr>
-        </p:nvSpPr>
-        <p:spPr/>
-        <p:txBody>
-          <a:bodyPr/>
-          <a:lstStyle/>
-          <a:p>
-            <a:endParaRPr lang="en-US" dirty="0"/>
-          </a:p>
-        </p:txBody>
-      </p:sp>
-      <p:sp>
-        <p:nvSpPr>
-          <p:cNvPr id="6" name="Slide Number Placeholder 5"/>
-          <p:cNvSpPr>
-            <a:spLocks noGrp="1"/>
-          </p:cNvSpPr>
-          <p:nvPr>
-            <p:ph type="sldNum" sz="quarter" idx="12"/>
-          </p:nvPr>
-        </p:nvSpPr>
-        <p:spPr/>
-        <p:txBody>
-          <a:bodyPr/>
-          <a:lstStyle/>
-          <a:p>
-            <a:fld id="{6D22F896-40B5-4ADD-8801-0D06FADFA095}" type="slidenum">
-              <a:rPr lang="en-US" smtClean="0"/>
-              <a:pPr/>
-              <a:t>‹#›</a:t>
-            </a:fld>
-            <a:endParaRPr lang="en-US" dirty="0"/>
-          </a:p>
-        </p:txBody>
-      </p:sp>
-    </p:spTree>
-    <p:extLst>
-      <p:ext uri="{BB962C8B-B14F-4D97-AF65-F5344CB8AC3E}">
-        <p14:creationId xmlns:p14="http://schemas.microsoft.com/office/powerpoint/2010/main" val="4010034382"/>
-      </p:ext>
-    </p:extLst>
-  </p:cSld>
-  <p:clrMapOvr>
-    <a:masterClrMapping/>
-  </p:clrMapOvr>
-</p:sldLayout>
-</file>
-
-<file path=ppt/slideLayouts/slideLayout15.xml><?xml version="1.0" encoding="utf-8"?>
 <p:sldLayout xmlns:a="http://schemas.openxmlformats.org/drawingml/2006/main" xmlns:r="http://schemas.openxmlformats.org/officeDocument/2006/relationships" xmlns:p="http://schemas.openxmlformats.org/presentationml/2006/main" type="vertTx" preserve="1">
   <p:cSld name="Title and Vertical Text">
     <p:spTree>
@@ -2637,7 +512,7 @@
           <a:p>
             <a:fld id="{48A87A34-81AB-432B-8DAE-1953F412C126}" type="datetimeFigureOut">
               <a:rPr lang="en-US" smtClean="0"/>
-              <a:t>2/18/2017</a:t>
+              <a:t>2/20/2017</a:t>
             </a:fld>
             <a:endParaRPr lang="en-US" dirty="0"/>
           </a:p>
@@ -2688,7 +563,7 @@
     </p:spTree>
     <p:extLst>
       <p:ext uri="{BB962C8B-B14F-4D97-AF65-F5344CB8AC3E}">
-        <p14:creationId xmlns:p14="http://schemas.microsoft.com/office/powerpoint/2010/main" val="363878396"/>
+        <p14:creationId xmlns:p14="http://schemas.microsoft.com/office/powerpoint/2010/main" val="69481158"/>
       </p:ext>
     </p:extLst>
   </p:cSld>
@@ -2698,7 +573,7 @@
 </p:sldLayout>
 </file>
 
-<file path=ppt/slideLayouts/slideLayout16.xml><?xml version="1.0" encoding="utf-8"?>
+<file path=ppt/slideLayouts/slideLayout11.xml><?xml version="1.0" encoding="utf-8"?>
 <p:sldLayout xmlns:a="http://schemas.openxmlformats.org/drawingml/2006/main" xmlns:r="http://schemas.openxmlformats.org/officeDocument/2006/relationships" xmlns:p="http://schemas.openxmlformats.org/presentationml/2006/main" type="vertTitleAndTx" preserve="1">
   <p:cSld name="Vertical Title and Text">
     <p:spTree>
@@ -2727,12 +602,12 @@
         </p:nvSpPr>
         <p:spPr>
           <a:xfrm>
-            <a:off x="7967673" y="609599"/>
-            <a:ext cx="1304743" cy="5251451"/>
+            <a:off x="8743950" y="695325"/>
+            <a:ext cx="2628900" cy="4800600"/>
           </a:xfrm>
         </p:spPr>
         <p:txBody>
-          <a:bodyPr vert="eaVert" anchor="ctr"/>
+          <a:bodyPr vert="eaVert"/>
           <a:lstStyle/>
           <a:p>
             <a:r>
@@ -2755,8 +630,8 @@
         </p:nvSpPr>
         <p:spPr>
           <a:xfrm>
-            <a:off x="677335" y="609600"/>
-            <a:ext cx="7060150" cy="5251450"/>
+            <a:off x="771525" y="714375"/>
+            <a:ext cx="7734300" cy="5400675"/>
           </a:xfrm>
         </p:spPr>
         <p:txBody>
@@ -2817,7 +692,7 @@
           <a:p>
             <a:fld id="{48A87A34-81AB-432B-8DAE-1953F412C126}" type="datetimeFigureOut">
               <a:rPr lang="en-US" smtClean="0"/>
-              <a:t>2/18/2017</a:t>
+              <a:t>2/20/2017</a:t>
             </a:fld>
             <a:endParaRPr lang="en-US" dirty="0"/>
           </a:p>
@@ -2868,7 +743,7 @@
     </p:spTree>
     <p:extLst>
       <p:ext uri="{BB962C8B-B14F-4D97-AF65-F5344CB8AC3E}">
-        <p14:creationId xmlns:p14="http://schemas.microsoft.com/office/powerpoint/2010/main" val="3639265964"/>
+        <p14:creationId xmlns:p14="http://schemas.microsoft.com/office/powerpoint/2010/main" val="2472924806"/>
       </p:ext>
     </p:extLst>
   </p:cSld>
@@ -2907,14 +782,8 @@
         </p:nvSpPr>
         <p:spPr/>
         <p:txBody>
-          <a:bodyPr>
-            <a:normAutofit/>
-          </a:bodyPr>
-          <a:lstStyle>
-            <a:lvl1pPr>
-              <a:defRPr sz="3600"/>
-            </a:lvl1pPr>
-          </a:lstStyle>
+          <a:bodyPr/>
+          <a:lstStyle/>
           <a:p>
             <a:r>
               <a:rPr lang="en-US"/>
@@ -2993,7 +862,7 @@
           <a:p>
             <a:fld id="{48A87A34-81AB-432B-8DAE-1953F412C126}" type="datetimeFigureOut">
               <a:rPr lang="en-US" smtClean="0"/>
-              <a:t>2/18/2017</a:t>
+              <a:t>2/20/2017</a:t>
             </a:fld>
             <a:endParaRPr lang="en-US" dirty="0"/>
           </a:p>
@@ -3044,7 +913,7 @@
     </p:spTree>
     <p:extLst>
       <p:ext uri="{BB962C8B-B14F-4D97-AF65-F5344CB8AC3E}">
-        <p14:creationId xmlns:p14="http://schemas.microsoft.com/office/powerpoint/2010/main" val="1562403665"/>
+        <p14:creationId xmlns:p14="http://schemas.microsoft.com/office/powerpoint/2010/main" val="268533193"/>
       </p:ext>
     </p:extLst>
   </p:cSld>
@@ -3083,15 +952,24 @@
         </p:nvSpPr>
         <p:spPr>
           <a:xfrm>
-            <a:off x="677335" y="2700867"/>
-            <a:ext cx="8596668" cy="1826581"/>
+            <a:off x="603504" y="767419"/>
+            <a:ext cx="10780776" cy="3355848"/>
           </a:xfrm>
         </p:spPr>
         <p:txBody>
-          <a:bodyPr anchor="b"/>
+          <a:bodyPr anchor="b">
+            <a:normAutofit/>
+          </a:bodyPr>
           <a:lstStyle>
-            <a:lvl1pPr algn="l">
-              <a:defRPr sz="4000" b="0" cap="none"/>
+            <a:lvl1pPr>
+              <a:lnSpc>
+                <a:spcPct val="80000"/>
+              </a:lnSpc>
+              <a:defRPr sz="8800" b="0" baseline="0">
+                <a:solidFill>
+                  <a:schemeClr val="accent1"/>
+                </a:solidFill>
+              </a:defRPr>
             </a:lvl1pPr>
           </a:lstStyle>
           <a:p>
@@ -3115,22 +993,22 @@
         </p:nvSpPr>
         <p:spPr>
           <a:xfrm>
-            <a:off x="677335" y="4527448"/>
-            <a:ext cx="8596668" cy="860400"/>
+            <a:off x="667512" y="4204209"/>
+            <a:ext cx="9226296" cy="1645920"/>
           </a:xfrm>
         </p:spPr>
         <p:txBody>
-          <a:bodyPr anchor="t"/>
+          <a:bodyPr anchor="t">
+            <a:normAutofit/>
+          </a:bodyPr>
           <a:lstStyle>
-            <a:lvl1pPr marL="0" indent="0" algn="l">
-              <a:buNone/>
-              <a:defRPr sz="2000">
+            <a:lvl1pPr marL="0" indent="0">
+              <a:buNone/>
+              <a:defRPr sz="3200">
                 <a:solidFill>
-                  <a:schemeClr val="tx1">
-                    <a:lumMod val="50000"/>
-                    <a:lumOff val="50000"/>
-                  </a:schemeClr>
+                  <a:schemeClr val="tx1"/>
                 </a:solidFill>
+                <a:latin typeface="+mj-lt"/>
               </a:defRPr>
             </a:lvl1pPr>
             <a:lvl2pPr marL="457200" indent="0">
@@ -3240,7 +1118,7 @@
           <a:p>
             <a:fld id="{48A87A34-81AB-432B-8DAE-1953F412C126}" type="datetimeFigureOut">
               <a:rPr lang="en-US" smtClean="0"/>
-              <a:t>2/18/2017</a:t>
+              <a:t>2/20/2017</a:t>
             </a:fld>
             <a:endParaRPr lang="en-US" dirty="0"/>
           </a:p>
@@ -3291,7 +1169,7 @@
     </p:spTree>
     <p:extLst>
       <p:ext uri="{BB962C8B-B14F-4D97-AF65-F5344CB8AC3E}">
-        <p14:creationId xmlns:p14="http://schemas.microsoft.com/office/powerpoint/2010/main" val="1404332382"/>
+        <p14:creationId xmlns:p14="http://schemas.microsoft.com/office/powerpoint/2010/main" val="250573950"/>
       </p:ext>
     </p:extLst>
   </p:cSld>
@@ -3353,13 +1231,41 @@
         </p:nvSpPr>
         <p:spPr>
           <a:xfrm>
-            <a:off x="677334" y="2160589"/>
-            <a:ext cx="4184035" cy="3880772"/>
+            <a:off x="676656" y="1998134"/>
+            <a:ext cx="4663440" cy="3767328"/>
           </a:xfrm>
         </p:spPr>
         <p:txBody>
           <a:bodyPr/>
-          <a:lstStyle/>
+          <a:lstStyle>
+            <a:lvl1pPr>
+              <a:defRPr sz="2400"/>
+            </a:lvl1pPr>
+            <a:lvl2pPr>
+              <a:defRPr sz="2000"/>
+            </a:lvl2pPr>
+            <a:lvl3pPr>
+              <a:defRPr sz="1800"/>
+            </a:lvl3pPr>
+            <a:lvl4pPr>
+              <a:defRPr sz="1600"/>
+            </a:lvl4pPr>
+            <a:lvl5pPr>
+              <a:defRPr sz="1600"/>
+            </a:lvl5pPr>
+            <a:lvl6pPr>
+              <a:defRPr sz="1600"/>
+            </a:lvl6pPr>
+            <a:lvl7pPr>
+              <a:defRPr sz="1600"/>
+            </a:lvl7pPr>
+            <a:lvl8pPr>
+              <a:defRPr sz="1600"/>
+            </a:lvl8pPr>
+            <a:lvl9pPr>
+              <a:defRPr sz="1600"/>
+            </a:lvl9pPr>
+          </a:lstStyle>
           <a:p>
             <a:pPr lvl="0"/>
             <a:r>
@@ -3410,13 +1316,41 @@
         </p:nvSpPr>
         <p:spPr>
           <a:xfrm>
-            <a:off x="5089970" y="2160589"/>
-            <a:ext cx="4184034" cy="3880773"/>
+            <a:off x="6011330" y="1998134"/>
+            <a:ext cx="4663440" cy="3767328"/>
           </a:xfrm>
         </p:spPr>
         <p:txBody>
           <a:bodyPr/>
-          <a:lstStyle/>
+          <a:lstStyle>
+            <a:lvl1pPr>
+              <a:defRPr sz="2400"/>
+            </a:lvl1pPr>
+            <a:lvl2pPr>
+              <a:defRPr sz="2000"/>
+            </a:lvl2pPr>
+            <a:lvl3pPr>
+              <a:defRPr sz="1800"/>
+            </a:lvl3pPr>
+            <a:lvl4pPr>
+              <a:defRPr sz="1600"/>
+            </a:lvl4pPr>
+            <a:lvl5pPr>
+              <a:defRPr sz="1600"/>
+            </a:lvl5pPr>
+            <a:lvl6pPr>
+              <a:defRPr sz="1600"/>
+            </a:lvl6pPr>
+            <a:lvl7pPr>
+              <a:defRPr sz="1600"/>
+            </a:lvl7pPr>
+            <a:lvl8pPr>
+              <a:defRPr sz="1600"/>
+            </a:lvl8pPr>
+            <a:lvl9pPr>
+              <a:defRPr sz="1600"/>
+            </a:lvl9pPr>
+          </a:lstStyle>
           <a:p>
             <a:pPr lvl="0"/>
             <a:r>
@@ -3472,7 +1406,7 @@
           <a:p>
             <a:fld id="{48A87A34-81AB-432B-8DAE-1953F412C126}" type="datetimeFigureOut">
               <a:rPr lang="en-US" smtClean="0"/>
-              <a:t>2/18/2017</a:t>
+              <a:t>2/20/2017</a:t>
             </a:fld>
             <a:endParaRPr lang="en-US" dirty="0"/>
           </a:p>
@@ -3523,7 +1457,7 @@
     </p:spTree>
     <p:extLst>
       <p:ext uri="{BB962C8B-B14F-4D97-AF65-F5344CB8AC3E}">
-        <p14:creationId xmlns:p14="http://schemas.microsoft.com/office/powerpoint/2010/main" val="692144995"/>
+        <p14:creationId xmlns:p14="http://schemas.microsoft.com/office/powerpoint/2010/main" val="29543716"/>
       </p:ext>
     </p:extLst>
   </p:cSld>
@@ -3552,7 +1486,7 @@
       </p:grpSpPr>
       <p:sp>
         <p:nvSpPr>
-          <p:cNvPr id="2" name="Title 1"/>
+          <p:cNvPr id="10" name="Title 9"/>
           <p:cNvSpPr>
             <a:spLocks noGrp="1"/>
           </p:cNvSpPr>
@@ -3563,11 +1497,7 @@
         <p:spPr/>
         <p:txBody>
           <a:bodyPr/>
-          <a:lstStyle>
-            <a:lvl1pPr>
-              <a:defRPr/>
-            </a:lvl1pPr>
-          </a:lstStyle>
+          <a:lstStyle/>
           <a:p>
             <a:r>
               <a:rPr lang="en-US"/>
@@ -3589,18 +1519,26 @@
         </p:nvSpPr>
         <p:spPr>
           <a:xfrm>
-            <a:off x="675745" y="2160983"/>
-            <a:ext cx="4185623" cy="576262"/>
+            <a:off x="676656" y="2040467"/>
+            <a:ext cx="4663440" cy="723400"/>
           </a:xfrm>
         </p:spPr>
         <p:txBody>
-          <a:bodyPr anchor="b">
-            <a:noAutofit/>
+          <a:bodyPr anchor="ctr">
+            <a:normAutofit/>
           </a:bodyPr>
           <a:lstStyle>
             <a:lvl1pPr marL="0" indent="0">
               <a:buNone/>
-              <a:defRPr sz="2400" b="0"/>
+              <a:defRPr sz="2200" b="0" cap="all" baseline="0">
+                <a:solidFill>
+                  <a:schemeClr val="tx1">
+                    <a:lumMod val="85000"/>
+                    <a:lumOff val="15000"/>
+                  </a:schemeClr>
+                </a:solidFill>
+                <a:latin typeface="+mj-lt"/>
+              </a:defRPr>
             </a:lvl1pPr>
             <a:lvl2pPr marL="457200" indent="0">
               <a:buNone/>
@@ -3656,15 +1594,41 @@
         </p:nvSpPr>
         <p:spPr>
           <a:xfrm>
-            <a:off x="675745" y="2737245"/>
-            <a:ext cx="4185623" cy="3304117"/>
+            <a:off x="676656" y="2753084"/>
+            <a:ext cx="4663440" cy="3200400"/>
           </a:xfrm>
         </p:spPr>
         <p:txBody>
-          <a:bodyPr>
-            <a:normAutofit/>
-          </a:bodyPr>
-          <a:lstStyle/>
+          <a:bodyPr/>
+          <a:lstStyle>
+            <a:lvl1pPr>
+              <a:defRPr sz="2400"/>
+            </a:lvl1pPr>
+            <a:lvl2pPr>
+              <a:defRPr sz="2000"/>
+            </a:lvl2pPr>
+            <a:lvl3pPr>
+              <a:defRPr sz="1800"/>
+            </a:lvl3pPr>
+            <a:lvl4pPr>
+              <a:defRPr sz="1600"/>
+            </a:lvl4pPr>
+            <a:lvl5pPr>
+              <a:defRPr sz="1600"/>
+            </a:lvl5pPr>
+            <a:lvl6pPr>
+              <a:defRPr sz="1600"/>
+            </a:lvl6pPr>
+            <a:lvl7pPr>
+              <a:defRPr sz="1600"/>
+            </a:lvl7pPr>
+            <a:lvl8pPr>
+              <a:defRPr sz="1600"/>
+            </a:lvl8pPr>
+            <a:lvl9pPr>
+              <a:defRPr sz="1600"/>
+            </a:lvl9pPr>
+          </a:lstStyle>
           <a:p>
             <a:pPr lvl="0"/>
             <a:r>
@@ -3715,18 +1679,26 @@
         </p:nvSpPr>
         <p:spPr>
           <a:xfrm>
-            <a:off x="5088383" y="2160983"/>
-            <a:ext cx="4185618" cy="576262"/>
+            <a:off x="6007608" y="2038435"/>
+            <a:ext cx="4663440" cy="722376"/>
           </a:xfrm>
         </p:spPr>
         <p:txBody>
-          <a:bodyPr anchor="b">
-            <a:noAutofit/>
+          <a:bodyPr anchor="ctr">
+            <a:normAutofit/>
           </a:bodyPr>
           <a:lstStyle>
             <a:lvl1pPr marL="0" indent="0">
               <a:buNone/>
-              <a:defRPr sz="2400" b="0"/>
+              <a:defRPr sz="2200" b="0" cap="all" baseline="0">
+                <a:solidFill>
+                  <a:schemeClr val="tx1">
+                    <a:lumMod val="85000"/>
+                    <a:lumOff val="15000"/>
+                  </a:schemeClr>
+                </a:solidFill>
+                <a:latin typeface="+mj-lt"/>
+              </a:defRPr>
             </a:lvl1pPr>
             <a:lvl2pPr marL="457200" indent="0">
               <a:buNone/>
@@ -3782,15 +1754,41 @@
         </p:nvSpPr>
         <p:spPr>
           <a:xfrm>
-            <a:off x="5088384" y="2737245"/>
-            <a:ext cx="4185617" cy="3304117"/>
+            <a:off x="6007608" y="2750990"/>
+            <a:ext cx="4663440" cy="3200400"/>
           </a:xfrm>
         </p:spPr>
         <p:txBody>
-          <a:bodyPr>
-            <a:normAutofit/>
-          </a:bodyPr>
-          <a:lstStyle/>
+          <a:bodyPr/>
+          <a:lstStyle>
+            <a:lvl1pPr>
+              <a:defRPr sz="2400"/>
+            </a:lvl1pPr>
+            <a:lvl2pPr>
+              <a:defRPr sz="2000"/>
+            </a:lvl2pPr>
+            <a:lvl3pPr>
+              <a:defRPr sz="1800"/>
+            </a:lvl3pPr>
+            <a:lvl4pPr>
+              <a:defRPr sz="1600"/>
+            </a:lvl4pPr>
+            <a:lvl5pPr>
+              <a:defRPr sz="1600"/>
+            </a:lvl5pPr>
+            <a:lvl6pPr>
+              <a:defRPr sz="1600"/>
+            </a:lvl6pPr>
+            <a:lvl7pPr>
+              <a:defRPr sz="1600"/>
+            </a:lvl7pPr>
+            <a:lvl8pPr>
+              <a:defRPr sz="1600"/>
+            </a:lvl8pPr>
+            <a:lvl9pPr>
+              <a:defRPr sz="1600"/>
+            </a:lvl9pPr>
+          </a:lstStyle>
           <a:p>
             <a:pPr lvl="0"/>
             <a:r>
@@ -3846,7 +1844,7 @@
           <a:p>
             <a:fld id="{48A87A34-81AB-432B-8DAE-1953F412C126}" type="datetimeFigureOut">
               <a:rPr lang="en-US" smtClean="0"/>
-              <a:t>2/18/2017</a:t>
+              <a:t>2/20/2017</a:t>
             </a:fld>
             <a:endParaRPr lang="en-US" dirty="0"/>
           </a:p>
@@ -3897,7 +1895,7 @@
     </p:spTree>
     <p:extLst>
       <p:ext uri="{BB962C8B-B14F-4D97-AF65-F5344CB8AC3E}">
-        <p14:creationId xmlns:p14="http://schemas.microsoft.com/office/powerpoint/2010/main" val="3137263777"/>
+        <p14:creationId xmlns:p14="http://schemas.microsoft.com/office/powerpoint/2010/main" val="3547817305"/>
       </p:ext>
     </p:extLst>
   </p:cSld>
@@ -3926,7 +1924,7 @@
       </p:grpSpPr>
       <p:sp>
         <p:nvSpPr>
-          <p:cNvPr id="2" name="Title 1"/>
+          <p:cNvPr id="6" name="Title 5"/>
           <p:cNvSpPr>
             <a:spLocks noGrp="1"/>
           </p:cNvSpPr>
@@ -3934,12 +1932,7 @@
             <p:ph type="title"/>
           </p:nvPr>
         </p:nvSpPr>
-        <p:spPr>
-          <a:xfrm>
-            <a:off x="677334" y="609600"/>
-            <a:ext cx="8596668" cy="1320800"/>
-          </a:xfrm>
-        </p:spPr>
+        <p:spPr/>
         <p:txBody>
           <a:bodyPr/>
           <a:lstStyle/>
@@ -3969,7 +1962,7 @@
           <a:p>
             <a:fld id="{48A87A34-81AB-432B-8DAE-1953F412C126}" type="datetimeFigureOut">
               <a:rPr lang="en-US" smtClean="0"/>
-              <a:t>2/18/2017</a:t>
+              <a:t>2/20/2017</a:t>
             </a:fld>
             <a:endParaRPr lang="en-US" dirty="0"/>
           </a:p>
@@ -4020,7 +2013,7 @@
     </p:spTree>
     <p:extLst>
       <p:ext uri="{BB962C8B-B14F-4D97-AF65-F5344CB8AC3E}">
-        <p14:creationId xmlns:p14="http://schemas.microsoft.com/office/powerpoint/2010/main" val="2764196896"/>
+        <p14:creationId xmlns:p14="http://schemas.microsoft.com/office/powerpoint/2010/main" val="1518647481"/>
       </p:ext>
     </p:extLst>
   </p:cSld>
@@ -4064,7 +2057,7 @@
           <a:p>
             <a:fld id="{48A87A34-81AB-432B-8DAE-1953F412C126}" type="datetimeFigureOut">
               <a:rPr lang="en-US" smtClean="0"/>
-              <a:t>2/18/2017</a:t>
+              <a:t>2/20/2017</a:t>
             </a:fld>
             <a:endParaRPr lang="en-US" dirty="0"/>
           </a:p>
@@ -4115,7 +2108,7 @@
     </p:spTree>
     <p:extLst>
       <p:ext uri="{BB962C8B-B14F-4D97-AF65-F5344CB8AC3E}">
-        <p14:creationId xmlns:p14="http://schemas.microsoft.com/office/powerpoint/2010/main" val="1761852108"/>
+        <p14:creationId xmlns:p14="http://schemas.microsoft.com/office/powerpoint/2010/main" val="3808631050"/>
       </p:ext>
     </p:extLst>
   </p:cSld>
@@ -4144,27 +2137,69 @@
       </p:grpSpPr>
       <p:sp>
         <p:nvSpPr>
-          <p:cNvPr id="2" name="Title 1"/>
-          <p:cNvSpPr>
-            <a:spLocks noGrp="1"/>
-          </p:cNvSpPr>
-          <p:nvPr>
-            <p:ph type="title"/>
-          </p:nvPr>
+          <p:cNvPr id="2" name="Rectangle 1"/>
+          <p:cNvSpPr/>
+          <p:nvPr/>
         </p:nvSpPr>
         <p:spPr>
           <a:xfrm>
-            <a:off x="677334" y="1498604"/>
-            <a:ext cx="3854528" cy="1278466"/>
+            <a:off x="7620000" y="0"/>
+            <a:ext cx="4572000" cy="6858000"/>
+          </a:xfrm>
+          <a:prstGeom prst="rect">
+            <a:avLst/>
+          </a:prstGeom>
+          <a:ln>
+            <a:noFill/>
+          </a:ln>
+        </p:spPr>
+        <p:style>
+          <a:lnRef idx="2">
+            <a:schemeClr val="accent1">
+              <a:shade val="50000"/>
+            </a:schemeClr>
+          </a:lnRef>
+          <a:fillRef idx="1">
+            <a:schemeClr val="accent1"/>
+          </a:fillRef>
+          <a:effectRef idx="0">
+            <a:schemeClr val="accent1"/>
+          </a:effectRef>
+          <a:fontRef idx="minor">
+            <a:schemeClr val="lt1"/>
+          </a:fontRef>
+        </p:style>
+      </p:sp>
+      <p:sp>
+        <p:nvSpPr>
+          <p:cNvPr id="9" name="Title 8"/>
+          <p:cNvSpPr>
+            <a:spLocks noGrp="1"/>
+          </p:cNvSpPr>
+          <p:nvPr>
+            <p:ph type="title"/>
+          </p:nvPr>
+        </p:nvSpPr>
+        <p:spPr>
+          <a:xfrm>
+            <a:off x="8261404" y="542282"/>
+            <a:ext cx="3383280" cy="1920240"/>
           </a:xfrm>
         </p:spPr>
         <p:txBody>
           <a:bodyPr anchor="b">
-            <a:normAutofit/>
+            <a:noAutofit/>
           </a:bodyPr>
           <a:lstStyle>
             <a:lvl1pPr>
-              <a:defRPr sz="2000"/>
+              <a:lnSpc>
+                <a:spcPct val="85000"/>
+              </a:lnSpc>
+              <a:defRPr sz="4000">
+                <a:solidFill>
+                  <a:srgbClr val="FFFFFF"/>
+                </a:solidFill>
+              </a:defRPr>
             </a:lvl1pPr>
           </a:lstStyle>
           <a:p>
@@ -4188,15 +2223,41 @@
         </p:nvSpPr>
         <p:spPr>
           <a:xfrm>
-            <a:off x="4760461" y="514924"/>
-            <a:ext cx="4513541" cy="5526437"/>
+            <a:off x="762000" y="762000"/>
+            <a:ext cx="6096000" cy="4572000"/>
           </a:xfrm>
         </p:spPr>
         <p:txBody>
-          <a:bodyPr>
-            <a:normAutofit/>
-          </a:bodyPr>
-          <a:lstStyle/>
+          <a:bodyPr/>
+          <a:lstStyle>
+            <a:lvl1pPr>
+              <a:defRPr sz="3200"/>
+            </a:lvl1pPr>
+            <a:lvl2pPr>
+              <a:defRPr sz="2800"/>
+            </a:lvl2pPr>
+            <a:lvl3pPr>
+              <a:defRPr sz="2400"/>
+            </a:lvl3pPr>
+            <a:lvl4pPr>
+              <a:defRPr sz="2000"/>
+            </a:lvl4pPr>
+            <a:lvl5pPr>
+              <a:defRPr sz="2000"/>
+            </a:lvl5pPr>
+            <a:lvl6pPr>
+              <a:defRPr sz="2000"/>
+            </a:lvl6pPr>
+            <a:lvl7pPr>
+              <a:defRPr sz="2000"/>
+            </a:lvl7pPr>
+            <a:lvl8pPr>
+              <a:defRPr sz="2000"/>
+            </a:lvl8pPr>
+            <a:lvl9pPr>
+              <a:defRPr sz="2000"/>
+            </a:lvl9pPr>
+          </a:lstStyle>
           <a:p>
             <a:pPr lvl="0"/>
             <a:r>
@@ -4247,8 +2308,8 @@
         </p:nvSpPr>
         <p:spPr>
           <a:xfrm>
-            <a:off x="677334" y="2777069"/>
-            <a:ext cx="3854528" cy="2584449"/>
+            <a:off x="8275982" y="2511813"/>
+            <a:ext cx="3398520" cy="3126987"/>
           </a:xfrm>
         </p:spPr>
         <p:txBody>
@@ -4256,45 +2317,78 @@
             <a:normAutofit/>
           </a:bodyPr>
           <a:lstStyle>
-            <a:lvl1pPr marL="0" indent="0">
-              <a:buNone/>
-              <a:defRPr sz="1400"/>
+            <a:lvl1pPr marL="0" marR="0" indent="0" algn="l" defTabSz="914400" rtl="0" eaLnBrk="1" fontAlgn="auto" latinLnBrk="0" hangingPunct="1">
+              <a:lnSpc>
+                <a:spcPct val="100000"/>
+              </a:lnSpc>
+              <a:spcBef>
+                <a:spcPts val="1200"/>
+              </a:spcBef>
+              <a:spcAft>
+                <a:spcPts val="0"/>
+              </a:spcAft>
+              <a:buClrTx/>
+              <a:buSzTx/>
+              <a:buFontTx/>
+              <a:buNone/>
+              <a:tabLst/>
+              <a:defRPr sz="1800">
+                <a:solidFill>
+                  <a:srgbClr val="262626"/>
+                </a:solidFill>
+              </a:defRPr>
             </a:lvl1pPr>
-            <a:lvl2pPr marL="457063" indent="0">
-              <a:buNone/>
-              <a:defRPr sz="1400"/>
+            <a:lvl2pPr marL="457200" indent="0">
+              <a:buNone/>
+              <a:defRPr sz="1200"/>
             </a:lvl2pPr>
-            <a:lvl3pPr marL="914126" indent="0">
-              <a:buNone/>
-              <a:defRPr sz="1200"/>
+            <a:lvl3pPr marL="914400" indent="0">
+              <a:buNone/>
+              <a:defRPr sz="1000"/>
             </a:lvl3pPr>
-            <a:lvl4pPr marL="1371189" indent="0">
-              <a:buNone/>
-              <a:defRPr sz="1000"/>
+            <a:lvl4pPr marL="1371600" indent="0">
+              <a:buNone/>
+              <a:defRPr sz="900"/>
             </a:lvl4pPr>
-            <a:lvl5pPr marL="1828251" indent="0">
-              <a:buNone/>
-              <a:defRPr sz="1000"/>
+            <a:lvl5pPr marL="1828800" indent="0">
+              <a:buNone/>
+              <a:defRPr sz="900"/>
             </a:lvl5pPr>
-            <a:lvl6pPr marL="2285314" indent="0">
-              <a:buNone/>
-              <a:defRPr sz="1000"/>
+            <a:lvl6pPr marL="2286000" indent="0">
+              <a:buNone/>
+              <a:defRPr sz="900"/>
             </a:lvl6pPr>
-            <a:lvl7pPr marL="2742377" indent="0">
-              <a:buNone/>
-              <a:defRPr sz="1000"/>
+            <a:lvl7pPr marL="2743200" indent="0">
+              <a:buNone/>
+              <a:defRPr sz="900"/>
             </a:lvl7pPr>
-            <a:lvl8pPr marL="3199440" indent="0">
-              <a:buNone/>
-              <a:defRPr sz="1000"/>
+            <a:lvl8pPr marL="3200400" indent="0">
+              <a:buNone/>
+              <a:defRPr sz="900"/>
             </a:lvl8pPr>
-            <a:lvl9pPr marL="3656503" indent="0">
-              <a:buNone/>
-              <a:defRPr sz="1000"/>
+            <a:lvl9pPr marL="3657600" indent="0">
+              <a:buNone/>
+              <a:defRPr sz="900"/>
             </a:lvl9pPr>
           </a:lstStyle>
           <a:p>
-            <a:pPr lvl="0"/>
+            <a:pPr marL="0" marR="0" lvl="0" indent="0" algn="l" defTabSz="914400" rtl="0" eaLnBrk="1" fontAlgn="auto" latinLnBrk="0" hangingPunct="1">
+              <a:lnSpc>
+                <a:spcPct val="100000"/>
+              </a:lnSpc>
+              <a:spcBef>
+                <a:spcPts val="1400"/>
+              </a:spcBef>
+              <a:spcAft>
+                <a:spcPts val="0"/>
+              </a:spcAft>
+              <a:buClrTx/>
+              <a:buSzTx/>
+              <a:buFontTx/>
+              <a:buNone/>
+              <a:tabLst/>
+              <a:defRPr/>
+            </a:pPr>
             <a:r>
               <a:rPr lang="en-US"/>
               <a:t>Edit Master text styles</a:t>
@@ -4319,7 +2413,7 @@
           <a:p>
             <a:fld id="{48A87A34-81AB-432B-8DAE-1953F412C126}" type="datetimeFigureOut">
               <a:rPr lang="en-US" smtClean="0"/>
-              <a:t>2/18/2017</a:t>
+              <a:t>2/20/2017</a:t>
             </a:fld>
             <a:endParaRPr lang="en-US" dirty="0"/>
           </a:p>
@@ -4357,7 +2451,17 @@
         <p:spPr/>
         <p:txBody>
           <a:bodyPr/>
-          <a:lstStyle/>
+          <a:lstStyle>
+            <a:lvl1pPr>
+              <a:defRPr>
+                <a:solidFill>
+                  <a:srgbClr val="FFFFFF">
+                    <a:alpha val="20000"/>
+                  </a:srgbClr>
+                </a:solidFill>
+              </a:defRPr>
+            </a:lvl1pPr>
+          </a:lstStyle>
           <a:p>
             <a:fld id="{6D22F896-40B5-4ADD-8801-0D06FADFA095}" type="slidenum">
               <a:rPr lang="en-US" smtClean="0"/>
@@ -4370,7 +2474,7 @@
     </p:spTree>
     <p:extLst>
       <p:ext uri="{BB962C8B-B14F-4D97-AF65-F5344CB8AC3E}">
-        <p14:creationId xmlns:p14="http://schemas.microsoft.com/office/powerpoint/2010/main" val="3398419503"/>
+        <p14:creationId xmlns:p14="http://schemas.microsoft.com/office/powerpoint/2010/main" val="3449612363"/>
       </p:ext>
     </p:extLst>
   </p:cSld>
@@ -4383,6 +2487,14 @@
 <file path=ppt/slideLayouts/slideLayout9.xml><?xml version="1.0" encoding="utf-8"?>
 <p:sldLayout xmlns:a="http://schemas.openxmlformats.org/drawingml/2006/main" xmlns:r="http://schemas.openxmlformats.org/officeDocument/2006/relationships" xmlns:p="http://schemas.openxmlformats.org/presentationml/2006/main" type="picTx" preserve="1">
   <p:cSld name="Picture with Caption">
+    <p:bg>
+      <p:bgPr>
+        <a:solidFill>
+          <a:schemeClr val="accent1"/>
+        </a:solidFill>
+        <a:effectLst/>
+      </p:bgPr>
+    </p:bg>
     <p:spTree>
       <p:nvGrpSpPr>
         <p:cNvPr id="1" name=""/>
@@ -4409,8 +2521,8 @@
         </p:nvSpPr>
         <p:spPr>
           <a:xfrm>
-            <a:off x="677334" y="4800600"/>
-            <a:ext cx="8596667" cy="566738"/>
+            <a:off x="649224" y="5418667"/>
+            <a:ext cx="10780776" cy="613283"/>
           </a:xfrm>
         </p:spPr>
         <p:txBody>
@@ -4418,8 +2530,12 @@
             <a:normAutofit/>
           </a:bodyPr>
           <a:lstStyle>
-            <a:lvl1pPr algn="l">
-              <a:defRPr sz="2400" b="0"/>
+            <a:lvl1pPr>
+              <a:defRPr sz="3200" b="0">
+                <a:solidFill>
+                  <a:srgbClr val="FFFFFF"/>
+                </a:solidFill>
+              </a:defRPr>
             </a:lvl1pPr>
           </a:lstStyle>
           <a:p>
@@ -4443,50 +2559,64 @@
         </p:nvSpPr>
         <p:spPr>
           <a:xfrm>
-            <a:off x="677334" y="609600"/>
-            <a:ext cx="8596668" cy="3845718"/>
+            <a:off x="0" y="0"/>
+            <a:ext cx="12192000" cy="5330952"/>
           </a:xfrm>
+          <a:solidFill>
+            <a:schemeClr val="accent1">
+              <a:lumMod val="40000"/>
+              <a:lumOff val="60000"/>
+            </a:schemeClr>
+          </a:solidFill>
         </p:spPr>
         <p:txBody>
-          <a:bodyPr anchor="t">
-            <a:normAutofit/>
-          </a:bodyPr>
+          <a:bodyPr anchor="t"/>
           <a:lstStyle>
             <a:lvl1pPr marL="0" indent="0" algn="ctr">
-              <a:buNone/>
-              <a:defRPr sz="1600"/>
+              <a:spcBef>
+                <a:spcPts val="800"/>
+              </a:spcBef>
+              <a:buNone/>
+              <a:defRPr sz="3200">
+                <a:solidFill>
+                  <a:schemeClr val="tx1">
+                    <a:lumMod val="75000"/>
+                    <a:lumOff val="25000"/>
+                  </a:schemeClr>
+                </a:solidFill>
+              </a:defRPr>
             </a:lvl1pPr>
             <a:lvl2pPr marL="457200" indent="0">
               <a:buNone/>
-              <a:defRPr sz="1600"/>
+              <a:defRPr sz="2800"/>
             </a:lvl2pPr>
             <a:lvl3pPr marL="914400" indent="0">
               <a:buNone/>
-              <a:defRPr sz="1600"/>
+              <a:defRPr sz="2400"/>
             </a:lvl3pPr>
             <a:lvl4pPr marL="1371600" indent="0">
               <a:buNone/>
-              <a:defRPr sz="1600"/>
+              <a:defRPr sz="2000"/>
             </a:lvl4pPr>
             <a:lvl5pPr marL="1828800" indent="0">
               <a:buNone/>
-              <a:defRPr sz="1600"/>
+              <a:defRPr sz="2000"/>
             </a:lvl5pPr>
             <a:lvl6pPr marL="2286000" indent="0">
               <a:buNone/>
-              <a:defRPr sz="1600"/>
+              <a:defRPr sz="2000"/>
             </a:lvl6pPr>
             <a:lvl7pPr marL="2743200" indent="0">
               <a:buNone/>
-              <a:defRPr sz="1600"/>
+              <a:defRPr sz="2000"/>
             </a:lvl7pPr>
             <a:lvl8pPr marL="3200400" indent="0">
               <a:buNone/>
-              <a:defRPr sz="1600"/>
+              <a:defRPr sz="2000"/>
             </a:lvl8pPr>
             <a:lvl9pPr marL="3657600" indent="0">
               <a:buNone/>
-              <a:defRPr sz="1600"/>
+              <a:defRPr sz="2000"/>
             </a:lvl9pPr>
           </a:lstStyle>
           <a:p>
@@ -4510,8 +2640,8 @@
         </p:nvSpPr>
         <p:spPr>
           <a:xfrm>
-            <a:off x="677334" y="5367338"/>
-            <a:ext cx="8596667" cy="674024"/>
+            <a:off x="676656" y="5909735"/>
+            <a:ext cx="9229344" cy="533400"/>
           </a:xfrm>
         </p:spPr>
         <p:txBody>
@@ -4520,8 +2650,15 @@
           </a:bodyPr>
           <a:lstStyle>
             <a:lvl1pPr marL="0" indent="0">
-              <a:buNone/>
-              <a:defRPr sz="1200"/>
+              <a:lnSpc>
+                <a:spcPct val="90000"/>
+              </a:lnSpc>
+              <a:buNone/>
+              <a:defRPr sz="1400">
+                <a:solidFill>
+                  <a:srgbClr val="262626"/>
+                </a:solidFill>
+              </a:defRPr>
             </a:lvl1pPr>
             <a:lvl2pPr marL="457200" indent="0">
               <a:buNone/>
@@ -4567,7 +2704,7 @@
       </p:sp>
       <p:sp>
         <p:nvSpPr>
-          <p:cNvPr id="5" name="Date Placeholder 4"/>
+          <p:cNvPr id="12" name="Date Placeholder 11"/>
           <p:cNvSpPr>
             <a:spLocks noGrp="1"/>
           </p:cNvSpPr>
@@ -4578,12 +2715,22 @@
         <p:spPr/>
         <p:txBody>
           <a:bodyPr/>
-          <a:lstStyle/>
+          <a:lstStyle>
+            <a:lvl1pPr>
+              <a:defRPr>
+                <a:solidFill>
+                  <a:srgbClr val="FFFFFF">
+                    <a:alpha val="80000"/>
+                  </a:srgbClr>
+                </a:solidFill>
+              </a:defRPr>
+            </a:lvl1pPr>
+          </a:lstStyle>
           <a:p>
             <a:fld id="{48A87A34-81AB-432B-8DAE-1953F412C126}" type="datetimeFigureOut">
               <a:rPr lang="en-US" smtClean="0"/>
               <a:pPr/>
-              <a:t>2/18/2017</a:t>
+              <a:t>2/20/2017</a:t>
             </a:fld>
             <a:endParaRPr lang="en-US" dirty="0"/>
           </a:p>
@@ -4591,7 +2738,7 @@
       </p:sp>
       <p:sp>
         <p:nvSpPr>
-          <p:cNvPr id="6" name="Footer Placeholder 5"/>
+          <p:cNvPr id="13" name="Footer Placeholder 12"/>
           <p:cNvSpPr>
             <a:spLocks noGrp="1"/>
           </p:cNvSpPr>
@@ -4602,15 +2749,25 @@
         <p:spPr/>
         <p:txBody>
           <a:bodyPr/>
-          <a:lstStyle/>
-          <a:p>
-            <a:endParaRPr lang="en-US" dirty="0"/>
-          </a:p>
-        </p:txBody>
-      </p:sp>
-      <p:sp>
-        <p:nvSpPr>
-          <p:cNvPr id="7" name="Slide Number Placeholder 6"/>
+          <a:lstStyle>
+            <a:lvl1pPr>
+              <a:defRPr>
+                <a:solidFill>
+                  <a:srgbClr val="FFFFFF">
+                    <a:alpha val="80000"/>
+                  </a:srgbClr>
+                </a:solidFill>
+              </a:defRPr>
+            </a:lvl1pPr>
+          </a:lstStyle>
+          <a:p>
+            <a:endParaRPr lang="en-US" dirty="0"/>
+          </a:p>
+        </p:txBody>
+      </p:sp>
+      <p:sp>
+        <p:nvSpPr>
+          <p:cNvPr id="14" name="Slide Number Placeholder 13"/>
           <p:cNvSpPr>
             <a:spLocks noGrp="1"/>
           </p:cNvSpPr>
@@ -4621,7 +2778,17 @@
         <p:spPr/>
         <p:txBody>
           <a:bodyPr/>
-          <a:lstStyle/>
+          <a:lstStyle>
+            <a:lvl1pPr>
+              <a:defRPr>
+                <a:solidFill>
+                  <a:srgbClr val="FFFFFF">
+                    <a:alpha val="25000"/>
+                  </a:srgbClr>
+                </a:solidFill>
+              </a:defRPr>
+            </a:lvl1pPr>
+          </a:lstStyle>
           <a:p>
             <a:fld id="{6D22F896-40B5-4ADD-8801-0D06FADFA095}" type="slidenum">
               <a:rPr lang="en-US" smtClean="0"/>
@@ -4634,12 +2801,12 @@
     </p:spTree>
     <p:extLst>
       <p:ext uri="{BB962C8B-B14F-4D97-AF65-F5344CB8AC3E}">
-        <p14:creationId xmlns:p14="http://schemas.microsoft.com/office/powerpoint/2010/main" val="3243003631"/>
+        <p14:creationId xmlns:p14="http://schemas.microsoft.com/office/powerpoint/2010/main" val="2066799824"/>
       </p:ext>
     </p:extLst>
   </p:cSld>
   <p:clrMapOvr>
-    <a:masterClrMapping/>
+    <a:overrideClrMapping bg1="lt1" tx1="dk1" bg2="lt2" tx2="dk2" accent1="accent1" accent2="accent2" accent3="accent3" accent4="accent4" accent5="accent5" accent6="accent6" hlink="hlink" folHlink="folHlink"/>
   </p:clrMapOvr>
 </p:sldLayout>
 </file>
@@ -4666,536 +2833,6 @@
           <a:chExt cx="0" cy="0"/>
         </a:xfrm>
       </p:grpSpPr>
-      <p:grpSp>
-        <p:nvGrpSpPr>
-          <p:cNvPr id="7" name="Group 6"/>
-          <p:cNvGrpSpPr/>
-          <p:nvPr/>
-        </p:nvGrpSpPr>
-        <p:grpSpPr>
-          <a:xfrm>
-            <a:off x="0" y="-8467"/>
-            <a:ext cx="12192000" cy="6866467"/>
-            <a:chOff x="0" y="-8467"/>
-            <a:chExt cx="12192000" cy="6866467"/>
-          </a:xfrm>
-        </p:grpSpPr>
-        <p:cxnSp>
-          <p:nvCxnSpPr>
-            <p:cNvPr id="20" name="Straight Connector 19"/>
-            <p:cNvCxnSpPr/>
-            <p:nvPr/>
-          </p:nvCxnSpPr>
-          <p:spPr>
-            <a:xfrm>
-              <a:off x="9371012" y="0"/>
-              <a:ext cx="1219200" cy="6858000"/>
-            </a:xfrm>
-            <a:prstGeom prst="line">
-              <a:avLst/>
-            </a:prstGeom>
-            <a:ln w="9525">
-              <a:solidFill>
-                <a:schemeClr val="bg1">
-                  <a:lumMod val="75000"/>
-                </a:schemeClr>
-              </a:solidFill>
-            </a:ln>
-          </p:spPr>
-          <p:style>
-            <a:lnRef idx="2">
-              <a:schemeClr val="accent1"/>
-            </a:lnRef>
-            <a:fillRef idx="0">
-              <a:schemeClr val="accent1"/>
-            </a:fillRef>
-            <a:effectRef idx="1">
-              <a:schemeClr val="accent1"/>
-            </a:effectRef>
-            <a:fontRef idx="minor">
-              <a:schemeClr val="tx1"/>
-            </a:fontRef>
-          </p:style>
-        </p:cxnSp>
-        <p:cxnSp>
-          <p:nvCxnSpPr>
-            <p:cNvPr id="21" name="Straight Connector 20"/>
-            <p:cNvCxnSpPr/>
-            <p:nvPr/>
-          </p:nvCxnSpPr>
-          <p:spPr>
-            <a:xfrm flipH="1">
-              <a:off x="7425267" y="3681413"/>
-              <a:ext cx="4763558" cy="3176587"/>
-            </a:xfrm>
-            <a:prstGeom prst="line">
-              <a:avLst/>
-            </a:prstGeom>
-            <a:ln w="9525">
-              <a:solidFill>
-                <a:schemeClr val="bg1">
-                  <a:lumMod val="85000"/>
-                </a:schemeClr>
-              </a:solidFill>
-            </a:ln>
-          </p:spPr>
-          <p:style>
-            <a:lnRef idx="2">
-              <a:schemeClr val="accent1"/>
-            </a:lnRef>
-            <a:fillRef idx="0">
-              <a:schemeClr val="accent1"/>
-            </a:fillRef>
-            <a:effectRef idx="1">
-              <a:schemeClr val="accent1"/>
-            </a:effectRef>
-            <a:fontRef idx="minor">
-              <a:schemeClr val="tx1"/>
-            </a:fontRef>
-          </p:style>
-        </p:cxnSp>
-        <p:sp>
-          <p:nvSpPr>
-            <p:cNvPr id="22" name="Rectangle 23"/>
-            <p:cNvSpPr/>
-            <p:nvPr/>
-          </p:nvSpPr>
-          <p:spPr>
-            <a:xfrm>
-              <a:off x="9181476" y="-8467"/>
-              <a:ext cx="3007349" cy="6866467"/>
-            </a:xfrm>
-            <a:custGeom>
-              <a:avLst/>
-              <a:gdLst/>
-              <a:ahLst/>
-              <a:cxnLst/>
-              <a:rect l="l" t="t" r="r" b="b"/>
-              <a:pathLst>
-                <a:path w="3007349" h="6866467">
-                  <a:moveTo>
-                    <a:pt x="2045532" y="0"/>
-                  </a:moveTo>
-                  <a:lnTo>
-                    <a:pt x="3007349" y="0"/>
-                  </a:lnTo>
-                  <a:lnTo>
-                    <a:pt x="3007349" y="6866467"/>
-                  </a:lnTo>
-                  <a:lnTo>
-                    <a:pt x="0" y="6866467"/>
-                  </a:lnTo>
-                  <a:lnTo>
-                    <a:pt x="2045532" y="0"/>
-                  </a:lnTo>
-                  <a:close/>
-                </a:path>
-              </a:pathLst>
-            </a:custGeom>
-            <a:solidFill>
-              <a:schemeClr val="accent1">
-                <a:alpha val="30000"/>
-              </a:schemeClr>
-            </a:solidFill>
-            <a:ln>
-              <a:noFill/>
-            </a:ln>
-            <a:effectLst/>
-          </p:spPr>
-          <p:style>
-            <a:lnRef idx="1">
-              <a:schemeClr val="accent1"/>
-            </a:lnRef>
-            <a:fillRef idx="3">
-              <a:schemeClr val="accent1"/>
-            </a:fillRef>
-            <a:effectRef idx="2">
-              <a:schemeClr val="accent1"/>
-            </a:effectRef>
-            <a:fontRef idx="minor">
-              <a:schemeClr val="lt1"/>
-            </a:fontRef>
-          </p:style>
-        </p:sp>
-        <p:sp>
-          <p:nvSpPr>
-            <p:cNvPr id="23" name="Rectangle 25"/>
-            <p:cNvSpPr/>
-            <p:nvPr/>
-          </p:nvSpPr>
-          <p:spPr>
-            <a:xfrm>
-              <a:off x="9603442" y="-8467"/>
-              <a:ext cx="2588558" cy="6866467"/>
-            </a:xfrm>
-            <a:custGeom>
-              <a:avLst/>
-              <a:gdLst/>
-              <a:ahLst/>
-              <a:cxnLst/>
-              <a:rect l="l" t="t" r="r" b="b"/>
-              <a:pathLst>
-                <a:path w="2573311" h="6866467">
-                  <a:moveTo>
-                    <a:pt x="0" y="0"/>
-                  </a:moveTo>
-                  <a:lnTo>
-                    <a:pt x="2573311" y="0"/>
-                  </a:lnTo>
-                  <a:lnTo>
-                    <a:pt x="2573311" y="6866467"/>
-                  </a:lnTo>
-                  <a:lnTo>
-                    <a:pt x="1202336" y="6866467"/>
-                  </a:lnTo>
-                  <a:lnTo>
-                    <a:pt x="0" y="0"/>
-                  </a:lnTo>
-                  <a:close/>
-                </a:path>
-              </a:pathLst>
-            </a:custGeom>
-            <a:solidFill>
-              <a:schemeClr val="accent1">
-                <a:alpha val="20000"/>
-              </a:schemeClr>
-            </a:solidFill>
-            <a:ln>
-              <a:noFill/>
-            </a:ln>
-            <a:effectLst/>
-          </p:spPr>
-          <p:style>
-            <a:lnRef idx="1">
-              <a:schemeClr val="accent1"/>
-            </a:lnRef>
-            <a:fillRef idx="3">
-              <a:schemeClr val="accent1"/>
-            </a:fillRef>
-            <a:effectRef idx="2">
-              <a:schemeClr val="accent1"/>
-            </a:effectRef>
-            <a:fontRef idx="minor">
-              <a:schemeClr val="lt1"/>
-            </a:fontRef>
-          </p:style>
-        </p:sp>
-        <p:sp>
-          <p:nvSpPr>
-            <p:cNvPr id="24" name="Isosceles Triangle 23"/>
-            <p:cNvSpPr/>
-            <p:nvPr/>
-          </p:nvSpPr>
-          <p:spPr>
-            <a:xfrm>
-              <a:off x="8932333" y="3048000"/>
-              <a:ext cx="3259667" cy="3810000"/>
-            </a:xfrm>
-            <a:prstGeom prst="triangle">
-              <a:avLst>
-                <a:gd name="adj" fmla="val 100000"/>
-              </a:avLst>
-            </a:prstGeom>
-            <a:solidFill>
-              <a:schemeClr val="accent2">
-                <a:alpha val="72000"/>
-              </a:schemeClr>
-            </a:solidFill>
-            <a:ln>
-              <a:noFill/>
-            </a:ln>
-            <a:effectLst/>
-          </p:spPr>
-          <p:style>
-            <a:lnRef idx="1">
-              <a:schemeClr val="accent1"/>
-            </a:lnRef>
-            <a:fillRef idx="3">
-              <a:schemeClr val="accent1"/>
-            </a:fillRef>
-            <a:effectRef idx="2">
-              <a:schemeClr val="accent1"/>
-            </a:effectRef>
-            <a:fontRef idx="minor">
-              <a:schemeClr val="lt1"/>
-            </a:fontRef>
-          </p:style>
-        </p:sp>
-        <p:sp>
-          <p:nvSpPr>
-            <p:cNvPr id="25" name="Rectangle 27"/>
-            <p:cNvSpPr/>
-            <p:nvPr/>
-          </p:nvSpPr>
-          <p:spPr>
-            <a:xfrm>
-              <a:off x="9334500" y="-8467"/>
-              <a:ext cx="2854326" cy="6866467"/>
-            </a:xfrm>
-            <a:custGeom>
-              <a:avLst/>
-              <a:gdLst/>
-              <a:ahLst/>
-              <a:cxnLst/>
-              <a:rect l="l" t="t" r="r" b="b"/>
-              <a:pathLst>
-                <a:path w="2858013" h="6866467">
-                  <a:moveTo>
-                    <a:pt x="0" y="0"/>
-                  </a:moveTo>
-                  <a:lnTo>
-                    <a:pt x="2858013" y="0"/>
-                  </a:lnTo>
-                  <a:lnTo>
-                    <a:pt x="2858013" y="6866467"/>
-                  </a:lnTo>
-                  <a:lnTo>
-                    <a:pt x="2473942" y="6866467"/>
-                  </a:lnTo>
-                  <a:lnTo>
-                    <a:pt x="0" y="0"/>
-                  </a:lnTo>
-                  <a:close/>
-                </a:path>
-              </a:pathLst>
-            </a:custGeom>
-            <a:solidFill>
-              <a:schemeClr val="accent2">
-                <a:lumMod val="75000"/>
-                <a:alpha val="70000"/>
-              </a:schemeClr>
-            </a:solidFill>
-            <a:ln>
-              <a:noFill/>
-            </a:ln>
-            <a:effectLst/>
-          </p:spPr>
-          <p:style>
-            <a:lnRef idx="1">
-              <a:schemeClr val="accent1"/>
-            </a:lnRef>
-            <a:fillRef idx="3">
-              <a:schemeClr val="accent1"/>
-            </a:fillRef>
-            <a:effectRef idx="2">
-              <a:schemeClr val="accent1"/>
-            </a:effectRef>
-            <a:fontRef idx="minor">
-              <a:schemeClr val="lt1"/>
-            </a:fontRef>
-          </p:style>
-        </p:sp>
-        <p:sp>
-          <p:nvSpPr>
-            <p:cNvPr id="26" name="Rectangle 28"/>
-            <p:cNvSpPr/>
-            <p:nvPr/>
-          </p:nvSpPr>
-          <p:spPr>
-            <a:xfrm>
-              <a:off x="10898730" y="-8467"/>
-              <a:ext cx="1290094" cy="6866467"/>
-            </a:xfrm>
-            <a:custGeom>
-              <a:avLst/>
-              <a:gdLst/>
-              <a:ahLst/>
-              <a:cxnLst/>
-              <a:rect l="l" t="t" r="r" b="b"/>
-              <a:pathLst>
-                <a:path w="1290094" h="6858000">
-                  <a:moveTo>
-                    <a:pt x="1019735" y="0"/>
-                  </a:moveTo>
-                  <a:lnTo>
-                    <a:pt x="1290094" y="0"/>
-                  </a:lnTo>
-                  <a:lnTo>
-                    <a:pt x="1290094" y="6858000"/>
-                  </a:lnTo>
-                  <a:lnTo>
-                    <a:pt x="0" y="6858000"/>
-                  </a:lnTo>
-                  <a:lnTo>
-                    <a:pt x="1019735" y="0"/>
-                  </a:lnTo>
-                  <a:close/>
-                </a:path>
-              </a:pathLst>
-            </a:custGeom>
-            <a:solidFill>
-              <a:schemeClr val="accent1">
-                <a:lumMod val="60000"/>
-                <a:lumOff val="40000"/>
-                <a:alpha val="70000"/>
-              </a:schemeClr>
-            </a:solidFill>
-            <a:ln>
-              <a:noFill/>
-            </a:ln>
-            <a:effectLst/>
-          </p:spPr>
-          <p:style>
-            <a:lnRef idx="1">
-              <a:schemeClr val="accent1"/>
-            </a:lnRef>
-            <a:fillRef idx="3">
-              <a:schemeClr val="accent1"/>
-            </a:fillRef>
-            <a:effectRef idx="2">
-              <a:schemeClr val="accent1"/>
-            </a:effectRef>
-            <a:fontRef idx="minor">
-              <a:schemeClr val="lt1"/>
-            </a:fontRef>
-          </p:style>
-        </p:sp>
-        <p:sp>
-          <p:nvSpPr>
-            <p:cNvPr id="27" name="Rectangle 29"/>
-            <p:cNvSpPr/>
-            <p:nvPr/>
-          </p:nvSpPr>
-          <p:spPr>
-            <a:xfrm>
-              <a:off x="10938999" y="-8467"/>
-              <a:ext cx="1249825" cy="6866467"/>
-            </a:xfrm>
-            <a:custGeom>
-              <a:avLst/>
-              <a:gdLst/>
-              <a:ahLst/>
-              <a:cxnLst/>
-              <a:rect l="l" t="t" r="r" b="b"/>
-              <a:pathLst>
-                <a:path w="1249825" h="6858000">
-                  <a:moveTo>
-                    <a:pt x="0" y="0"/>
-                  </a:moveTo>
-                  <a:lnTo>
-                    <a:pt x="1249825" y="0"/>
-                  </a:lnTo>
-                  <a:lnTo>
-                    <a:pt x="1249825" y="6858000"/>
-                  </a:lnTo>
-                  <a:lnTo>
-                    <a:pt x="1109382" y="6858000"/>
-                  </a:lnTo>
-                  <a:lnTo>
-                    <a:pt x="0" y="0"/>
-                  </a:lnTo>
-                  <a:close/>
-                </a:path>
-              </a:pathLst>
-            </a:custGeom>
-            <a:solidFill>
-              <a:schemeClr val="accent1">
-                <a:alpha val="65000"/>
-              </a:schemeClr>
-            </a:solidFill>
-            <a:ln>
-              <a:noFill/>
-            </a:ln>
-            <a:effectLst/>
-          </p:spPr>
-          <p:style>
-            <a:lnRef idx="1">
-              <a:schemeClr val="accent1"/>
-            </a:lnRef>
-            <a:fillRef idx="3">
-              <a:schemeClr val="accent1"/>
-            </a:fillRef>
-            <a:effectRef idx="2">
-              <a:schemeClr val="accent1"/>
-            </a:effectRef>
-            <a:fontRef idx="minor">
-              <a:schemeClr val="lt1"/>
-            </a:fontRef>
-          </p:style>
-        </p:sp>
-        <p:sp>
-          <p:nvSpPr>
-            <p:cNvPr id="28" name="Isosceles Triangle 27"/>
-            <p:cNvSpPr/>
-            <p:nvPr/>
-          </p:nvSpPr>
-          <p:spPr>
-            <a:xfrm>
-              <a:off x="10371666" y="3589867"/>
-              <a:ext cx="1817159" cy="3268133"/>
-            </a:xfrm>
-            <a:prstGeom prst="triangle">
-              <a:avLst>
-                <a:gd name="adj" fmla="val 100000"/>
-              </a:avLst>
-            </a:prstGeom>
-            <a:solidFill>
-              <a:schemeClr val="accent1">
-                <a:alpha val="80000"/>
-              </a:schemeClr>
-            </a:solidFill>
-            <a:ln>
-              <a:noFill/>
-            </a:ln>
-            <a:effectLst/>
-          </p:spPr>
-          <p:style>
-            <a:lnRef idx="1">
-              <a:schemeClr val="accent1"/>
-            </a:lnRef>
-            <a:fillRef idx="3">
-              <a:schemeClr val="accent1"/>
-            </a:fillRef>
-            <a:effectRef idx="2">
-              <a:schemeClr val="accent1"/>
-            </a:effectRef>
-            <a:fontRef idx="minor">
-              <a:schemeClr val="lt1"/>
-            </a:fontRef>
-          </p:style>
-        </p:sp>
-        <p:sp>
-          <p:nvSpPr>
-            <p:cNvPr id="29" name="Isosceles Triangle 28"/>
-            <p:cNvSpPr/>
-            <p:nvPr/>
-          </p:nvSpPr>
-          <p:spPr>
-            <a:xfrm>
-              <a:off x="0" y="4013200"/>
-              <a:ext cx="448733" cy="2844800"/>
-            </a:xfrm>
-            <a:prstGeom prst="triangle">
-              <a:avLst>
-                <a:gd name="adj" fmla="val 0"/>
-              </a:avLst>
-            </a:prstGeom>
-            <a:solidFill>
-              <a:schemeClr val="accent1">
-                <a:alpha val="85000"/>
-              </a:schemeClr>
-            </a:solidFill>
-            <a:ln>
-              <a:noFill/>
-            </a:ln>
-            <a:effectLst/>
-          </p:spPr>
-          <p:style>
-            <a:lnRef idx="1">
-              <a:schemeClr val="accent1"/>
-            </a:lnRef>
-            <a:fillRef idx="3">
-              <a:schemeClr val="accent1"/>
-            </a:fillRef>
-            <a:effectRef idx="2">
-              <a:schemeClr val="accent1"/>
-            </a:effectRef>
-            <a:fontRef idx="minor">
-              <a:schemeClr val="lt1"/>
-            </a:fontRef>
-          </p:style>
-        </p:sp>
-      </p:grpSp>
       <p:sp>
         <p:nvSpPr>
           <p:cNvPr id="2" name="Title Placeholder 1"/>
@@ -5208,15 +2845,15 @@
         </p:nvSpPr>
         <p:spPr>
           <a:xfrm>
-            <a:off x="677334" y="609600"/>
-            <a:ext cx="8596668" cy="1320800"/>
+            <a:off x="657224" y="499533"/>
+            <a:ext cx="10772775" cy="1658198"/>
           </a:xfrm>
           <a:prstGeom prst="rect">
             <a:avLst/>
           </a:prstGeom>
         </p:spPr>
         <p:txBody>
-          <a:bodyPr vert="horz" lIns="91440" tIns="45720" rIns="91440" bIns="45720" rtlCol="0" anchor="t">
+          <a:bodyPr vert="horz" lIns="91440" tIns="45720" rIns="91440" bIns="45720" rtlCol="0" anchor="ctr">
             <a:normAutofit/>
           </a:bodyPr>
           <a:lstStyle/>
@@ -5241,8 +2878,8 @@
         </p:nvSpPr>
         <p:spPr>
           <a:xfrm>
-            <a:off x="677334" y="2160589"/>
-            <a:ext cx="8596668" cy="3880773"/>
+            <a:off x="676656" y="2011680"/>
+            <a:ext cx="10753725" cy="3766185"/>
           </a:xfrm>
           <a:prstGeom prst="rect">
             <a:avLst/>
@@ -5303,8 +2940,8 @@
         </p:nvSpPr>
         <p:spPr>
           <a:xfrm>
-            <a:off x="7205133" y="6041362"/>
-            <a:ext cx="911939" cy="365125"/>
+            <a:off x="685800" y="6412447"/>
+            <a:ext cx="4114800" cy="228600"/>
           </a:xfrm>
           <a:prstGeom prst="rect">
             <a:avLst/>
@@ -5313,11 +2950,11 @@
         <p:txBody>
           <a:bodyPr vert="horz" lIns="91440" tIns="45720" rIns="91440" bIns="45720" rtlCol="0" anchor="ctr"/>
           <a:lstStyle>
-            <a:lvl1pPr algn="r">
-              <a:defRPr sz="900">
+            <a:lvl1pPr algn="l">
+              <a:defRPr sz="950">
                 <a:solidFill>
                   <a:schemeClr val="tx1">
-                    <a:tint val="75000"/>
+                    <a:alpha val="80000"/>
                   </a:schemeClr>
                 </a:solidFill>
               </a:defRPr>
@@ -5327,7 +2964,7 @@
             <a:fld id="{48A87A34-81AB-432B-8DAE-1953F412C126}" type="datetimeFigureOut">
               <a:rPr lang="en-US" smtClean="0"/>
               <a:pPr/>
-              <a:t>2/18/2017</a:t>
+              <a:t>2/20/2017</a:t>
             </a:fld>
             <a:endParaRPr lang="en-US" dirty="0"/>
           </a:p>
@@ -5345,8 +2982,8 @@
         </p:nvSpPr>
         <p:spPr>
           <a:xfrm>
-            <a:off x="677334" y="6041362"/>
-            <a:ext cx="6297612" cy="365125"/>
+            <a:off x="685800" y="6554697"/>
+            <a:ext cx="5029200" cy="228600"/>
           </a:xfrm>
           <a:prstGeom prst="rect">
             <a:avLst/>
@@ -5356,10 +2993,10 @@
           <a:bodyPr vert="horz" lIns="91440" tIns="45720" rIns="91440" bIns="45720" rtlCol="0" anchor="ctr"/>
           <a:lstStyle>
             <a:lvl1pPr algn="l">
-              <a:defRPr sz="900">
+              <a:defRPr sz="950" cap="all" baseline="0">
                 <a:solidFill>
                   <a:schemeClr val="tx1">
-                    <a:tint val="75000"/>
+                    <a:alpha val="80000"/>
                   </a:schemeClr>
                 </a:solidFill>
               </a:defRPr>
@@ -5382,21 +3019,27 @@
         </p:nvSpPr>
         <p:spPr>
           <a:xfrm>
-            <a:off x="8590663" y="6041362"/>
-            <a:ext cx="683339" cy="365125"/>
+            <a:off x="8763926" y="5876412"/>
+            <a:ext cx="2926080" cy="1397039"/>
           </a:xfrm>
           <a:prstGeom prst="rect">
             <a:avLst/>
           </a:prstGeom>
         </p:spPr>
         <p:txBody>
-          <a:bodyPr vert="horz" lIns="91440" tIns="45720" rIns="91440" bIns="45720" rtlCol="0" anchor="ctr"/>
+          <a:bodyPr vert="horz" lIns="91440" tIns="45720" rIns="91440" bIns="45720" rtlCol="0" anchor="b"/>
           <a:lstStyle>
             <a:lvl1pPr algn="r">
-              <a:defRPr sz="900">
+              <a:defRPr sz="10300" b="0">
+                <a:ln>
+                  <a:noFill/>
+                </a:ln>
                 <a:solidFill>
-                  <a:schemeClr val="accent1"/>
+                  <a:schemeClr val="accent1">
+                    <a:alpha val="25000"/>
+                  </a:schemeClr>
                 </a:solidFill>
+                <a:latin typeface="+mj-lt"/>
               </a:defRPr>
             </a:lvl1pPr>
           </a:lstStyle>
@@ -5413,37 +3056,35 @@
     </p:spTree>
     <p:extLst>
       <p:ext uri="{BB962C8B-B14F-4D97-AF65-F5344CB8AC3E}">
-        <p14:creationId xmlns:p14="http://schemas.microsoft.com/office/powerpoint/2010/main" val="2364301347"/>
+        <p14:creationId xmlns:p14="http://schemas.microsoft.com/office/powerpoint/2010/main" val="265766909"/>
       </p:ext>
     </p:extLst>
   </p:cSld>
   <p:clrMap bg1="lt1" tx1="dk1" bg2="lt2" tx2="dk2" accent1="accent1" accent2="accent2" accent3="accent3" accent4="accent4" accent5="accent5" accent6="accent6" hlink="hlink" folHlink="folHlink"/>
   <p:sldLayoutIdLst>
-    <p:sldLayoutId id="2147483825" r:id="rId1"/>
-    <p:sldLayoutId id="2147483826" r:id="rId2"/>
-    <p:sldLayoutId id="2147483827" r:id="rId3"/>
-    <p:sldLayoutId id="2147483828" r:id="rId4"/>
-    <p:sldLayoutId id="2147483829" r:id="rId5"/>
-    <p:sldLayoutId id="2147483830" r:id="rId6"/>
-    <p:sldLayoutId id="2147483831" r:id="rId7"/>
-    <p:sldLayoutId id="2147483832" r:id="rId8"/>
-    <p:sldLayoutId id="2147483833" r:id="rId9"/>
-    <p:sldLayoutId id="2147483834" r:id="rId10"/>
-    <p:sldLayoutId id="2147483835" r:id="rId11"/>
-    <p:sldLayoutId id="2147483836" r:id="rId12"/>
-    <p:sldLayoutId id="2147483837" r:id="rId13"/>
-    <p:sldLayoutId id="2147483838" r:id="rId14"/>
-    <p:sldLayoutId id="2147483839" r:id="rId15"/>
-    <p:sldLayoutId id="2147483840" r:id="rId16"/>
+    <p:sldLayoutId id="2147483895" r:id="rId1"/>
+    <p:sldLayoutId id="2147483896" r:id="rId2"/>
+    <p:sldLayoutId id="2147483897" r:id="rId3"/>
+    <p:sldLayoutId id="2147483898" r:id="rId4"/>
+    <p:sldLayoutId id="2147483899" r:id="rId5"/>
+    <p:sldLayoutId id="2147483900" r:id="rId6"/>
+    <p:sldLayoutId id="2147483901" r:id="rId7"/>
+    <p:sldLayoutId id="2147483902" r:id="rId8"/>
+    <p:sldLayoutId id="2147483903" r:id="rId9"/>
+    <p:sldLayoutId id="2147483904" r:id="rId10"/>
+    <p:sldLayoutId id="2147483905" r:id="rId11"/>
   </p:sldLayoutIdLst>
   <p:txStyles>
     <p:titleStyle>
-      <a:lvl1pPr algn="l" defTabSz="457200" rtl="0" eaLnBrk="1" latinLnBrk="0" hangingPunct="1">
+      <a:lvl1pPr algn="l" defTabSz="914400" rtl="0" eaLnBrk="1" latinLnBrk="0" hangingPunct="1">
+        <a:lnSpc>
+          <a:spcPct val="85000"/>
+        </a:lnSpc>
         <a:spcBef>
           <a:spcPct val="0"/>
         </a:spcBef>
         <a:buNone/>
-        <a:defRPr sz="3600" kern="1200">
+        <a:defRPr sz="5400" kern="1200" spc="-120" baseline="0">
           <a:solidFill>
             <a:schemeClr val="accent1"/>
           </a:solidFill>
@@ -5452,82 +3093,22 @@
           <a:cs typeface="+mj-cs"/>
         </a:defRPr>
       </a:lvl1pPr>
-      <a:lvl2pPr eaLnBrk="1" hangingPunct="1">
-        <a:defRPr>
-          <a:solidFill>
-            <a:schemeClr val="tx2"/>
-          </a:solidFill>
-        </a:defRPr>
-      </a:lvl2pPr>
-      <a:lvl3pPr eaLnBrk="1" hangingPunct="1">
-        <a:defRPr>
-          <a:solidFill>
-            <a:schemeClr val="tx2"/>
-          </a:solidFill>
-        </a:defRPr>
-      </a:lvl3pPr>
-      <a:lvl4pPr eaLnBrk="1" hangingPunct="1">
-        <a:defRPr>
-          <a:solidFill>
-            <a:schemeClr val="tx2"/>
-          </a:solidFill>
-        </a:defRPr>
-      </a:lvl4pPr>
-      <a:lvl5pPr eaLnBrk="1" hangingPunct="1">
-        <a:defRPr>
-          <a:solidFill>
-            <a:schemeClr val="tx2"/>
-          </a:solidFill>
-        </a:defRPr>
-      </a:lvl5pPr>
-      <a:lvl6pPr eaLnBrk="1" hangingPunct="1">
-        <a:defRPr>
-          <a:solidFill>
-            <a:schemeClr val="tx2"/>
-          </a:solidFill>
-        </a:defRPr>
-      </a:lvl6pPr>
-      <a:lvl7pPr eaLnBrk="1" hangingPunct="1">
-        <a:defRPr>
-          <a:solidFill>
-            <a:schemeClr val="tx2"/>
-          </a:solidFill>
-        </a:defRPr>
-      </a:lvl7pPr>
-      <a:lvl8pPr eaLnBrk="1" hangingPunct="1">
-        <a:defRPr>
-          <a:solidFill>
-            <a:schemeClr val="tx2"/>
-          </a:solidFill>
-        </a:defRPr>
-      </a:lvl8pPr>
-      <a:lvl9pPr eaLnBrk="1" hangingPunct="1">
-        <a:defRPr>
-          <a:solidFill>
-            <a:schemeClr val="tx2"/>
-          </a:solidFill>
-        </a:defRPr>
-      </a:lvl9pPr>
     </p:titleStyle>
     <p:bodyStyle>
-      <a:lvl1pPr marL="342900" indent="-342900" algn="l" defTabSz="457200" rtl="0" eaLnBrk="1" latinLnBrk="0" hangingPunct="1">
+      <a:lvl1pPr marL="91440" indent="-91440" algn="l" defTabSz="914400" rtl="0" eaLnBrk="1" latinLnBrk="0" hangingPunct="1">
+        <a:lnSpc>
+          <a:spcPct val="85000"/>
+        </a:lnSpc>
         <a:spcBef>
-          <a:spcPts val="1000"/>
+          <a:spcPts val="1300"/>
         </a:spcBef>
-        <a:spcAft>
-          <a:spcPts val="0"/>
-        </a:spcAft>
-        <a:buClr>
-          <a:schemeClr val="accent1"/>
-        </a:buClr>
-        <a:buSzPct val="80000"/>
-        <a:buFont typeface="Wingdings 3" charset="2"/>
-        <a:buChar char=""/>
-        <a:defRPr sz="1800" kern="1200">
+        <a:buFont typeface="Arial" pitchFamily="34" charset="0"/>
+        <a:buChar char=" "/>
+        <a:defRPr sz="2400" kern="1200">
           <a:solidFill>
             <a:schemeClr val="tx1">
-              <a:lumMod val="75000"/>
-              <a:lumOff val="25000"/>
+              <a:lumMod val="85000"/>
+              <a:lumOff val="15000"/>
             </a:schemeClr>
           </a:solidFill>
           <a:latin typeface="+mn-lt"/>
@@ -5535,24 +3116,20 @@
           <a:cs typeface="+mn-cs"/>
         </a:defRPr>
       </a:lvl1pPr>
-      <a:lvl2pPr marL="742950" indent="-285750" algn="l" defTabSz="457200" rtl="0" eaLnBrk="1" latinLnBrk="0" hangingPunct="1">
+      <a:lvl2pPr marL="347472" indent="-342900" algn="l" defTabSz="914400" rtl="0" eaLnBrk="1" latinLnBrk="0" hangingPunct="1">
+        <a:lnSpc>
+          <a:spcPct val="85000"/>
+        </a:lnSpc>
         <a:spcBef>
-          <a:spcPts val="1000"/>
+          <a:spcPts val="600"/>
         </a:spcBef>
-        <a:spcAft>
-          <a:spcPts val="0"/>
-        </a:spcAft>
-        <a:buClr>
-          <a:schemeClr val="accent1"/>
-        </a:buClr>
-        <a:buSzPct val="80000"/>
-        <a:buFont typeface="Wingdings 3" charset="2"/>
-        <a:buChar char=""/>
-        <a:defRPr sz="1600" kern="1200">
+        <a:buFont typeface="Arial" pitchFamily="34" charset="0"/>
+        <a:buChar char=" "/>
+        <a:defRPr sz="2400" kern="1200">
           <a:solidFill>
             <a:schemeClr val="tx1">
-              <a:lumMod val="75000"/>
-              <a:lumOff val="25000"/>
+              <a:lumMod val="85000"/>
+              <a:lumOff val="15000"/>
             </a:schemeClr>
           </a:solidFill>
           <a:latin typeface="+mn-lt"/>
@@ -5560,24 +3137,20 @@
           <a:cs typeface="+mn-cs"/>
         </a:defRPr>
       </a:lvl2pPr>
-      <a:lvl3pPr marL="1143000" indent="-228600" algn="l" defTabSz="457200" rtl="0" eaLnBrk="1" latinLnBrk="0" hangingPunct="1">
+      <a:lvl3pPr marL="548640" indent="-548640" algn="l" defTabSz="914400" rtl="0" eaLnBrk="1" latinLnBrk="0" hangingPunct="1">
+        <a:lnSpc>
+          <a:spcPct val="85000"/>
+        </a:lnSpc>
         <a:spcBef>
-          <a:spcPts val="1000"/>
+          <a:spcPts val="600"/>
         </a:spcBef>
-        <a:spcAft>
-          <a:spcPts val="0"/>
-        </a:spcAft>
-        <a:buClr>
-          <a:schemeClr val="accent1"/>
-        </a:buClr>
-        <a:buSzPct val="80000"/>
-        <a:buFont typeface="Wingdings 3" charset="2"/>
-        <a:buChar char=""/>
-        <a:defRPr sz="1400" kern="1200">
+        <a:buFont typeface="Arial" pitchFamily="34" charset="0"/>
+        <a:buChar char=" "/>
+        <a:defRPr sz="2000" i="1" kern="1200">
           <a:solidFill>
             <a:schemeClr val="tx1">
-              <a:lumMod val="75000"/>
-              <a:lumOff val="25000"/>
+              <a:lumMod val="85000"/>
+              <a:lumOff val="15000"/>
             </a:schemeClr>
           </a:solidFill>
           <a:latin typeface="+mn-lt"/>
@@ -5585,24 +3158,20 @@
           <a:cs typeface="+mn-cs"/>
         </a:defRPr>
       </a:lvl3pPr>
-      <a:lvl4pPr marL="1600200" indent="-228600" algn="l" defTabSz="457200" rtl="0" eaLnBrk="1" latinLnBrk="0" hangingPunct="1">
+      <a:lvl4pPr marL="822960" indent="-822960" algn="l" defTabSz="914400" rtl="0" eaLnBrk="1" latinLnBrk="0" hangingPunct="1">
+        <a:lnSpc>
+          <a:spcPct val="85000"/>
+        </a:lnSpc>
         <a:spcBef>
-          <a:spcPts val="1000"/>
+          <a:spcPts val="600"/>
         </a:spcBef>
-        <a:spcAft>
-          <a:spcPts val="0"/>
-        </a:spcAft>
-        <a:buClr>
-          <a:schemeClr val="accent1"/>
-        </a:buClr>
-        <a:buSzPct val="80000"/>
-        <a:buFont typeface="Wingdings 3" charset="2"/>
-        <a:buChar char=""/>
-        <a:defRPr sz="1200" kern="1200">
+        <a:buFont typeface="Arial" pitchFamily="34" charset="0"/>
+        <a:buChar char=" "/>
+        <a:defRPr sz="1800" kern="1200">
           <a:solidFill>
             <a:schemeClr val="tx1">
-              <a:lumMod val="75000"/>
-              <a:lumOff val="25000"/>
+              <a:lumMod val="85000"/>
+              <a:lumOff val="15000"/>
             </a:schemeClr>
           </a:solidFill>
           <a:latin typeface="+mn-lt"/>
@@ -5610,24 +3179,20 @@
           <a:cs typeface="+mn-cs"/>
         </a:defRPr>
       </a:lvl4pPr>
-      <a:lvl5pPr marL="2057400" indent="-228600" algn="l" defTabSz="457200" rtl="0" eaLnBrk="1" latinLnBrk="0" hangingPunct="1">
+      <a:lvl5pPr marL="1097280" indent="-1097280" algn="l" defTabSz="914400" rtl="0" eaLnBrk="1" latinLnBrk="0" hangingPunct="1">
+        <a:lnSpc>
+          <a:spcPct val="85000"/>
+        </a:lnSpc>
         <a:spcBef>
-          <a:spcPts val="1000"/>
+          <a:spcPts val="600"/>
         </a:spcBef>
-        <a:spcAft>
-          <a:spcPts val="0"/>
-        </a:spcAft>
-        <a:buClr>
-          <a:schemeClr val="accent1"/>
-        </a:buClr>
-        <a:buSzPct val="80000"/>
-        <a:buFont typeface="Wingdings 3" charset="2"/>
-        <a:buChar char=""/>
-        <a:defRPr sz="1200" kern="1200">
+        <a:buFont typeface="Arial" pitchFamily="34" charset="0"/>
+        <a:buChar char=" "/>
+        <a:defRPr sz="1800" kern="1200">
           <a:solidFill>
             <a:schemeClr val="tx1">
-              <a:lumMod val="75000"/>
-              <a:lumOff val="25000"/>
+              <a:lumMod val="85000"/>
+              <a:lumOff val="15000"/>
             </a:schemeClr>
           </a:solidFill>
           <a:latin typeface="+mn-lt"/>
@@ -5635,24 +3200,20 @@
           <a:cs typeface="+mn-cs"/>
         </a:defRPr>
       </a:lvl5pPr>
-      <a:lvl6pPr marL="2514600" indent="-228600" algn="l" defTabSz="457200" rtl="0" eaLnBrk="1" latinLnBrk="0" hangingPunct="1">
+      <a:lvl6pPr marL="1200000" indent="-228600" algn="l" defTabSz="914400" rtl="0" eaLnBrk="1" latinLnBrk="0" hangingPunct="1">
+        <a:lnSpc>
+          <a:spcPct val="85000"/>
+        </a:lnSpc>
         <a:spcBef>
-          <a:spcPts val="1000"/>
+          <a:spcPts val="600"/>
         </a:spcBef>
-        <a:spcAft>
-          <a:spcPts val="0"/>
-        </a:spcAft>
-        <a:buClr>
-          <a:schemeClr val="accent1"/>
-        </a:buClr>
-        <a:buSzPct val="80000"/>
-        <a:buFont typeface="Wingdings 3" charset="2"/>
-        <a:buChar char=""/>
-        <a:defRPr sz="1200" kern="1200">
+        <a:buFont typeface="Arial" pitchFamily="34" charset="0"/>
+        <a:buChar char=" "/>
+        <a:defRPr sz="1800" kern="1200">
           <a:solidFill>
             <a:schemeClr val="tx1">
-              <a:lumMod val="75000"/>
-              <a:lumOff val="25000"/>
+              <a:lumMod val="85000"/>
+              <a:lumOff val="15000"/>
             </a:schemeClr>
           </a:solidFill>
           <a:latin typeface="+mn-lt"/>
@@ -5660,24 +3221,20 @@
           <a:cs typeface="+mn-cs"/>
         </a:defRPr>
       </a:lvl6pPr>
-      <a:lvl7pPr marL="2971800" indent="-228600" algn="l" defTabSz="457200" rtl="0" eaLnBrk="1" latinLnBrk="0" hangingPunct="1">
+      <a:lvl7pPr marL="1400000" indent="-228600" algn="l" defTabSz="914400" rtl="0" eaLnBrk="1" latinLnBrk="0" hangingPunct="1">
+        <a:lnSpc>
+          <a:spcPct val="85000"/>
+        </a:lnSpc>
         <a:spcBef>
-          <a:spcPts val="1000"/>
+          <a:spcPts val="600"/>
         </a:spcBef>
-        <a:spcAft>
-          <a:spcPts val="0"/>
-        </a:spcAft>
-        <a:buClr>
-          <a:schemeClr val="accent1"/>
-        </a:buClr>
-        <a:buSzPct val="80000"/>
-        <a:buFont typeface="Wingdings 3" charset="2"/>
-        <a:buChar char=""/>
-        <a:defRPr sz="1200" kern="1200">
+        <a:buFont typeface="Arial" pitchFamily="34" charset="0"/>
+        <a:buChar char=" "/>
+        <a:defRPr sz="1800" kern="1200">
           <a:solidFill>
             <a:schemeClr val="tx1">
-              <a:lumMod val="75000"/>
-              <a:lumOff val="25000"/>
+              <a:lumMod val="85000"/>
+              <a:lumOff val="15000"/>
             </a:schemeClr>
           </a:solidFill>
           <a:latin typeface="+mn-lt"/>
@@ -5685,24 +3242,20 @@
           <a:cs typeface="+mn-cs"/>
         </a:defRPr>
       </a:lvl7pPr>
-      <a:lvl8pPr marL="3429000" indent="-228600" algn="l" defTabSz="457200" rtl="0" eaLnBrk="1" latinLnBrk="0" hangingPunct="1">
+      <a:lvl8pPr marL="1600000" indent="-228600" algn="l" defTabSz="914400" rtl="0" eaLnBrk="1" latinLnBrk="0" hangingPunct="1">
+        <a:lnSpc>
+          <a:spcPct val="85000"/>
+        </a:lnSpc>
         <a:spcBef>
-          <a:spcPts val="1000"/>
+          <a:spcPts val="600"/>
         </a:spcBef>
-        <a:spcAft>
-          <a:spcPts val="0"/>
-        </a:spcAft>
-        <a:buClr>
-          <a:schemeClr val="accent1"/>
-        </a:buClr>
-        <a:buSzPct val="80000"/>
-        <a:buFont typeface="Wingdings 3" charset="2"/>
-        <a:buChar char=""/>
-        <a:defRPr sz="1200" kern="1200">
+        <a:buFont typeface="Arial" pitchFamily="34" charset="0"/>
+        <a:buChar char=" "/>
+        <a:defRPr sz="1800" kern="1200">
           <a:solidFill>
             <a:schemeClr val="tx1">
-              <a:lumMod val="75000"/>
-              <a:lumOff val="25000"/>
+              <a:lumMod val="85000"/>
+              <a:lumOff val="15000"/>
             </a:schemeClr>
           </a:solidFill>
           <a:latin typeface="+mn-lt"/>
@@ -5710,24 +3263,20 @@
           <a:cs typeface="+mn-cs"/>
         </a:defRPr>
       </a:lvl8pPr>
-      <a:lvl9pPr marL="3886200" indent="-228600" algn="l" defTabSz="457200" rtl="0" eaLnBrk="1" latinLnBrk="0" hangingPunct="1">
+      <a:lvl9pPr marL="1800000" indent="-228600" algn="l" defTabSz="914400" rtl="0" eaLnBrk="1" latinLnBrk="0" hangingPunct="1">
+        <a:lnSpc>
+          <a:spcPct val="85000"/>
+        </a:lnSpc>
         <a:spcBef>
-          <a:spcPts val="1000"/>
+          <a:spcPts val="600"/>
         </a:spcBef>
-        <a:spcAft>
-          <a:spcPts val="0"/>
-        </a:spcAft>
-        <a:buClr>
-          <a:schemeClr val="accent1"/>
-        </a:buClr>
-        <a:buSzPct val="80000"/>
-        <a:buFont typeface="Wingdings 3" charset="2"/>
-        <a:buChar char=""/>
-        <a:defRPr sz="1200" kern="1200">
+        <a:buFont typeface="Arial" pitchFamily="34" charset="0"/>
+        <a:buChar char=" "/>
+        <a:defRPr sz="1800" kern="1200">
           <a:solidFill>
             <a:schemeClr val="tx1">
-              <a:lumMod val="75000"/>
-              <a:lumOff val="25000"/>
+              <a:lumMod val="85000"/>
+              <a:lumOff val="15000"/>
             </a:schemeClr>
           </a:solidFill>
           <a:latin typeface="+mn-lt"/>
@@ -5740,7 +3289,7 @@
       <a:defPPr>
         <a:defRPr lang="en-US"/>
       </a:defPPr>
-      <a:lvl1pPr marL="0" algn="l" defTabSz="457200" rtl="0" eaLnBrk="1" latinLnBrk="0" hangingPunct="1">
+      <a:lvl1pPr marL="0" algn="l" defTabSz="914400" rtl="0" eaLnBrk="1" latinLnBrk="0" hangingPunct="1">
         <a:defRPr sz="1800" kern="1200">
           <a:solidFill>
             <a:schemeClr val="tx1"/>
@@ -5750,7 +3299,7 @@
           <a:cs typeface="+mn-cs"/>
         </a:defRPr>
       </a:lvl1pPr>
-      <a:lvl2pPr marL="457200" algn="l" defTabSz="457200" rtl="0" eaLnBrk="1" latinLnBrk="0" hangingPunct="1">
+      <a:lvl2pPr marL="457200" algn="l" defTabSz="914400" rtl="0" eaLnBrk="1" latinLnBrk="0" hangingPunct="1">
         <a:defRPr sz="1800" kern="1200">
           <a:solidFill>
             <a:schemeClr val="tx1"/>
@@ -5760,7 +3309,7 @@
           <a:cs typeface="+mn-cs"/>
         </a:defRPr>
       </a:lvl2pPr>
-      <a:lvl3pPr marL="914400" algn="l" defTabSz="457200" rtl="0" eaLnBrk="1" latinLnBrk="0" hangingPunct="1">
+      <a:lvl3pPr marL="914400" algn="l" defTabSz="914400" rtl="0" eaLnBrk="1" latinLnBrk="0" hangingPunct="1">
         <a:defRPr sz="1800" kern="1200">
           <a:solidFill>
             <a:schemeClr val="tx1"/>
@@ -5770,7 +3319,7 @@
           <a:cs typeface="+mn-cs"/>
         </a:defRPr>
       </a:lvl3pPr>
-      <a:lvl4pPr marL="1371600" algn="l" defTabSz="457200" rtl="0" eaLnBrk="1" latinLnBrk="0" hangingPunct="1">
+      <a:lvl4pPr marL="1371600" algn="l" defTabSz="914400" rtl="0" eaLnBrk="1" latinLnBrk="0" hangingPunct="1">
         <a:defRPr sz="1800" kern="1200">
           <a:solidFill>
             <a:schemeClr val="tx1"/>
@@ -5780,7 +3329,7 @@
           <a:cs typeface="+mn-cs"/>
         </a:defRPr>
       </a:lvl4pPr>
-      <a:lvl5pPr marL="1828800" algn="l" defTabSz="457200" rtl="0" eaLnBrk="1" latinLnBrk="0" hangingPunct="1">
+      <a:lvl5pPr marL="1828800" algn="l" defTabSz="914400" rtl="0" eaLnBrk="1" latinLnBrk="0" hangingPunct="1">
         <a:defRPr sz="1800" kern="1200">
           <a:solidFill>
             <a:schemeClr val="tx1"/>
@@ -5790,7 +3339,7 @@
           <a:cs typeface="+mn-cs"/>
         </a:defRPr>
       </a:lvl5pPr>
-      <a:lvl6pPr marL="2286000" algn="l" defTabSz="457200" rtl="0" eaLnBrk="1" latinLnBrk="0" hangingPunct="1">
+      <a:lvl6pPr marL="2286000" algn="l" defTabSz="914400" rtl="0" eaLnBrk="1" latinLnBrk="0" hangingPunct="1">
         <a:defRPr sz="1800" kern="1200">
           <a:solidFill>
             <a:schemeClr val="tx1"/>
@@ -5800,7 +3349,7 @@
           <a:cs typeface="+mn-cs"/>
         </a:defRPr>
       </a:lvl6pPr>
-      <a:lvl7pPr marL="2743200" algn="l" defTabSz="457200" rtl="0" eaLnBrk="1" latinLnBrk="0" hangingPunct="1">
+      <a:lvl7pPr marL="2743200" algn="l" defTabSz="914400" rtl="0" eaLnBrk="1" latinLnBrk="0" hangingPunct="1">
         <a:defRPr sz="1800" kern="1200">
           <a:solidFill>
             <a:schemeClr val="tx1"/>
@@ -5810,7 +3359,7 @@
           <a:cs typeface="+mn-cs"/>
         </a:defRPr>
       </a:lvl7pPr>
-      <a:lvl8pPr marL="3200400" algn="l" defTabSz="457200" rtl="0" eaLnBrk="1" latinLnBrk="0" hangingPunct="1">
+      <a:lvl8pPr marL="3200400" algn="l" defTabSz="914400" rtl="0" eaLnBrk="1" latinLnBrk="0" hangingPunct="1">
         <a:defRPr sz="1800" kern="1200">
           <a:solidFill>
             <a:schemeClr val="tx1"/>
@@ -5820,7 +3369,7 @@
           <a:cs typeface="+mn-cs"/>
         </a:defRPr>
       </a:lvl8pPr>
-      <a:lvl9pPr marL="3657600" algn="l" defTabSz="457200" rtl="0" eaLnBrk="1" latinLnBrk="0" hangingPunct="1">
+      <a:lvl9pPr marL="3657600" algn="l" defTabSz="914400" rtl="0" eaLnBrk="1" latinLnBrk="0" hangingPunct="1">
         <a:defRPr sz="1800" kern="1200">
           <a:solidFill>
             <a:schemeClr val="tx1"/>
@@ -5970,7 +3519,7 @@
         </p:nvSpPr>
         <p:spPr>
           <a:xfrm>
-            <a:off x="677334" y="1896815"/>
+            <a:off x="677334" y="2222130"/>
             <a:ext cx="8596668" cy="3880773"/>
           </a:xfrm>
         </p:spPr>
@@ -5981,39 +3530,39 @@
           <a:lstStyle/>
           <a:p>
             <a:r>
-              <a:rPr lang="en-US" sz="2000" dirty="0"/>
+              <a:rPr lang="en-US" sz="2000" b="1" dirty="0"/>
               <a:t>PTS = -66.31 + 144.07 * </a:t>
             </a:r>
             <a:r>
-              <a:rPr lang="en-US" sz="2000" dirty="0" err="1"/>
+              <a:rPr lang="en-US" sz="2000" b="1" dirty="0" err="1"/>
               <a:t>eFG_pct</a:t>
             </a:r>
             <a:r>
-              <a:rPr lang="en-US" sz="2000" dirty="0"/>
+              <a:rPr lang="en-US" sz="2000" b="1" dirty="0"/>
               <a:t> + -130.92 * </a:t>
             </a:r>
             <a:r>
-              <a:rPr lang="en-US" sz="2000" dirty="0" err="1"/>
+              <a:rPr lang="en-US" sz="2000" b="1" dirty="0" err="1"/>
               <a:t>TOV_pct</a:t>
             </a:r>
             <a:r>
-              <a:rPr lang="en-US" sz="2000" dirty="0"/>
+              <a:rPr lang="en-US" sz="2000" b="1" dirty="0"/>
               <a:t> + 48.65 * </a:t>
             </a:r>
             <a:r>
-              <a:rPr lang="en-US" sz="2000" dirty="0" err="1"/>
+              <a:rPr lang="en-US" sz="2000" b="1" dirty="0" err="1"/>
               <a:t>ORB_pct</a:t>
             </a:r>
             <a:r>
-              <a:rPr lang="en-US" sz="2000" dirty="0"/>
+              <a:rPr lang="en-US" sz="2000" b="1" dirty="0"/>
               <a:t> + 31.99 * </a:t>
             </a:r>
             <a:r>
-              <a:rPr lang="en-US" sz="2000" dirty="0" err="1"/>
+              <a:rPr lang="en-US" sz="2000" b="1" dirty="0" err="1"/>
               <a:t>FT_divby_FGA</a:t>
             </a:r>
             <a:r>
-              <a:rPr lang="en-US" sz="2000" dirty="0"/>
+              <a:rPr lang="en-US" sz="2000" b="1" dirty="0"/>
               <a:t> + 0.99 * PACE</a:t>
             </a:r>
           </a:p>
@@ -6025,51 +3574,63 @@
           </a:p>
           <a:p>
             <a:r>
+              <a:rPr lang="en-US" sz="2000" b="1" dirty="0"/>
+              <a:t>GSW (home) </a:t>
+            </a:r>
+            <a:r>
+              <a:rPr lang="en-US" sz="2000" b="1" dirty="0" err="1"/>
+              <a:t>eFG_pct</a:t>
+            </a:r>
+            <a:r>
+              <a:rPr lang="en-US" sz="2000" b="1" dirty="0"/>
+              <a:t>: 59.5%</a:t>
+            </a:r>
+          </a:p>
+          <a:p>
+            <a:r>
+              <a:rPr lang="en-US" sz="2000" b="1" dirty="0"/>
+              <a:t>LAC (away) </a:t>
+            </a:r>
+            <a:r>
+              <a:rPr lang="en-US" sz="2000" b="1" i="1" dirty="0"/>
+              <a:t>opponent's</a:t>
+            </a:r>
+            <a:r>
+              <a:rPr lang="en-US" sz="2000" b="1" dirty="0"/>
+              <a:t> </a:t>
+            </a:r>
+            <a:r>
+              <a:rPr lang="en-US" sz="2000" b="1" dirty="0" err="1"/>
+              <a:t>eFG_pct</a:t>
+            </a:r>
+            <a:r>
+              <a:rPr lang="en-US" sz="2000" b="1" dirty="0"/>
+              <a:t>: 51.5%</a:t>
+            </a:r>
+          </a:p>
+          <a:p>
+            <a:r>
               <a:rPr lang="en-US" sz="2000" dirty="0"/>
-              <a:t>GSW (home) </a:t>
-            </a:r>
-            <a:r>
-              <a:rPr lang="en-US" sz="2000" dirty="0" err="1"/>
+              <a:t>Taking the </a:t>
+            </a:r>
+            <a:r>
+              <a:rPr lang="en-US" sz="2000" i="1" dirty="0"/>
+              <a:t>average</a:t>
+            </a:r>
+            <a:r>
+              <a:rPr lang="en-US" sz="2000" dirty="0"/>
+              <a:t> yields an </a:t>
+            </a:r>
+            <a:r>
+              <a:rPr lang="en-US" sz="2000" b="1" dirty="0"/>
+              <a:t>expected </a:t>
+            </a:r>
+            <a:r>
+              <a:rPr lang="en-US" sz="2000" b="1" dirty="0" err="1"/>
               <a:t>eFG_pct</a:t>
             </a:r>
             <a:r>
-              <a:rPr lang="en-US" sz="2000" dirty="0"/>
-              <a:t>: 59.5%</a:t>
-            </a:r>
-          </a:p>
-          <a:p>
-            <a:r>
-              <a:rPr lang="en-US" sz="2000" dirty="0"/>
-              <a:t>LAC (away) </a:t>
-            </a:r>
-            <a:r>
-              <a:rPr lang="en-US" sz="2000" i="1" dirty="0"/>
-              <a:t>opponent's</a:t>
-            </a:r>
-            <a:r>
-              <a:rPr lang="en-US" sz="2000" dirty="0"/>
-              <a:t> </a:t>
-            </a:r>
-            <a:r>
-              <a:rPr lang="en-US" sz="2000" dirty="0" err="1"/>
-              <a:t>eFG_pct</a:t>
-            </a:r>
-            <a:r>
-              <a:rPr lang="en-US" sz="2000" dirty="0"/>
-              <a:t>: 51.5%</a:t>
-            </a:r>
-          </a:p>
-          <a:p>
-            <a:r>
-              <a:rPr lang="en-US" sz="2000" dirty="0"/>
-              <a:t>Taking the average yields an expected </a:t>
-            </a:r>
-            <a:r>
-              <a:rPr lang="en-US" sz="2000" dirty="0" err="1"/>
-              <a:t>eFG_pct</a:t>
-            </a:r>
-            <a:r>
-              <a:rPr lang="en-US" sz="2000" dirty="0"/>
+              <a:rPr lang="en-US" sz="2000" b="1" dirty="0"/>
               <a:t> of 55.4% for GSW</a:t>
             </a:r>
           </a:p>
@@ -6082,40 +3643,54 @@
               <a:t>This same methodology can be applied to </a:t>
             </a:r>
             <a:r>
-              <a:rPr lang="en-US" sz="2000" dirty="0" err="1"/>
+              <a:rPr lang="en-US" sz="2000" b="1" dirty="0" err="1"/>
               <a:t>TOV_pct</a:t>
             </a:r>
             <a:r>
+              <a:rPr lang="en-US" sz="2000" b="1" dirty="0"/>
+              <a:t>, </a:t>
+            </a:r>
+            <a:r>
+              <a:rPr lang="en-US" sz="2000" b="1" dirty="0" err="1"/>
+              <a:t>ORB_pct</a:t>
+            </a:r>
+            <a:r>
+              <a:rPr lang="en-US" sz="2000" b="1" dirty="0"/>
+              <a:t>, </a:t>
+            </a:r>
+            <a:r>
+              <a:rPr lang="en-US" sz="2000" b="1" dirty="0" err="1"/>
+              <a:t>FT_divby_FGA</a:t>
+            </a:r>
+            <a:r>
+              <a:rPr lang="en-US" sz="2000" b="1" dirty="0"/>
+              <a:t> </a:t>
+            </a:r>
+            <a:r>
               <a:rPr lang="en-US" sz="2000" dirty="0"/>
-              <a:t>, </a:t>
-            </a:r>
-            <a:r>
-              <a:rPr lang="en-US" sz="2000" dirty="0" err="1"/>
-              <a:t>ORB_pct</a:t>
-            </a:r>
+              <a:t>and </a:t>
+            </a:r>
+            <a:r>
+              <a:rPr lang="en-US" sz="2000" b="1" dirty="0"/>
+              <a:t>Pace</a:t>
+            </a:r>
+          </a:p>
+          <a:p>
+            <a:endParaRPr lang="en-US" sz="2000" dirty="0"/>
+          </a:p>
+          <a:p>
             <a:r>
               <a:rPr lang="en-US" sz="2000" dirty="0"/>
-              <a:t>, </a:t>
-            </a:r>
-            <a:r>
-              <a:rPr lang="en-US" sz="2000" dirty="0" err="1"/>
-              <a:t>FT_divby_FGA</a:t>
-            </a:r>
-            <a:r>
-              <a:rPr lang="en-US" sz="2000" dirty="0"/>
-              <a:t> and Pace</a:t>
-            </a:r>
-          </a:p>
-          <a:p>
-            <a:endParaRPr lang="en-US" sz="2000" dirty="0"/>
-          </a:p>
-          <a:p>
-            <a:r>
-              <a:rPr lang="en-US" sz="2000" dirty="0"/>
-              <a:t>Crunching the math for each team and each independent variable yields an expected score of </a:t>
-            </a:r>
-            <a:r>
-              <a:rPr lang="en-US" sz="2000" b="1" dirty="0"/>
+              <a:t>Crunching the math and the data for each team yields an expected score of:</a:t>
+            </a:r>
+          </a:p>
+          <a:p>
+            <a:r>
+              <a:rPr lang="en-US" sz="2000" b="1" dirty="0">
+                <a:highlight>
+                  <a:srgbClr val="FFFF00"/>
+                </a:highlight>
+              </a:rPr>
               <a:t>LAC 108 GSW 116</a:t>
             </a:r>
           </a:p>
@@ -6186,13 +3761,13 @@
         <p:spPr/>
         <p:txBody>
           <a:bodyPr>
-            <a:normAutofit/>
+            <a:normAutofit fontScale="92500" lnSpcReduction="10000"/>
           </a:bodyPr>
           <a:lstStyle/>
           <a:p>
             <a:r>
               <a:rPr lang="en-US" sz="2800" dirty="0"/>
-              <a:t>“Plain vanilla games” vs games where more attention is required – i.e. where an impact player is not playing… or a team is playing back-to-back games where fatigue is a factor… etc.</a:t>
+              <a:t>This model is reasonable for “plain vanilla” games (i.e. games without significant injuries or other unique circumstances).  A layer of adjustment(s) would be required for games with more intricacies.</a:t>
             </a:r>
           </a:p>
           <a:p>
@@ -6201,7 +3776,16 @@
           <a:p>
             <a:r>
               <a:rPr lang="en-US" sz="2800" dirty="0"/>
-              <a:t>Measuring the ongoing accuracy of the model: Logging the model forecasts each day against the betting lines and the actual scores</a:t>
+              <a:t>The forecasting of X needs some improvement.  With better historical data (pre-game team snapshot data) a model such as k-NN could improve on this. </a:t>
+            </a:r>
+          </a:p>
+          <a:p>
+            <a:endParaRPr lang="en-US" sz="2800" dirty="0"/>
+          </a:p>
+          <a:p>
+            <a:r>
+              <a:rPr lang="en-US" sz="2800" dirty="0"/>
+              <a:t>Measuring the ongoing accuracy of the model: Logging results each day could give a feel for how well (a) the model compares against (b) the betting lines and (c) the actual scores </a:t>
             </a:r>
           </a:p>
         </p:txBody>
@@ -6817,7 +4401,7 @@
         </p:nvSpPr>
         <p:spPr>
           <a:xfrm>
-            <a:off x="677334" y="1254981"/>
+            <a:off x="677334" y="1931991"/>
             <a:ext cx="8596668" cy="3880773"/>
           </a:xfrm>
         </p:spPr>
@@ -6942,7 +4526,9 @@
         </p:nvSpPr>
         <p:spPr/>
         <p:txBody>
-          <a:bodyPr/>
+          <a:bodyPr>
+            <a:normAutofit/>
+          </a:bodyPr>
           <a:lstStyle/>
           <a:p>
             <a:r>
@@ -6964,7 +4550,7 @@
         </p:nvSpPr>
         <p:spPr>
           <a:xfrm>
-            <a:off x="677334" y="1888028"/>
+            <a:off x="677334" y="2099042"/>
             <a:ext cx="8596668" cy="3880773"/>
           </a:xfrm>
         </p:spPr>
@@ -6983,9 +4569,14 @@
             </a:r>
           </a:p>
           <a:p>
+            <a:pPr lvl="1"/>
+            <a:r>
+              <a:rPr lang="en-US" sz="2800" b="1" dirty="0"/>
+              <a:t>R^2</a:t>
+            </a:r>
             <a:r>
               <a:rPr lang="en-US" sz="2800" dirty="0"/>
-              <a:t>R^2 = 0.8928</a:t>
+              <a:t> = 0.8928</a:t>
             </a:r>
           </a:p>
           <a:p>
@@ -6998,14 +4589,20 @@
             </a:r>
           </a:p>
           <a:p>
+            <a:pPr lvl="1"/>
+            <a:r>
+              <a:rPr lang="en-US" sz="2800" b="1" dirty="0"/>
+              <a:t>Intercept</a:t>
+            </a:r>
             <a:r>
               <a:rPr lang="en-US" sz="2800" dirty="0"/>
-              <a:t>Intercept = -66.31</a:t>
-            </a:r>
-          </a:p>
-          <a:p>
-            <a:r>
-              <a:rPr lang="en-US" sz="2800" dirty="0" err="1"/>
+              <a:t> = -66.31</a:t>
+            </a:r>
+          </a:p>
+          <a:p>
+            <a:pPr lvl="1"/>
+            <a:r>
+              <a:rPr lang="en-US" sz="2800" b="1" dirty="0" err="1"/>
               <a:t>eFG_pct</a:t>
             </a:r>
             <a:r>
@@ -7014,8 +4611,9 @@
             </a:r>
           </a:p>
           <a:p>
-            <a:r>
-              <a:rPr lang="en-US" sz="2800" dirty="0" err="1"/>
+            <a:pPr lvl="1"/>
+            <a:r>
+              <a:rPr lang="en-US" sz="2800" b="1" dirty="0" err="1"/>
               <a:t>TOV_pct</a:t>
             </a:r>
             <a:r>
@@ -7024,8 +4622,9 @@
             </a:r>
           </a:p>
           <a:p>
-            <a:r>
-              <a:rPr lang="en-US" sz="2800" dirty="0" err="1"/>
+            <a:pPr lvl="1"/>
+            <a:r>
+              <a:rPr lang="en-US" sz="2800" b="1" dirty="0" err="1"/>
               <a:t>ORB_pct</a:t>
             </a:r>
             <a:r>
@@ -7034,8 +4633,9 @@
             </a:r>
           </a:p>
           <a:p>
-            <a:r>
-              <a:rPr lang="en-US" sz="2800" dirty="0" err="1"/>
+            <a:pPr lvl="1"/>
+            <a:r>
+              <a:rPr lang="en-US" sz="2800" b="1" dirty="0" err="1"/>
               <a:t>FT_divby_FGA</a:t>
             </a:r>
             <a:r>
@@ -7044,9 +4644,14 @@
             </a:r>
           </a:p>
           <a:p>
+            <a:pPr lvl="1"/>
+            <a:r>
+              <a:rPr lang="en-US" sz="2800" b="1" dirty="0"/>
+              <a:t>PACE = 0.99 </a:t>
+            </a:r>
             <a:r>
               <a:rPr lang="en-US" sz="2800" dirty="0"/>
-              <a:t>PACE = 0.99 (p-value = 0.000)</a:t>
+              <a:t>(p-value = 0.000)</a:t>
             </a:r>
           </a:p>
         </p:txBody>
@@ -7100,7 +4705,7 @@
           <a:p>
             <a:r>
               <a:rPr lang="en-US" dirty="0"/>
-              <a:t>Now that we have our betas, let’s forecast x-values for any given NBA game</a:t>
+              <a:t>Now that we have our betas, we need to also forecast x-values to obtain or y-value (PTS)</a:t>
             </a:r>
           </a:p>
         </p:txBody>
@@ -7132,7 +4737,23 @@
           <a:p>
             <a:r>
               <a:rPr lang="en-US" sz="2400" dirty="0"/>
-              <a:t>Each team will have offensive and defensive stats for each independent variable</a:t>
+              <a:t>Each team will have </a:t>
+            </a:r>
+            <a:r>
+              <a:rPr lang="en-US" sz="2400" i="1" dirty="0"/>
+              <a:t>offensive</a:t>
+            </a:r>
+            <a:r>
+              <a:rPr lang="en-US" sz="2400" dirty="0"/>
+              <a:t> and </a:t>
+            </a:r>
+            <a:r>
+              <a:rPr lang="en-US" sz="2400" i="1" dirty="0"/>
+              <a:t>defensive</a:t>
+            </a:r>
+            <a:r>
+              <a:rPr lang="en-US" sz="2400" dirty="0"/>
+              <a:t> stats for each independent variable</a:t>
             </a:r>
           </a:p>
           <a:p>
@@ -7141,7 +4762,23 @@
           <a:p>
             <a:r>
               <a:rPr lang="en-US" sz="2400" dirty="0"/>
-              <a:t>We’ll treat teams as essentially two different teams for each of their Home and Away stats</a:t>
+              <a:t>We’ll treat each team as essentially </a:t>
+            </a:r>
+            <a:r>
+              <a:rPr lang="en-US" sz="2400" i="1" dirty="0"/>
+              <a:t>two different teams </a:t>
+            </a:r>
+            <a:r>
+              <a:rPr lang="en-US" sz="2400" dirty="0"/>
+              <a:t>– </a:t>
+            </a:r>
+            <a:r>
+              <a:rPr lang="en-US" dirty="0"/>
+              <a:t>one team for Home games stats and another team for </a:t>
+            </a:r>
+            <a:r>
+              <a:rPr lang="en-US" sz="2400" dirty="0"/>
+              <a:t>Away stats</a:t>
             </a:r>
           </a:p>
           <a:p>
@@ -7150,8 +4787,29 @@
           <a:p>
             <a:r>
               <a:rPr lang="en-US" sz="2400" dirty="0"/>
-              <a:t>An average between Team A offense vs Team B opponents stats should suffice for each independent variable</a:t>
-            </a:r>
+              <a:t>For each dependent variable an average between Team A offensive stats vs Team B defensive stats (split on </a:t>
+            </a:r>
+            <a:r>
+              <a:rPr lang="en-US" dirty="0"/>
+              <a:t>Home / Away) </a:t>
+            </a:r>
+            <a:r>
+              <a:rPr lang="en-US" sz="2400" dirty="0"/>
+              <a:t>is a </a:t>
+            </a:r>
+            <a:r>
+              <a:rPr lang="en-US" sz="2400" i="1" dirty="0"/>
+              <a:t>reasonable approximation </a:t>
+            </a:r>
+            <a:r>
+              <a:rPr lang="en-US" sz="2400" dirty="0"/>
+              <a:t>(although not ideal) for ea</a:t>
+            </a:r>
+            <a:r>
+              <a:rPr lang="en-US" dirty="0"/>
+              <a:t>ch X</a:t>
+            </a:r>
+            <a:endParaRPr lang="en-US" sz="2400" dirty="0"/>
           </a:p>
           <a:p>
             <a:endParaRPr lang="en-US" sz="2400" dirty="0"/>
@@ -7187,9 +4845,9 @@
 </file>
 
 <file path=ppt/theme/theme1.xml><?xml version="1.0" encoding="utf-8"?>
-<a:theme xmlns:a="http://schemas.openxmlformats.org/drawingml/2006/main" name="Facet">
+<a:theme xmlns:a="http://schemas.openxmlformats.org/drawingml/2006/main" name="Metropolitan">
   <a:themeElements>
-    <a:clrScheme name="Orange Red">
+    <a:clrScheme name="Blue">
       <a:dk1>
         <a:sysClr val="windowText" lastClr="000000"/>
       </a:dk1>
@@ -7197,52 +4855,52 @@
         <a:sysClr val="window" lastClr="FFFFFF"/>
       </a:lt1>
       <a:dk2>
-        <a:srgbClr val="696464"/>
+        <a:srgbClr val="17406D"/>
       </a:dk2>
       <a:lt2>
-        <a:srgbClr val="E9E5DC"/>
+        <a:srgbClr val="DBEFF9"/>
       </a:lt2>
       <a:accent1>
-        <a:srgbClr val="D34817"/>
+        <a:srgbClr val="0F6FC6"/>
       </a:accent1>
       <a:accent2>
-        <a:srgbClr val="9B2D1F"/>
+        <a:srgbClr val="009DD9"/>
       </a:accent2>
       <a:accent3>
-        <a:srgbClr val="A28E6A"/>
+        <a:srgbClr val="0BD0D9"/>
       </a:accent3>
       <a:accent4>
-        <a:srgbClr val="956251"/>
+        <a:srgbClr val="10CF9B"/>
       </a:accent4>
       <a:accent5>
-        <a:srgbClr val="918485"/>
+        <a:srgbClr val="7CCA62"/>
       </a:accent5>
       <a:accent6>
-        <a:srgbClr val="855D5D"/>
+        <a:srgbClr val="A5C249"/>
       </a:accent6>
       <a:hlink>
-        <a:srgbClr val="CC9900"/>
+        <a:srgbClr val="F49100"/>
       </a:hlink>
       <a:folHlink>
-        <a:srgbClr val="96A9A9"/>
+        <a:srgbClr val="85DFD0"/>
       </a:folHlink>
     </a:clrScheme>
-    <a:fontScheme name="Facet">
+    <a:fontScheme name="Metropolitan">
       <a:majorFont>
-        <a:latin typeface="Trebuchet MS" panose="020B0603020202020204"/>
+        <a:latin typeface="Calibri Light" panose="020F0302020204030204"/>
         <a:ea typeface=""/>
         <a:cs typeface=""/>
-        <a:font script="Jpan" typeface="メイリオ"/>
+        <a:font script="Jpan" typeface="ＭＳ Ｐゴシック"/>
         <a:font script="Hang" typeface="맑은 고딕"/>
-        <a:font script="Hans" typeface="方正姚体"/>
-        <a:font script="Hant" typeface="微軟正黑體"/>
-        <a:font script="Arab" typeface="Tahoma"/>
-        <a:font script="Hebr" typeface="Arial"/>
-        <a:font script="Thai" typeface="Cordia New"/>
+        <a:font script="Hans" typeface="宋体"/>
+        <a:font script="Hant" typeface="新細明體"/>
+        <a:font script="Arab" typeface="Times New Roman"/>
+        <a:font script="Hebr" typeface="Times New Roman"/>
+        <a:font script="Thai" typeface="Angsana New"/>
         <a:font script="Ethi" typeface="Nyala"/>
         <a:font script="Beng" typeface="Vrinda"/>
         <a:font script="Gujr" typeface="Shruti"/>
-        <a:font script="Khmr" typeface="DaunPenh"/>
+        <a:font script="Khmr" typeface="MoolBoran"/>
         <a:font script="Knda" typeface="Tunga"/>
         <a:font script="Guru" typeface="Raavi"/>
         <a:font script="Cans" typeface="Euphemia"/>
@@ -7259,25 +4917,25 @@
         <a:font script="Laoo" typeface="DokChampa"/>
         <a:font script="Sinh" typeface="Iskoola Pota"/>
         <a:font script="Mong" typeface="Mongolian Baiti"/>
-        <a:font script="Viet" typeface="Tahoma"/>
+        <a:font script="Viet" typeface="Times New Roman"/>
         <a:font script="Uigh" typeface="Microsoft Uighur"/>
         <a:font script="Geor" typeface="Sylfaen"/>
       </a:majorFont>
       <a:minorFont>
-        <a:latin typeface="Trebuchet MS" panose="020B0603020202020204"/>
+        <a:latin typeface="Calibri Light" panose="020F0302020204030204"/>
         <a:ea typeface=""/>
         <a:cs typeface=""/>
-        <a:font script="Jpan" typeface="メイリオ"/>
-        <a:font script="Hang" typeface="HY그래픽M"/>
-        <a:font script="Hans" typeface="华文新魏"/>
-        <a:font script="Hant" typeface="微軟正黑體"/>
-        <a:font script="Arab" typeface="Tahoma"/>
-        <a:font script="Hebr" typeface="Gisha"/>
-        <a:font script="Thai" typeface="IrisUPC"/>
+        <a:font script="Jpan" typeface="ＭＳ Ｐゴシック"/>
+        <a:font script="Hang" typeface="맑은 고딕"/>
+        <a:font script="Hans" typeface="宋体"/>
+        <a:font script="Hant" typeface="新細明體"/>
+        <a:font script="Arab" typeface="Times New Roman"/>
+        <a:font script="Hebr" typeface="Times New Roman"/>
+        <a:font script="Thai" typeface="Angsana New"/>
         <a:font script="Ethi" typeface="Nyala"/>
         <a:font script="Beng" typeface="Vrinda"/>
         <a:font script="Gujr" typeface="Shruti"/>
-        <a:font script="Khmr" typeface="DaunPenh"/>
+        <a:font script="Khmr" typeface="MoolBoran"/>
         <a:font script="Knda" typeface="Tunga"/>
         <a:font script="Guru" typeface="Raavi"/>
         <a:font script="Cans" typeface="Euphemia"/>
@@ -7294,12 +4952,12 @@
         <a:font script="Laoo" typeface="DokChampa"/>
         <a:font script="Sinh" typeface="Iskoola Pota"/>
         <a:font script="Mong" typeface="Mongolian Baiti"/>
-        <a:font script="Viet" typeface="Arial"/>
+        <a:font script="Viet" typeface="Times New Roman"/>
         <a:font script="Uigh" typeface="Microsoft Uighur"/>
         <a:font script="Geor" typeface="Sylfaen"/>
       </a:minorFont>
     </a:fontScheme>
-    <a:fmtScheme name="Facet">
+    <a:fmtScheme name="Metropolitan">
       <a:fillStyleLst>
         <a:solidFill>
           <a:schemeClr val="phClr"/>
@@ -7308,50 +4966,69 @@
           <a:gsLst>
             <a:gs pos="0">
               <a:schemeClr val="phClr">
-                <a:tint val="65000"/>
+                <a:tint val="70000"/>
+                <a:satMod val="100000"/>
                 <a:lumMod val="110000"/>
               </a:schemeClr>
             </a:gs>
-            <a:gs pos="88000">
+            <a:gs pos="50000">
               <a:schemeClr val="phClr">
-                <a:tint val="90000"/>
+                <a:tint val="75000"/>
+                <a:satMod val="101000"/>
+                <a:lumMod val="105000"/>
+              </a:schemeClr>
+            </a:gs>
+            <a:gs pos="100000">
+              <a:schemeClr val="phClr">
+                <a:tint val="82000"/>
+                <a:satMod val="104000"/>
+                <a:lumMod val="105000"/>
               </a:schemeClr>
             </a:gs>
           </a:gsLst>
-          <a:lin ang="5400000" scaled="0"/>
+          <a:lin ang="2700000" scaled="0"/>
         </a:gradFill>
         <a:gradFill rotWithShape="1">
           <a:gsLst>
             <a:gs pos="0">
               <a:schemeClr val="phClr">
-                <a:tint val="96000"/>
+                <a:tint val="97000"/>
+                <a:satMod val="100000"/>
+                <a:lumMod val="102000"/>
+              </a:schemeClr>
+            </a:gs>
+            <a:gs pos="50000">
+              <a:schemeClr val="phClr">
+                <a:shade val="100000"/>
+                <a:satMod val="100000"/>
                 <a:lumMod val="100000"/>
               </a:schemeClr>
             </a:gs>
-            <a:gs pos="78000">
+            <a:gs pos="100000">
               <a:schemeClr val="phClr">
-                <a:shade val="94000"/>
-                <a:lumMod val="94000"/>
+                <a:shade val="80000"/>
+                <a:satMod val="100000"/>
+                <a:lumMod val="99000"/>
               </a:schemeClr>
             </a:gs>
           </a:gsLst>
-          <a:lin ang="5400000" scaled="0"/>
+          <a:lin ang="2700000" scaled="0"/>
         </a:gradFill>
       </a:fillStyleLst>
       <a:lnStyleLst>
-        <a:ln w="12700" cap="rnd" cmpd="sng" algn="ctr">
+        <a:ln w="9525" cap="flat" cmpd="sng" algn="ctr">
           <a:solidFill>
             <a:schemeClr val="phClr"/>
           </a:solidFill>
           <a:prstDash val="solid"/>
         </a:ln>
-        <a:ln w="19050" cap="rnd" cmpd="sng" algn="ctr">
+        <a:ln w="12700" cap="flat" cmpd="sng" algn="ctr">
           <a:solidFill>
             <a:schemeClr val="phClr"/>
           </a:solidFill>
           <a:prstDash val="solid"/>
         </a:ln>
-        <a:ln w="25400" cap="rnd" cmpd="sng" algn="ctr">
+        <a:ln w="19050" cap="flat" cmpd="sng" algn="ctr">
           <a:solidFill>
             <a:schemeClr val="phClr"/>
           </a:solidFill>
@@ -7363,73 +5040,34 @@
           <a:effectLst/>
         </a:effectStyle>
         <a:effectStyle>
+          <a:effectLst/>
+        </a:effectStyle>
+        <a:effectStyle>
           <a:effectLst>
-            <a:outerShdw blurRad="38100" dist="25400" dir="5400000" rotWithShape="0">
+            <a:outerShdw blurRad="57150" dist="19050" dir="5400000" algn="ctr" rotWithShape="0">
               <a:srgbClr val="000000">
-                <a:alpha val="35000"/>
+                <a:alpha val="63000"/>
               </a:srgbClr>
             </a:outerShdw>
           </a:effectLst>
-        </a:effectStyle>
-        <a:effectStyle>
-          <a:effectLst>
-            <a:outerShdw blurRad="50800" dist="38100" dir="5400000" rotWithShape="0">
-              <a:srgbClr val="000000">
-                <a:alpha val="35000"/>
-              </a:srgbClr>
-            </a:outerShdw>
-          </a:effectLst>
-          <a:scene3d>
-            <a:camera prst="orthographicFront">
-              <a:rot lat="0" lon="0" rev="0"/>
-            </a:camera>
-            <a:lightRig rig="threePt" dir="tl"/>
-          </a:scene3d>
-          <a:sp3d prstMaterial="plastic">
-            <a:bevelT w="0" h="0"/>
-          </a:sp3d>
         </a:effectStyle>
       </a:effectStyleLst>
       <a:bgFillStyleLst>
         <a:solidFill>
           <a:schemeClr val="phClr"/>
         </a:solidFill>
-        <a:gradFill rotWithShape="1">
-          <a:gsLst>
-            <a:gs pos="0">
-              <a:schemeClr val="phClr">
-                <a:tint val="90000"/>
-                <a:lumMod val="104000"/>
-              </a:schemeClr>
-            </a:gs>
-            <a:gs pos="94000">
-              <a:schemeClr val="phClr">
-                <a:shade val="96000"/>
-                <a:lumMod val="82000"/>
-              </a:schemeClr>
-            </a:gs>
-          </a:gsLst>
-          <a:lin ang="5400000" scaled="0"/>
-        </a:gradFill>
-        <a:gradFill rotWithShape="1">
-          <a:gsLst>
-            <a:gs pos="0">
-              <a:schemeClr val="phClr">
-                <a:tint val="90000"/>
-                <a:lumMod val="110000"/>
-              </a:schemeClr>
-            </a:gs>
-            <a:gs pos="100000">
-              <a:schemeClr val="phClr">
-                <a:shade val="94000"/>
-                <a:lumMod val="96000"/>
-              </a:schemeClr>
-            </a:gs>
-          </a:gsLst>
-          <a:path path="circle">
-            <a:fillToRect l="50000" t="50000" r="100000" b="100000"/>
-          </a:path>
-        </a:gradFill>
+        <a:solidFill>
+          <a:schemeClr val="phClr">
+            <a:tint val="95000"/>
+            <a:satMod val="170000"/>
+          </a:schemeClr>
+        </a:solidFill>
+        <a:solidFill>
+          <a:schemeClr val="phClr">
+            <a:shade val="95000"/>
+            <a:satMod val="170000"/>
+          </a:schemeClr>
+        </a:solidFill>
       </a:bgFillStyleLst>
     </a:fmtScheme>
   </a:themeElements>
@@ -7437,7 +5075,7 @@
   <a:extraClrSchemeLst/>
   <a:extLst>
     <a:ext uri="{05A4C25C-085E-4340-85A3-A5531E510DB2}">
-      <thm15:themeFamily xmlns:thm15="http://schemas.microsoft.com/office/thememl/2012/main" name="Facet" id="{C0C680CD-088A-49FC-A102-D699147F32B2}" vid="{CFBC31BA-B70F-4F30-BCAA-4F3011E16C4D}"/>
+      <thm15:themeFamily xmlns:thm15="http://schemas.microsoft.com/office/thememl/2012/main" name="Metropolitan" id="{4C5440D6-04D2-4954-96CF-F251137069B2}" vid="{79CFCA13-9412-4290-BB4B-85112F88857B}"/>
     </a:ext>
   </a:extLst>
 </a:theme>

--- a/final-project/3/Final_Project_3_David_Goldman.pptx
+++ b/final-project/3/Final_Project_3_David_Goldman.pptx
@@ -322,7 +322,7 @@
           <a:p>
             <a:fld id="{48A87A34-81AB-432B-8DAE-1953F412C126}" type="datetimeFigureOut">
               <a:rPr lang="en-US" smtClean="0"/>
-              <a:t>2/20/2017</a:t>
+              <a:t>2/21/2017</a:t>
             </a:fld>
             <a:endParaRPr lang="en-US" dirty="0"/>
           </a:p>
@@ -512,7 +512,7 @@
           <a:p>
             <a:fld id="{48A87A34-81AB-432B-8DAE-1953F412C126}" type="datetimeFigureOut">
               <a:rPr lang="en-US" smtClean="0"/>
-              <a:t>2/20/2017</a:t>
+              <a:t>2/21/2017</a:t>
             </a:fld>
             <a:endParaRPr lang="en-US" dirty="0"/>
           </a:p>
@@ -692,7 +692,7 @@
           <a:p>
             <a:fld id="{48A87A34-81AB-432B-8DAE-1953F412C126}" type="datetimeFigureOut">
               <a:rPr lang="en-US" smtClean="0"/>
-              <a:t>2/20/2017</a:t>
+              <a:t>2/21/2017</a:t>
             </a:fld>
             <a:endParaRPr lang="en-US" dirty="0"/>
           </a:p>
@@ -862,7 +862,7 @@
           <a:p>
             <a:fld id="{48A87A34-81AB-432B-8DAE-1953F412C126}" type="datetimeFigureOut">
               <a:rPr lang="en-US" smtClean="0"/>
-              <a:t>2/20/2017</a:t>
+              <a:t>2/21/2017</a:t>
             </a:fld>
             <a:endParaRPr lang="en-US" dirty="0"/>
           </a:p>
@@ -1118,7 +1118,7 @@
           <a:p>
             <a:fld id="{48A87A34-81AB-432B-8DAE-1953F412C126}" type="datetimeFigureOut">
               <a:rPr lang="en-US" smtClean="0"/>
-              <a:t>2/20/2017</a:t>
+              <a:t>2/21/2017</a:t>
             </a:fld>
             <a:endParaRPr lang="en-US" dirty="0"/>
           </a:p>
@@ -1406,7 +1406,7 @@
           <a:p>
             <a:fld id="{48A87A34-81AB-432B-8DAE-1953F412C126}" type="datetimeFigureOut">
               <a:rPr lang="en-US" smtClean="0"/>
-              <a:t>2/20/2017</a:t>
+              <a:t>2/21/2017</a:t>
             </a:fld>
             <a:endParaRPr lang="en-US" dirty="0"/>
           </a:p>
@@ -1844,7 +1844,7 @@
           <a:p>
             <a:fld id="{48A87A34-81AB-432B-8DAE-1953F412C126}" type="datetimeFigureOut">
               <a:rPr lang="en-US" smtClean="0"/>
-              <a:t>2/20/2017</a:t>
+              <a:t>2/21/2017</a:t>
             </a:fld>
             <a:endParaRPr lang="en-US" dirty="0"/>
           </a:p>
@@ -1962,7 +1962,7 @@
           <a:p>
             <a:fld id="{48A87A34-81AB-432B-8DAE-1953F412C126}" type="datetimeFigureOut">
               <a:rPr lang="en-US" smtClean="0"/>
-              <a:t>2/20/2017</a:t>
+              <a:t>2/21/2017</a:t>
             </a:fld>
             <a:endParaRPr lang="en-US" dirty="0"/>
           </a:p>
@@ -2057,7 +2057,7 @@
           <a:p>
             <a:fld id="{48A87A34-81AB-432B-8DAE-1953F412C126}" type="datetimeFigureOut">
               <a:rPr lang="en-US" smtClean="0"/>
-              <a:t>2/20/2017</a:t>
+              <a:t>2/21/2017</a:t>
             </a:fld>
             <a:endParaRPr lang="en-US" dirty="0"/>
           </a:p>
@@ -2413,7 +2413,7 @@
           <a:p>
             <a:fld id="{48A87A34-81AB-432B-8DAE-1953F412C126}" type="datetimeFigureOut">
               <a:rPr lang="en-US" smtClean="0"/>
-              <a:t>2/20/2017</a:t>
+              <a:t>2/21/2017</a:t>
             </a:fld>
             <a:endParaRPr lang="en-US" dirty="0"/>
           </a:p>
@@ -2730,7 +2730,7 @@
             <a:fld id="{48A87A34-81AB-432B-8DAE-1953F412C126}" type="datetimeFigureOut">
               <a:rPr lang="en-US" smtClean="0"/>
               <a:pPr/>
-              <a:t>2/20/2017</a:t>
+              <a:t>2/21/2017</a:t>
             </a:fld>
             <a:endParaRPr lang="en-US" dirty="0"/>
           </a:p>
@@ -2964,7 +2964,7 @@
             <a:fld id="{48A87A34-81AB-432B-8DAE-1953F412C126}" type="datetimeFigureOut">
               <a:rPr lang="en-US" smtClean="0"/>
               <a:pPr/>
-              <a:t>2/20/2017</a:t>
+              <a:t>2/21/2017</a:t>
             </a:fld>
             <a:endParaRPr lang="en-US" dirty="0"/>
           </a:p>
@@ -3531,7 +3531,13 @@
           <a:p>
             <a:r>
               <a:rPr lang="en-US" sz="2000" b="1" dirty="0"/>
-              <a:t>PTS = -66.31 + 144.07 * </a:t>
+              <a:t>PTS = -66.31</a:t>
+            </a:r>
+          </a:p>
+          <a:p>
+            <a:r>
+              <a:rPr lang="en-US" sz="2000" b="1" dirty="0"/>
+              <a:t>+ 144.07 * </a:t>
             </a:r>
             <a:r>
               <a:rPr lang="en-US" sz="2000" b="1" dirty="0" err="1"/>
@@ -3539,7 +3545,13 @@
             </a:r>
             <a:r>
               <a:rPr lang="en-US" sz="2000" b="1" dirty="0"/>
-              <a:t> + -130.92 * </a:t>
+              <a:t> </a:t>
+            </a:r>
+          </a:p>
+          <a:p>
+            <a:r>
+              <a:rPr lang="en-US" sz="2000" b="1" dirty="0"/>
+              <a:t>+ -130.92 * </a:t>
             </a:r>
             <a:r>
               <a:rPr lang="en-US" sz="2000" b="1" dirty="0" err="1"/>
@@ -3547,7 +3559,13 @@
             </a:r>
             <a:r>
               <a:rPr lang="en-US" sz="2000" b="1" dirty="0"/>
-              <a:t> + 48.65 * </a:t>
+              <a:t> </a:t>
+            </a:r>
+          </a:p>
+          <a:p>
+            <a:r>
+              <a:rPr lang="en-US" sz="2000" b="1" dirty="0"/>
+              <a:t>+ 48.65 * </a:t>
             </a:r>
             <a:r>
               <a:rPr lang="en-US" sz="2000" b="1" dirty="0" err="1"/>
@@ -3555,7 +3573,13 @@
             </a:r>
             <a:r>
               <a:rPr lang="en-US" sz="2000" b="1" dirty="0"/>
-              <a:t> + 31.99 * </a:t>
+              <a:t> </a:t>
+            </a:r>
+          </a:p>
+          <a:p>
+            <a:r>
+              <a:rPr lang="en-US" sz="2000" b="1" dirty="0"/>
+              <a:t>+ 31.99 * </a:t>
             </a:r>
             <a:r>
               <a:rPr lang="en-US" sz="2000" b="1" dirty="0" err="1"/>
@@ -3563,7 +3587,13 @@
             </a:r>
             <a:r>
               <a:rPr lang="en-US" sz="2000" b="1" dirty="0"/>
-              <a:t> + 0.99 * PACE</a:t>
+              <a:t> </a:t>
+            </a:r>
+          </a:p>
+          <a:p>
+            <a:r>
+              <a:rPr lang="en-US" sz="2000" b="1" dirty="0"/>
+              <a:t>+ 0.99 * PACE</a:t>
             </a:r>
           </a:p>
           <a:p>
@@ -3583,13 +3613,15 @@
             </a:r>
             <a:r>
               <a:rPr lang="en-US" sz="2000" b="1" dirty="0"/>
-              <a:t>: 59.5%</a:t>
-            </a:r>
-          </a:p>
-          <a:p>
+              <a:t>: 59.5% </a:t>
+            </a:r>
+            <a:r>
+              <a:rPr lang="en-US" sz="2000" dirty="0"/>
+              <a:t>and</a:t>
+            </a:r>
             <a:r>
               <a:rPr lang="en-US" sz="2000" b="1" dirty="0"/>
-              <a:t>LAC (away) </a:t>
+              <a:t> LAC (away) </a:t>
             </a:r>
             <a:r>
               <a:rPr lang="en-US" sz="2000" b="1" i="1" dirty="0"/>
@@ -4479,7 +4511,15 @@
           <a:p>
             <a:r>
               <a:rPr lang="en-US" sz="2800" dirty="0"/>
-              <a:t>One more metric, “Pace” was also included in the model</a:t>
+              <a:t>One more metric, “</a:t>
+            </a:r>
+            <a:r>
+              <a:rPr lang="en-US" sz="2800" b="1" dirty="0"/>
+              <a:t>Pace</a:t>
+            </a:r>
+            <a:r>
+              <a:rPr lang="en-US" sz="2800" dirty="0"/>
+              <a:t>” was also included in the model</a:t>
             </a:r>
           </a:p>
         </p:txBody>
@@ -4564,7 +4604,7 @@
               <a:buNone/>
             </a:pPr>
             <a:r>
-              <a:rPr lang="en-US" sz="2800" b="1" dirty="0"/>
+              <a:rPr lang="en-US" sz="2800" b="1" u="sng" dirty="0"/>
               <a:t>Train results</a:t>
             </a:r>
           </a:p>
@@ -4584,7 +4624,7 @@
               <a:buNone/>
             </a:pPr>
             <a:r>
-              <a:rPr lang="en-US" sz="2800" b="1" dirty="0"/>
+              <a:rPr lang="en-US" sz="2800" b="1" u="sng" dirty="0"/>
               <a:t>Coefficients</a:t>
             </a:r>
           </a:p>
@@ -4647,7 +4687,23 @@
             <a:pPr lvl="1"/>
             <a:r>
               <a:rPr lang="en-US" sz="2800" b="1" dirty="0"/>
-              <a:t>PACE = 0.99 </a:t>
+              <a:t>PACE </a:t>
+            </a:r>
+            <a:r>
+              <a:rPr lang="en-US" sz="2800" dirty="0"/>
+              <a:t>=</a:t>
+            </a:r>
+            <a:r>
+              <a:rPr lang="en-US" sz="2800" b="1" dirty="0"/>
+              <a:t> </a:t>
+            </a:r>
+            <a:r>
+              <a:rPr lang="en-US" sz="2800" dirty="0"/>
+              <a:t>0.99</a:t>
+            </a:r>
+            <a:r>
+              <a:rPr lang="en-US" sz="2800" b="1" dirty="0"/>
+              <a:t> </a:t>
             </a:r>
             <a:r>
               <a:rPr lang="en-US" sz="2800" dirty="0"/>
@@ -4705,7 +4761,7 @@
           <a:p>
             <a:r>
               <a:rPr lang="en-US" dirty="0"/>
-              <a:t>Now that we have our betas, we need to also forecast x-values to obtain or y-value (PTS)</a:t>
+              <a:t>Now that we have the betas, we need to also forecast x-values to obtain the y-value (PTS)</a:t>
             </a:r>
           </a:p>
         </p:txBody>
